--- a/Chapter04/AzureStorageTest_Example/AzureStorageTest_Example/Azure Cloud Storage.pptx
+++ b/Chapter04/AzureStorageTest_Example/AzureStorageTest_Example/Azure Cloud Storage.pptx
@@ -5,7 +5,7 @@
     <p:sldMasterId id="2147483732" r:id="rId1"/>
   </p:sldMasterIdLst>
   <p:notesMasterIdLst>
-    <p:notesMasterId r:id="rId17"/>
+    <p:notesMasterId r:id="rId43"/>
   </p:notesMasterIdLst>
   <p:sldIdLst>
     <p:sldId id="256" r:id="rId2"/>
@@ -23,6 +23,32 @@
     <p:sldId id="259" r:id="rId14"/>
     <p:sldId id="258" r:id="rId15"/>
     <p:sldId id="257" r:id="rId16"/>
+    <p:sldId id="271" r:id="rId17"/>
+    <p:sldId id="272" r:id="rId18"/>
+    <p:sldId id="274" r:id="rId19"/>
+    <p:sldId id="275" r:id="rId20"/>
+    <p:sldId id="276" r:id="rId21"/>
+    <p:sldId id="277" r:id="rId22"/>
+    <p:sldId id="278" r:id="rId23"/>
+    <p:sldId id="279" r:id="rId24"/>
+    <p:sldId id="280" r:id="rId25"/>
+    <p:sldId id="281" r:id="rId26"/>
+    <p:sldId id="283" r:id="rId27"/>
+    <p:sldId id="284" r:id="rId28"/>
+    <p:sldId id="285" r:id="rId29"/>
+    <p:sldId id="286" r:id="rId30"/>
+    <p:sldId id="287" r:id="rId31"/>
+    <p:sldId id="288" r:id="rId32"/>
+    <p:sldId id="282" r:id="rId33"/>
+    <p:sldId id="289" r:id="rId34"/>
+    <p:sldId id="290" r:id="rId35"/>
+    <p:sldId id="291" r:id="rId36"/>
+    <p:sldId id="292" r:id="rId37"/>
+    <p:sldId id="293" r:id="rId38"/>
+    <p:sldId id="294" r:id="rId39"/>
+    <p:sldId id="296" r:id="rId40"/>
+    <p:sldId id="297" r:id="rId41"/>
+    <p:sldId id="298" r:id="rId42"/>
   </p:sldIdLst>
   <p:sldSz cx="9144000" cy="6858000" type="screen4x3"/>
   <p:notesSz cx="6858000" cy="9144000"/>
@@ -206,7 +232,7 @@
           <a:p>
             <a:fld id="{6DBD8929-5712-4CBE-98CE-B7AAE1F174BD}" type="datetimeFigureOut">
               <a:rPr lang="en-US" smtClean="0"/>
-              <a:t>10/9/2019</a:t>
+              <a:t>11/5/2019</a:t>
             </a:fld>
             <a:endParaRPr lang="en-US"/>
           </a:p>
@@ -518,31 +544,6 @@
           <a:bodyPr/>
           <a:lstStyle/>
           <a:p>
-            <a:r>
-              <a:rPr lang="en-US" b="1" dirty="0" smtClean="0"/>
-              <a:t>Slide Objectives</a:t>
-            </a:r>
-          </a:p>
-          <a:p>
-            <a:pPr marL="171450" indent="-171450">
-              <a:buFont typeface="Arial" pitchFamily="34" charset="0"/>
-              <a:buChar char="•"/>
-            </a:pPr>
-            <a:r>
-              <a:rPr lang="en-US" b="0" dirty="0" smtClean="0"/>
-              <a:t>Understand Tables</a:t>
-            </a:r>
-          </a:p>
-          <a:p>
-            <a:endParaRPr lang="en-US" dirty="0" smtClean="0"/>
-          </a:p>
-          <a:p>
-            <a:r>
-              <a:rPr lang="en-US" b="1" dirty="0" smtClean="0"/>
-              <a:t>Speaker Notes</a:t>
-            </a:r>
-          </a:p>
-          <a:p>
             <a:pPr marL="171450" indent="-171450">
               <a:buFont typeface="Arial" pitchFamily="34" charset="0"/>
               <a:buChar char="•"/>
@@ -679,31 +680,6 @@
           <a:bodyPr/>
           <a:lstStyle/>
           <a:p>
-            <a:r>
-              <a:rPr lang="en-US" b="1" dirty="0" smtClean="0"/>
-              <a:t>Slide Objectives</a:t>
-            </a:r>
-          </a:p>
-          <a:p>
-            <a:pPr marL="171450" indent="-171450">
-              <a:buFont typeface="Arial" pitchFamily="34" charset="0"/>
-              <a:buChar char="•"/>
-            </a:pPr>
-            <a:r>
-              <a:rPr lang="en-US" b="0" dirty="0" smtClean="0"/>
-              <a:t>Understand Tables and Entities</a:t>
-            </a:r>
-          </a:p>
-          <a:p>
-            <a:endParaRPr lang="en-US" dirty="0" smtClean="0"/>
-          </a:p>
-          <a:p>
-            <a:r>
-              <a:rPr lang="en-US" b="1" dirty="0" smtClean="0"/>
-              <a:t>Speaker Notes</a:t>
-            </a:r>
-          </a:p>
-          <a:p>
             <a:pPr marL="171450" indent="-171450">
               <a:buFont typeface="Arial" pitchFamily="34" charset="0"/>
               <a:buChar char="•"/>
@@ -904,31 +880,6 @@
           <a:bodyPr/>
           <a:lstStyle/>
           <a:p>
-            <a:r>
-              <a:rPr lang="en-US" b="1" dirty="0" smtClean="0"/>
-              <a:t>Slide Objectives</a:t>
-            </a:r>
-          </a:p>
-          <a:p>
-            <a:pPr marL="171450" indent="-171450">
-              <a:buFont typeface="Arial" pitchFamily="34" charset="0"/>
-              <a:buChar char="•"/>
-            </a:pPr>
-            <a:r>
-              <a:rPr lang="en-US" b="0" dirty="0" smtClean="0"/>
-              <a:t>Understand The Partition Key</a:t>
-            </a:r>
-          </a:p>
-          <a:p>
-            <a:endParaRPr lang="en-US" dirty="0" smtClean="0"/>
-          </a:p>
-          <a:p>
-            <a:r>
-              <a:rPr lang="en-US" b="1" dirty="0" smtClean="0"/>
-              <a:t>Speaker Notes</a:t>
-            </a:r>
-          </a:p>
-          <a:p>
             <a:pPr marL="171450" indent="-171450">
               <a:buFont typeface="Arial" pitchFamily="34" charset="0"/>
               <a:buChar char="•"/>
@@ -1154,31 +1105,6 @@
           <a:bodyPr/>
           <a:lstStyle/>
           <a:p>
-            <a:r>
-              <a:rPr lang="en-US" b="1" dirty="0" smtClean="0"/>
-              <a:t>Slide Objectives</a:t>
-            </a:r>
-          </a:p>
-          <a:p>
-            <a:pPr marL="171450" indent="-171450">
-              <a:buFont typeface="Arial" pitchFamily="34" charset="0"/>
-              <a:buChar char="•"/>
-            </a:pPr>
-            <a:r>
-              <a:rPr lang="en-US" b="0" dirty="0" smtClean="0"/>
-              <a:t>Understand Partition Ranges</a:t>
-            </a:r>
-          </a:p>
-          <a:p>
-            <a:endParaRPr lang="en-US" dirty="0" smtClean="0"/>
-          </a:p>
-          <a:p>
-            <a:r>
-              <a:rPr lang="en-US" b="1" dirty="0" smtClean="0"/>
-              <a:t>Speaker Notes</a:t>
-            </a:r>
-          </a:p>
-          <a:p>
             <a:pPr marL="285750" indent="-285750">
               <a:buFont typeface="Arial" pitchFamily="34" charset="0"/>
               <a:buChar char="•"/>
@@ -1270,6 +1196,197 @@
     <p:extLst>
       <p:ext uri="{BB962C8B-B14F-4D97-AF65-F5344CB8AC3E}">
         <p14:creationId xmlns:p14="http://schemas.microsoft.com/office/powerpoint/2010/main" val="317778681"/>
+      </p:ext>
+    </p:extLst>
+  </p:cSld>
+  <p:clrMapOvr>
+    <a:masterClrMapping/>
+  </p:clrMapOvr>
+</p:notes>
+</file>
+
+<file path=ppt/notesSlides/notesSlide5.xml><?xml version="1.0" encoding="utf-8"?>
+<p:notes xmlns:a="http://schemas.openxmlformats.org/drawingml/2006/main" xmlns:r="http://schemas.openxmlformats.org/officeDocument/2006/relationships" xmlns:p="http://schemas.openxmlformats.org/presentationml/2006/main">
+  <p:cSld>
+    <p:spTree>
+      <p:nvGrpSpPr>
+        <p:cNvPr id="1" name=""/>
+        <p:cNvGrpSpPr/>
+        <p:nvPr/>
+      </p:nvGrpSpPr>
+      <p:grpSpPr>
+        <a:xfrm>
+          <a:off x="0" y="0"/>
+          <a:ext cx="0" cy="0"/>
+          <a:chOff x="0" y="0"/>
+          <a:chExt cx="0" cy="0"/>
+        </a:xfrm>
+      </p:grpSpPr>
+      <p:sp>
+        <p:nvSpPr>
+          <p:cNvPr id="2" name="Slide Image Placeholder 1"/>
+          <p:cNvSpPr>
+            <a:spLocks noGrp="1" noRot="1" noChangeAspect="1"/>
+          </p:cNvSpPr>
+          <p:nvPr>
+            <p:ph type="sldImg"/>
+          </p:nvPr>
+        </p:nvSpPr>
+        <p:spPr/>
+      </p:sp>
+      <p:sp>
+        <p:nvSpPr>
+          <p:cNvPr id="3" name="Notes Placeholder 2"/>
+          <p:cNvSpPr>
+            <a:spLocks noGrp="1"/>
+          </p:cNvSpPr>
+          <p:nvPr>
+            <p:ph type="body" idx="1"/>
+          </p:nvPr>
+        </p:nvSpPr>
+        <p:spPr/>
+        <p:txBody>
+          <a:bodyPr/>
+          <a:lstStyle/>
+          <a:p>
+            <a:endParaRPr lang="en-US" dirty="0"/>
+          </a:p>
+        </p:txBody>
+      </p:sp>
+      <p:sp>
+        <p:nvSpPr>
+          <p:cNvPr id="4" name="Slide Number Placeholder 3"/>
+          <p:cNvSpPr>
+            <a:spLocks noGrp="1"/>
+          </p:cNvSpPr>
+          <p:nvPr>
+            <p:ph type="sldNum" sz="quarter" idx="10"/>
+          </p:nvPr>
+        </p:nvSpPr>
+        <p:spPr/>
+        <p:txBody>
+          <a:bodyPr/>
+          <a:lstStyle/>
+          <a:p>
+            <a:fld id="{F93AF3EE-FDD2-47EB-AF58-BEF345909C3D}" type="slidenum">
+              <a:rPr lang="en-US" smtClean="0"/>
+              <a:t>16</a:t>
+            </a:fld>
+            <a:endParaRPr lang="en-US"/>
+          </a:p>
+        </p:txBody>
+      </p:sp>
+    </p:spTree>
+    <p:extLst>
+      <p:ext uri="{BB962C8B-B14F-4D97-AF65-F5344CB8AC3E}">
+        <p14:creationId xmlns:p14="http://schemas.microsoft.com/office/powerpoint/2010/main" val="1395346637"/>
+      </p:ext>
+    </p:extLst>
+  </p:cSld>
+  <p:clrMapOvr>
+    <a:masterClrMapping/>
+  </p:clrMapOvr>
+</p:notes>
+</file>
+
+<file path=ppt/notesSlides/notesSlide6.xml><?xml version="1.0" encoding="utf-8"?>
+<p:notes xmlns:a="http://schemas.openxmlformats.org/drawingml/2006/main" xmlns:r="http://schemas.openxmlformats.org/officeDocument/2006/relationships" xmlns:p="http://schemas.openxmlformats.org/presentationml/2006/main">
+  <p:cSld>
+    <p:spTree>
+      <p:nvGrpSpPr>
+        <p:cNvPr id="1" name=""/>
+        <p:cNvGrpSpPr/>
+        <p:nvPr/>
+      </p:nvGrpSpPr>
+      <p:grpSpPr>
+        <a:xfrm>
+          <a:off x="0" y="0"/>
+          <a:ext cx="0" cy="0"/>
+          <a:chOff x="0" y="0"/>
+          <a:chExt cx="0" cy="0"/>
+        </a:xfrm>
+      </p:grpSpPr>
+      <p:sp>
+        <p:nvSpPr>
+          <p:cNvPr id="2" name="Slide Image Placeholder 1"/>
+          <p:cNvSpPr>
+            <a:spLocks noGrp="1" noRot="1" noChangeAspect="1"/>
+          </p:cNvSpPr>
+          <p:nvPr>
+            <p:ph type="sldImg"/>
+          </p:nvPr>
+        </p:nvSpPr>
+        <p:spPr/>
+      </p:sp>
+      <p:sp>
+        <p:nvSpPr>
+          <p:cNvPr id="3" name="Notes Placeholder 2"/>
+          <p:cNvSpPr>
+            <a:spLocks noGrp="1"/>
+          </p:cNvSpPr>
+          <p:nvPr>
+            <p:ph type="body" idx="1"/>
+          </p:nvPr>
+        </p:nvSpPr>
+        <p:spPr/>
+        <p:txBody>
+          <a:bodyPr/>
+          <a:lstStyle/>
+          <a:p>
+            <a:pPr marL="0" marR="0" indent="0" algn="l" defTabSz="914400" rtl="0" eaLnBrk="1" fontAlgn="auto" latinLnBrk="0" hangingPunct="1">
+              <a:lnSpc>
+                <a:spcPct val="100000"/>
+              </a:lnSpc>
+              <a:spcBef>
+                <a:spcPts val="0"/>
+              </a:spcBef>
+              <a:spcAft>
+                <a:spcPts val="0"/>
+              </a:spcAft>
+              <a:buClrTx/>
+              <a:buSzTx/>
+              <a:buFontTx/>
+              <a:buNone/>
+              <a:tabLst/>
+              <a:defRPr/>
+            </a:pPr>
+            <a:r>
+              <a:rPr lang="en-US" dirty="0" smtClean="0"/>
+              <a:t>cd</a:t>
+            </a:r>
+          </a:p>
+          <a:p>
+            <a:endParaRPr lang="en-US" dirty="0"/>
+          </a:p>
+        </p:txBody>
+      </p:sp>
+      <p:sp>
+        <p:nvSpPr>
+          <p:cNvPr id="4" name="Slide Number Placeholder 3"/>
+          <p:cNvSpPr>
+            <a:spLocks noGrp="1"/>
+          </p:cNvSpPr>
+          <p:nvPr>
+            <p:ph type="sldNum" sz="quarter" idx="10"/>
+          </p:nvPr>
+        </p:nvSpPr>
+        <p:spPr/>
+        <p:txBody>
+          <a:bodyPr/>
+          <a:lstStyle/>
+          <a:p>
+            <a:fld id="{F93AF3EE-FDD2-47EB-AF58-BEF345909C3D}" type="slidenum">
+              <a:rPr lang="en-US" smtClean="0"/>
+              <a:t>19</a:t>
+            </a:fld>
+            <a:endParaRPr lang="en-US"/>
+          </a:p>
+        </p:txBody>
+      </p:sp>
+    </p:spTree>
+    <p:extLst>
+      <p:ext uri="{BB962C8B-B14F-4D97-AF65-F5344CB8AC3E}">
+        <p14:creationId xmlns:p14="http://schemas.microsoft.com/office/powerpoint/2010/main" val="3320279222"/>
       </p:ext>
     </p:extLst>
   </p:cSld>
@@ -1413,7 +1530,7 @@
           <a:p>
             <a:fld id="{EBCEABF7-4A63-495D-81FA-F7E39E57A24E}" type="datetimeFigureOut">
               <a:rPr lang="en-US" smtClean="0"/>
-              <a:t>10/9/2019</a:t>
+              <a:t>11/5/2019</a:t>
             </a:fld>
             <a:endParaRPr lang="en-US"/>
           </a:p>
@@ -1726,7 +1843,7 @@
           <a:p>
             <a:fld id="{EBCEABF7-4A63-495D-81FA-F7E39E57A24E}" type="datetimeFigureOut">
               <a:rPr lang="en-US" smtClean="0"/>
-              <a:t>10/9/2019</a:t>
+              <a:t>11/5/2019</a:t>
             </a:fld>
             <a:endParaRPr lang="en-US"/>
           </a:p>
@@ -1911,7 +2028,7 @@
           <a:p>
             <a:fld id="{EBCEABF7-4A63-495D-81FA-F7E39E57A24E}" type="datetimeFigureOut">
               <a:rPr lang="en-US" smtClean="0"/>
-              <a:t>10/9/2019</a:t>
+              <a:t>11/5/2019</a:t>
             </a:fld>
             <a:endParaRPr lang="en-US"/>
           </a:p>
@@ -2086,7 +2203,7 @@
           <a:p>
             <a:fld id="{EBCEABF7-4A63-495D-81FA-F7E39E57A24E}" type="datetimeFigureOut">
               <a:rPr lang="en-US" smtClean="0"/>
-              <a:t>10/9/2019</a:t>
+              <a:t>11/5/2019</a:t>
             </a:fld>
             <a:endParaRPr lang="en-US"/>
           </a:p>
@@ -2354,7 +2471,7 @@
           <a:p>
             <a:fld id="{EBCEABF7-4A63-495D-81FA-F7E39E57A24E}" type="datetimeFigureOut">
               <a:rPr lang="en-US" smtClean="0"/>
-              <a:t>10/9/2019</a:t>
+              <a:t>11/5/2019</a:t>
             </a:fld>
             <a:endParaRPr lang="en-US"/>
           </a:p>
@@ -2822,7 +2939,7 @@
           <a:p>
             <a:fld id="{EBCEABF7-4A63-495D-81FA-F7E39E57A24E}" type="datetimeFigureOut">
               <a:rPr lang="en-US" smtClean="0"/>
-              <a:t>10/9/2019</a:t>
+              <a:t>11/5/2019</a:t>
             </a:fld>
             <a:endParaRPr lang="en-US"/>
           </a:p>
@@ -3311,7 +3428,7 @@
           <a:p>
             <a:fld id="{EBCEABF7-4A63-495D-81FA-F7E39E57A24E}" type="datetimeFigureOut">
               <a:rPr lang="en-US" smtClean="0"/>
-              <a:t>10/9/2019</a:t>
+              <a:t>11/5/2019</a:t>
             </a:fld>
             <a:endParaRPr lang="en-US"/>
           </a:p>
@@ -3437,7 +3554,7 @@
           <a:p>
             <a:fld id="{EBCEABF7-4A63-495D-81FA-F7E39E57A24E}" type="datetimeFigureOut">
               <a:rPr lang="en-US" smtClean="0"/>
-              <a:t>10/9/2019</a:t>
+              <a:t>11/5/2019</a:t>
             </a:fld>
             <a:endParaRPr lang="en-US"/>
           </a:p>
@@ -3581,7 +3698,7 @@
           <a:p>
             <a:fld id="{EBCEABF7-4A63-495D-81FA-F7E39E57A24E}" type="datetimeFigureOut">
               <a:rPr lang="en-US" smtClean="0"/>
-              <a:t>10/9/2019</a:t>
+              <a:t>11/5/2019</a:t>
             </a:fld>
             <a:endParaRPr lang="en-US"/>
           </a:p>
@@ -3903,7 +4020,7 @@
           <a:p>
             <a:fld id="{EBCEABF7-4A63-495D-81FA-F7E39E57A24E}" type="datetimeFigureOut">
               <a:rPr lang="en-US" smtClean="0"/>
-              <a:t>10/9/2019</a:t>
+              <a:t>11/5/2019</a:t>
             </a:fld>
             <a:endParaRPr lang="en-US"/>
           </a:p>
@@ -4037,7 +4154,7 @@
           <a:p>
             <a:fld id="{EBCEABF7-4A63-495D-81FA-F7E39E57A24E}" type="datetimeFigureOut">
               <a:rPr lang="en-US" smtClean="0"/>
-              <a:t>10/9/2019</a:t>
+              <a:t>11/5/2019</a:t>
             </a:fld>
             <a:endParaRPr lang="en-US"/>
           </a:p>
@@ -4818,7 +4935,7 @@
           <a:p>
             <a:fld id="{EBCEABF7-4A63-495D-81FA-F7E39E57A24E}" type="datetimeFigureOut">
               <a:rPr lang="en-US" smtClean="0"/>
-              <a:t>10/9/2019</a:t>
+              <a:t>11/5/2019</a:t>
             </a:fld>
             <a:endParaRPr lang="en-US"/>
           </a:p>
@@ -5326,14 +5443,21 @@
         </p:nvSpPr>
         <p:spPr/>
         <p:txBody>
-          <a:bodyPr/>
+          <a:bodyPr anchor="t">
+            <a:normAutofit/>
+          </a:bodyPr>
           <a:lstStyle/>
           <a:p>
-            <a:r>
-              <a:rPr lang="en-US" dirty="0" smtClean="0"/>
+            <a:pPr algn="ctr"/>
+            <a:r>
+              <a:rPr lang="en-US" sz="6600" dirty="0" smtClean="0">
+                <a:latin typeface="Footlight MT Light" pitchFamily="18" charset="0"/>
+              </a:rPr>
               <a:t>Azure Cloud Storage</a:t>
             </a:r>
-            <a:endParaRPr lang="en-US" dirty="0"/>
+            <a:endParaRPr lang="en-US" sz="6600" dirty="0">
+              <a:latin typeface="Footlight MT Light" pitchFamily="18" charset="0"/>
+            </a:endParaRPr>
           </a:p>
         </p:txBody>
       </p:sp>
@@ -5347,27 +5471,81 @@
             <p:ph type="subTitle" idx="1"/>
           </p:nvPr>
         </p:nvSpPr>
-        <p:spPr/>
-        <p:txBody>
-          <a:bodyPr/>
+        <p:spPr>
+          <a:xfrm>
+            <a:off x="1676400" y="4800600"/>
+            <a:ext cx="7406640" cy="1752600"/>
+          </a:xfrm>
+        </p:spPr>
+        <p:txBody>
+          <a:bodyPr>
+            <a:normAutofit lnSpcReduction="10000"/>
+          </a:bodyPr>
           <a:lstStyle/>
           <a:p>
-            <a:r>
-              <a:rPr lang="en-US" dirty="0" smtClean="0"/>
+            <a:endParaRPr lang="en-US" dirty="0" smtClean="0"/>
+          </a:p>
+          <a:p>
+            <a:endParaRPr lang="en-US" dirty="0">
+              <a:latin typeface="Bookman Old Style" pitchFamily="18" charset="0"/>
+            </a:endParaRPr>
+          </a:p>
+          <a:p>
+            <a:pPr algn="r"/>
+            <a:r>
+              <a:rPr lang="en-US" dirty="0" smtClean="0">
+                <a:latin typeface="Bookman Old Style" pitchFamily="18" charset="0"/>
+              </a:rPr>
               <a:t>The principles behind Azure Cloud Storage usage within the </a:t>
             </a:r>
             <a:r>
-              <a:rPr lang="en-US" dirty="0" err="1" smtClean="0"/>
+              <a:rPr lang="en-US" dirty="0" err="1" smtClean="0">
+                <a:latin typeface="Bookman Old Style" pitchFamily="18" charset="0"/>
+              </a:rPr>
               <a:t>.Net</a:t>
             </a:r>
             <a:r>
-              <a:rPr lang="en-US" dirty="0" smtClean="0"/>
+              <a:rPr lang="en-US" dirty="0" smtClean="0">
+                <a:latin typeface="Bookman Old Style" pitchFamily="18" charset="0"/>
+              </a:rPr>
               <a:t> C# environment.</a:t>
             </a:r>
-            <a:endParaRPr lang="en-US" dirty="0"/>
-          </a:p>
-        </p:txBody>
-      </p:sp>
+            <a:endParaRPr lang="en-US" dirty="0">
+              <a:latin typeface="Bookman Old Style" pitchFamily="18" charset="0"/>
+            </a:endParaRPr>
+          </a:p>
+        </p:txBody>
+      </p:sp>
+      <p:pic>
+        <p:nvPicPr>
+          <p:cNvPr id="6" name="Picture 5"/>
+          <p:cNvPicPr>
+            <a:picLocks noChangeAspect="1"/>
+          </p:cNvPicPr>
+          <p:nvPr/>
+        </p:nvPicPr>
+        <p:blipFill>
+          <a:blip r:embed="rId2" cstate="print">
+            <a:extLst>
+              <a:ext uri="{28A0092B-C50C-407E-A947-70E740481C1C}">
+                <a14:useLocalDpi xmlns:a14="http://schemas.microsoft.com/office/drawing/2010/main" val="0"/>
+              </a:ext>
+            </a:extLst>
+          </a:blip>
+          <a:stretch>
+            <a:fillRect/>
+          </a:stretch>
+        </p:blipFill>
+        <p:spPr>
+          <a:xfrm>
+            <a:off x="2590800" y="1524000"/>
+            <a:ext cx="5053246" cy="3791956"/>
+          </a:xfrm>
+          <a:prstGeom prst="rect">
+            <a:avLst/>
+          </a:prstGeom>
+        </p:spPr>
+      </p:pic>
     </p:spTree>
     <p:extLst>
       <p:ext uri="{BB962C8B-B14F-4D97-AF65-F5344CB8AC3E}">
@@ -5603,7 +5781,7 @@
         </p:nvGrpSpPr>
         <p:grpSpPr>
           <a:xfrm>
-            <a:off x="5597591" y="1446213"/>
+            <a:off x="6486090" y="1722119"/>
             <a:ext cx="2200710" cy="4297680"/>
             <a:chOff x="5685541" y="393698"/>
             <a:chExt cx="2303725" cy="4297680"/>
@@ -5736,7 +5914,7 @@
         </p:nvGrpSpPr>
         <p:grpSpPr>
           <a:xfrm>
-            <a:off x="3008886" y="1446214"/>
+            <a:off x="3897385" y="1722120"/>
             <a:ext cx="2460078" cy="4297680"/>
             <a:chOff x="2983350" y="355599"/>
             <a:chExt cx="2318237" cy="4297680"/>
@@ -5869,7 +6047,7 @@
         </p:nvGrpSpPr>
         <p:grpSpPr>
           <a:xfrm>
-            <a:off x="519113" y="1446214"/>
+            <a:off x="1407612" y="1722120"/>
             <a:ext cx="2361146" cy="4297680"/>
             <a:chOff x="222249" y="355599"/>
             <a:chExt cx="2303725" cy="4297680"/>
@@ -6002,7 +6180,7 @@
         </p:nvCxnSpPr>
         <p:spPr>
           <a:xfrm>
-            <a:off x="2261286" y="3867665"/>
+            <a:off x="3149785" y="4143571"/>
             <a:ext cx="1482811" cy="1087394"/>
           </a:xfrm>
           <a:prstGeom prst="line">
@@ -6037,7 +6215,7 @@
         </p:nvCxnSpPr>
         <p:spPr>
           <a:xfrm flipV="1">
-            <a:off x="2335427" y="3039762"/>
+            <a:off x="3223926" y="3315668"/>
             <a:ext cx="1322173" cy="1000897"/>
           </a:xfrm>
           <a:prstGeom prst="line">
@@ -6072,7 +6250,7 @@
         </p:nvSpPr>
         <p:spPr>
           <a:xfrm>
-            <a:off x="956708" y="3602527"/>
+            <a:off x="1845207" y="3878433"/>
             <a:ext cx="1485956" cy="746592"/>
           </a:xfrm>
           <a:prstGeom prst="rect">
@@ -6129,13 +6307,15 @@
       <p:cxnSp>
         <p:nvCxnSpPr>
           <p:cNvPr id="16" name="Straight Connector 15"/>
-          <p:cNvCxnSpPr/>
+          <p:cNvCxnSpPr>
+            <a:endCxn id="19" idx="1"/>
+          </p:cNvCxnSpPr>
           <p:nvPr/>
         </p:nvCxnSpPr>
         <p:spPr>
           <a:xfrm>
-            <a:off x="4806778" y="3101546"/>
-            <a:ext cx="1287635" cy="494270"/>
+            <a:off x="5695277" y="3377452"/>
+            <a:ext cx="934122" cy="338387"/>
           </a:xfrm>
           <a:prstGeom prst="line">
             <a:avLst/>
@@ -6164,13 +6344,15 @@
       <p:cxnSp>
         <p:nvCxnSpPr>
           <p:cNvPr id="17" name="Straight Connector 16"/>
-          <p:cNvCxnSpPr/>
+          <p:cNvCxnSpPr>
+            <a:endCxn id="18" idx="1"/>
+          </p:cNvCxnSpPr>
           <p:nvPr/>
         </p:nvCxnSpPr>
         <p:spPr>
           <a:xfrm flipV="1">
-            <a:off x="4843849" y="2656704"/>
-            <a:ext cx="1250564" cy="531339"/>
+            <a:off x="5732348" y="2887896"/>
+            <a:ext cx="897052" cy="576054"/>
           </a:xfrm>
           <a:prstGeom prst="line">
             <a:avLst/>
@@ -6204,8 +6386,8 @@
         </p:nvSpPr>
         <p:spPr>
           <a:xfrm>
-            <a:off x="5905004" y="2360613"/>
-            <a:ext cx="1585884" cy="746592"/>
+            <a:off x="6629400" y="2514600"/>
+            <a:ext cx="1981199" cy="746592"/>
           </a:xfrm>
           <a:prstGeom prst="rect">
             <a:avLst/>
@@ -6256,7 +6438,7 @@
                   </a:schemeClr>
                 </a:solidFill>
               </a:rPr>
-              <a:t>= …</a:t>
+              <a:t>= Bob</a:t>
             </a:r>
             <a:endParaRPr lang="en-US" sz="1800" dirty="0">
               <a:solidFill>
@@ -6275,8 +6457,25 @@
                   </a:schemeClr>
                 </a:solidFill>
               </a:rPr>
-              <a:t>Email = …</a:t>
-            </a:r>
+              <a:t>Email </a:t>
+            </a:r>
+            <a:r>
+              <a:rPr lang="en-US" sz="1800" dirty="0" smtClean="0">
+                <a:solidFill>
+                  <a:schemeClr val="lt1">
+                    <a:alpha val="99000"/>
+                  </a:schemeClr>
+                </a:solidFill>
+              </a:rPr>
+              <a:t>= b@g.com</a:t>
+            </a:r>
+            <a:endParaRPr lang="en-US" sz="1800" dirty="0">
+              <a:solidFill>
+                <a:schemeClr val="lt1">
+                  <a:alpha val="99000"/>
+                </a:schemeClr>
+              </a:solidFill>
+            </a:endParaRPr>
           </a:p>
         </p:txBody>
       </p:sp>
@@ -6288,8 +6487,8 @@
         </p:nvSpPr>
         <p:spPr>
           <a:xfrm>
-            <a:off x="5905003" y="3188556"/>
-            <a:ext cx="1585886" cy="746592"/>
+            <a:off x="6629399" y="3342543"/>
+            <a:ext cx="1981201" cy="746592"/>
           </a:xfrm>
           <a:prstGeom prst="rect">
             <a:avLst/>
@@ -6340,7 +6539,7 @@
                   </a:schemeClr>
                 </a:solidFill>
               </a:rPr>
-              <a:t>= …</a:t>
+              <a:t>= Jane</a:t>
             </a:r>
             <a:endParaRPr lang="en-US" sz="1800" dirty="0">
               <a:solidFill>
@@ -6359,7 +6558,7 @@
                   </a:schemeClr>
                 </a:solidFill>
               </a:rPr>
-              <a:t>Email = …</a:t>
+              <a:t>Email = j@g.com</a:t>
             </a:r>
             <a:endParaRPr lang="en-US" sz="1800" dirty="0">
               <a:solidFill>
@@ -6379,7 +6578,7 @@
         </p:nvSpPr>
         <p:spPr>
           <a:xfrm>
-            <a:off x="3520220" y="2774584"/>
+            <a:off x="4408719" y="3050490"/>
             <a:ext cx="1437410" cy="746592"/>
           </a:xfrm>
           <a:prstGeom prst="rect">
@@ -6436,13 +6635,15 @@
       <p:cxnSp>
         <p:nvCxnSpPr>
           <p:cNvPr id="21" name="Straight Connector 20"/>
-          <p:cNvCxnSpPr/>
+          <p:cNvCxnSpPr>
+            <a:endCxn id="23" idx="1"/>
+          </p:cNvCxnSpPr>
           <p:nvPr/>
         </p:nvCxnSpPr>
         <p:spPr>
           <a:xfrm>
-            <a:off x="4806778" y="4769708"/>
-            <a:ext cx="1287635" cy="494270"/>
+            <a:off x="5695277" y="5045614"/>
+            <a:ext cx="934123" cy="326110"/>
           </a:xfrm>
           <a:prstGeom prst="line">
             <a:avLst/>
@@ -6471,13 +6672,15 @@
       <p:cxnSp>
         <p:nvCxnSpPr>
           <p:cNvPr id="22" name="Straight Connector 21"/>
-          <p:cNvCxnSpPr/>
+          <p:cNvCxnSpPr>
+            <a:endCxn id="25" idx="1"/>
+          </p:cNvCxnSpPr>
           <p:nvPr/>
         </p:nvCxnSpPr>
         <p:spPr>
           <a:xfrm flipV="1">
-            <a:off x="4843849" y="4324866"/>
-            <a:ext cx="1250564" cy="531339"/>
+            <a:off x="5732348" y="4543782"/>
+            <a:ext cx="897052" cy="588330"/>
           </a:xfrm>
           <a:prstGeom prst="line">
             <a:avLst/>
@@ -6511,8 +6714,8 @@
         </p:nvSpPr>
         <p:spPr>
           <a:xfrm>
-            <a:off x="5905004" y="4844441"/>
-            <a:ext cx="1585884" cy="746592"/>
+            <a:off x="6629400" y="4998428"/>
+            <a:ext cx="1981199" cy="746592"/>
           </a:xfrm>
           <a:prstGeom prst="rect">
             <a:avLst/>
@@ -6563,7 +6766,7 @@
                   </a:schemeClr>
                 </a:solidFill>
               </a:rPr>
-              <a:t>= …</a:t>
+              <a:t>= 2</a:t>
             </a:r>
             <a:endParaRPr lang="en-US" sz="1800" dirty="0">
               <a:solidFill>
@@ -6592,7 +6795,7 @@
                   </a:schemeClr>
                 </a:solidFill>
               </a:rPr>
-              <a:t>= …</a:t>
+              <a:t>= 2015.8</a:t>
             </a:r>
             <a:endParaRPr lang="en-US" sz="1800" dirty="0">
               <a:solidFill>
@@ -6612,7 +6815,7 @@
         </p:nvSpPr>
         <p:spPr>
           <a:xfrm>
-            <a:off x="3520220" y="4430470"/>
+            <a:off x="4408719" y="4706376"/>
             <a:ext cx="1437411" cy="746592"/>
           </a:xfrm>
           <a:prstGeom prst="rect">
@@ -6684,8 +6887,8 @@
         </p:nvSpPr>
         <p:spPr>
           <a:xfrm>
-            <a:off x="5905004" y="4016499"/>
-            <a:ext cx="1585884" cy="746592"/>
+            <a:off x="6629400" y="4170486"/>
+            <a:ext cx="1981199" cy="746592"/>
           </a:xfrm>
           <a:prstGeom prst="rect">
             <a:avLst/>
@@ -6726,8 +6929,25 @@
                   </a:schemeClr>
                 </a:solidFill>
               </a:rPr>
-              <a:t>Photo ID =…</a:t>
-            </a:r>
+              <a:t>Photo ID </a:t>
+            </a:r>
+            <a:r>
+              <a:rPr lang="en-US" sz="1800" dirty="0" smtClean="0">
+                <a:solidFill>
+                  <a:schemeClr val="lt1">
+                    <a:alpha val="99000"/>
+                  </a:schemeClr>
+                </a:solidFill>
+              </a:rPr>
+              <a:t>= 1</a:t>
+            </a:r>
+            <a:endParaRPr lang="en-US" sz="1800" dirty="0">
+              <a:solidFill>
+                <a:schemeClr val="lt1">
+                  <a:alpha val="99000"/>
+                </a:schemeClr>
+              </a:solidFill>
+            </a:endParaRPr>
           </a:p>
           <a:p>
             <a:r>
@@ -6748,7 +6968,7 @@
                   </a:schemeClr>
                 </a:solidFill>
               </a:rPr>
-              <a:t>= …</a:t>
+              <a:t>= 2010.9</a:t>
             </a:r>
             <a:endParaRPr lang="en-US" sz="1800" dirty="0">
               <a:solidFill>
@@ -7415,7 +7635,7 @@
         </p:nvSpPr>
         <p:spPr>
           <a:xfrm>
-            <a:off x="457200" y="1600200"/>
+            <a:off x="1295400" y="1600200"/>
             <a:ext cx="7620000" cy="4419600"/>
           </a:xfrm>
         </p:spPr>
@@ -7628,7 +7848,9 @@
         </p:nvSpPr>
         <p:spPr/>
         <p:txBody>
-          <a:bodyPr/>
+          <a:bodyPr>
+            <a:normAutofit fontScale="90000"/>
+          </a:bodyPr>
           <a:lstStyle/>
           <a:p>
             <a:pPr algn="ctr"/>
@@ -7655,14 +7877,417 @@
         </p:blipFill>
         <p:spPr>
           <a:xfrm>
-            <a:off x="1874373" y="4024976"/>
-            <a:ext cx="6341591" cy="1902924"/>
+            <a:off x="3107209" y="4740100"/>
+            <a:ext cx="5788308" cy="1736900"/>
           </a:xfrm>
           <a:prstGeom prst="rect">
             <a:avLst/>
           </a:prstGeom>
         </p:spPr>
       </p:pic>
+      <p:sp>
+        <p:nvSpPr>
+          <p:cNvPr id="23" name="Right Arrow 22"/>
+          <p:cNvSpPr/>
+          <p:nvPr/>
+        </p:nvSpPr>
+        <p:spPr bwMode="auto">
+          <a:xfrm>
+            <a:off x="2662215" y="5531301"/>
+            <a:ext cx="444994" cy="421260"/>
+          </a:xfrm>
+          <a:prstGeom prst="rightArrow">
+            <a:avLst/>
+          </a:prstGeom>
+          <a:solidFill>
+            <a:schemeClr val="tx2"/>
+          </a:solidFill>
+          <a:ln>
+            <a:noFill/>
+            <a:headEnd type="none" w="med" len="med"/>
+            <a:tailEnd type="none" w="med" len="med"/>
+          </a:ln>
+          <a:effectLst/>
+        </p:spPr>
+        <p:style>
+          <a:lnRef idx="1">
+            <a:schemeClr val="accent6"/>
+          </a:lnRef>
+          <a:fillRef idx="3">
+            <a:schemeClr val="accent6"/>
+          </a:fillRef>
+          <a:effectRef idx="2">
+            <a:schemeClr val="accent6"/>
+          </a:effectRef>
+          <a:fontRef idx="minor">
+            <a:schemeClr val="lt1"/>
+          </a:fontRef>
+        </p:style>
+        <p:txBody>
+          <a:bodyPr vert="horz" wrap="square" lIns="91436" tIns="45718" rIns="91436" bIns="45718" numCol="1" rtlCol="0" anchor="ctr" anchorCtr="0" compatLnSpc="1">
+            <a:prstTxWarp prst="textNoShape">
+              <a:avLst/>
+            </a:prstTxWarp>
+          </a:bodyPr>
+          <a:lstStyle>
+            <a:defPPr>
+              <a:defRPr lang="en-US"/>
+            </a:defPPr>
+            <a:lvl1pPr marL="0" algn="l" defTabSz="1218987" rtl="0" eaLnBrk="1" latinLnBrk="0" hangingPunct="1">
+              <a:defRPr sz="2400" kern="1200">
+                <a:solidFill>
+                  <a:schemeClr val="lt1"/>
+                </a:solidFill>
+                <a:latin typeface="+mn-lt"/>
+                <a:ea typeface="+mn-ea"/>
+                <a:cs typeface="+mn-cs"/>
+              </a:defRPr>
+            </a:lvl1pPr>
+            <a:lvl2pPr marL="609493" algn="l" defTabSz="1218987" rtl="0" eaLnBrk="1" latinLnBrk="0" hangingPunct="1">
+              <a:defRPr sz="2400" kern="1200">
+                <a:solidFill>
+                  <a:schemeClr val="lt1"/>
+                </a:solidFill>
+                <a:latin typeface="+mn-lt"/>
+                <a:ea typeface="+mn-ea"/>
+                <a:cs typeface="+mn-cs"/>
+              </a:defRPr>
+            </a:lvl2pPr>
+            <a:lvl3pPr marL="1218987" algn="l" defTabSz="1218987" rtl="0" eaLnBrk="1" latinLnBrk="0" hangingPunct="1">
+              <a:defRPr sz="2400" kern="1200">
+                <a:solidFill>
+                  <a:schemeClr val="lt1"/>
+                </a:solidFill>
+                <a:latin typeface="+mn-lt"/>
+                <a:ea typeface="+mn-ea"/>
+                <a:cs typeface="+mn-cs"/>
+              </a:defRPr>
+            </a:lvl3pPr>
+            <a:lvl4pPr marL="1828480" algn="l" defTabSz="1218987" rtl="0" eaLnBrk="1" latinLnBrk="0" hangingPunct="1">
+              <a:defRPr sz="2400" kern="1200">
+                <a:solidFill>
+                  <a:schemeClr val="lt1"/>
+                </a:solidFill>
+                <a:latin typeface="+mn-lt"/>
+                <a:ea typeface="+mn-ea"/>
+                <a:cs typeface="+mn-cs"/>
+              </a:defRPr>
+            </a:lvl4pPr>
+            <a:lvl5pPr marL="2437973" algn="l" defTabSz="1218987" rtl="0" eaLnBrk="1" latinLnBrk="0" hangingPunct="1">
+              <a:defRPr sz="2400" kern="1200">
+                <a:solidFill>
+                  <a:schemeClr val="lt1"/>
+                </a:solidFill>
+                <a:latin typeface="+mn-lt"/>
+                <a:ea typeface="+mn-ea"/>
+                <a:cs typeface="+mn-cs"/>
+              </a:defRPr>
+            </a:lvl5pPr>
+            <a:lvl6pPr marL="3047467" algn="l" defTabSz="1218987" rtl="0" eaLnBrk="1" latinLnBrk="0" hangingPunct="1">
+              <a:defRPr sz="2400" kern="1200">
+                <a:solidFill>
+                  <a:schemeClr val="lt1"/>
+                </a:solidFill>
+                <a:latin typeface="+mn-lt"/>
+                <a:ea typeface="+mn-ea"/>
+                <a:cs typeface="+mn-cs"/>
+              </a:defRPr>
+            </a:lvl6pPr>
+            <a:lvl7pPr marL="3656960" algn="l" defTabSz="1218987" rtl="0" eaLnBrk="1" latinLnBrk="0" hangingPunct="1">
+              <a:defRPr sz="2400" kern="1200">
+                <a:solidFill>
+                  <a:schemeClr val="lt1"/>
+                </a:solidFill>
+                <a:latin typeface="+mn-lt"/>
+                <a:ea typeface="+mn-ea"/>
+                <a:cs typeface="+mn-cs"/>
+              </a:defRPr>
+            </a:lvl7pPr>
+            <a:lvl8pPr marL="4266453" algn="l" defTabSz="1218987" rtl="0" eaLnBrk="1" latinLnBrk="0" hangingPunct="1">
+              <a:defRPr sz="2400" kern="1200">
+                <a:solidFill>
+                  <a:schemeClr val="lt1"/>
+                </a:solidFill>
+                <a:latin typeface="+mn-lt"/>
+                <a:ea typeface="+mn-ea"/>
+                <a:cs typeface="+mn-cs"/>
+              </a:defRPr>
+            </a:lvl8pPr>
+            <a:lvl9pPr marL="4875947" algn="l" defTabSz="1218987" rtl="0" eaLnBrk="1" latinLnBrk="0" hangingPunct="1">
+              <a:defRPr sz="2400" kern="1200">
+                <a:solidFill>
+                  <a:schemeClr val="lt1"/>
+                </a:solidFill>
+                <a:latin typeface="+mn-lt"/>
+                <a:ea typeface="+mn-ea"/>
+                <a:cs typeface="+mn-cs"/>
+              </a:defRPr>
+            </a:lvl9pPr>
+          </a:lstStyle>
+          <a:p>
+            <a:pPr algn="ctr" defTabSz="914061" fontAlgn="base">
+              <a:spcBef>
+                <a:spcPct val="0"/>
+              </a:spcBef>
+              <a:spcAft>
+                <a:spcPct val="0"/>
+              </a:spcAft>
+            </a:pPr>
+            <a:endParaRPr lang="en-US" sz="2000" dirty="0">
+              <a:gradFill>
+                <a:gsLst>
+                  <a:gs pos="0">
+                    <a:srgbClr val="FFFFFF"/>
+                  </a:gs>
+                  <a:gs pos="100000">
+                    <a:srgbClr val="FFFFFF"/>
+                  </a:gs>
+                </a:gsLst>
+                <a:lin ang="5400000" scaled="0"/>
+              </a:gradFill>
+            </a:endParaRPr>
+          </a:p>
+        </p:txBody>
+      </p:sp>
+      <p:sp>
+        <p:nvSpPr>
+          <p:cNvPr id="25" name="Can 24"/>
+          <p:cNvSpPr/>
+          <p:nvPr/>
+        </p:nvSpPr>
+        <p:spPr bwMode="auto">
+          <a:xfrm>
+            <a:off x="1378344" y="4809561"/>
+            <a:ext cx="1276903" cy="1667439"/>
+          </a:xfrm>
+          <a:prstGeom prst="can">
+            <a:avLst/>
+          </a:prstGeom>
+          <a:solidFill>
+            <a:schemeClr val="accent4"/>
+          </a:solidFill>
+          <a:ln>
+            <a:headEnd type="none" w="med" len="med"/>
+            <a:tailEnd type="none" w="med" len="med"/>
+          </a:ln>
+          <a:effectLst/>
+          <a:scene3d>
+            <a:camera prst="orthographicFront">
+              <a:rot lat="0" lon="0" rev="0"/>
+            </a:camera>
+            <a:lightRig rig="threePt" dir="t">
+              <a:rot lat="0" lon="0" rev="20400000"/>
+            </a:lightRig>
+          </a:scene3d>
+        </p:spPr>
+        <p:style>
+          <a:lnRef idx="0">
+            <a:schemeClr val="accent5"/>
+          </a:lnRef>
+          <a:fillRef idx="3">
+            <a:schemeClr val="accent5"/>
+          </a:fillRef>
+          <a:effectRef idx="3">
+            <a:schemeClr val="accent5"/>
+          </a:effectRef>
+          <a:fontRef idx="minor">
+            <a:schemeClr val="lt1"/>
+          </a:fontRef>
+        </p:style>
+        <p:txBody>
+          <a:bodyPr vert="horz" wrap="square" lIns="91436" tIns="45718" rIns="91436" bIns="45718" numCol="1" rtlCol="0" anchor="ctr" anchorCtr="0" compatLnSpc="1">
+            <a:prstTxWarp prst="textNoShape">
+              <a:avLst/>
+            </a:prstTxWarp>
+          </a:bodyPr>
+          <a:lstStyle>
+            <a:defPPr>
+              <a:defRPr lang="en-US"/>
+            </a:defPPr>
+            <a:lvl1pPr marL="0" algn="l" defTabSz="1218987" rtl="0" eaLnBrk="1" latinLnBrk="0" hangingPunct="1">
+              <a:defRPr sz="2400" kern="1200">
+                <a:solidFill>
+                  <a:schemeClr val="lt1"/>
+                </a:solidFill>
+                <a:latin typeface="+mn-lt"/>
+                <a:ea typeface="+mn-ea"/>
+                <a:cs typeface="+mn-cs"/>
+              </a:defRPr>
+            </a:lvl1pPr>
+            <a:lvl2pPr marL="609493" algn="l" defTabSz="1218987" rtl="0" eaLnBrk="1" latinLnBrk="0" hangingPunct="1">
+              <a:defRPr sz="2400" kern="1200">
+                <a:solidFill>
+                  <a:schemeClr val="lt1"/>
+                </a:solidFill>
+                <a:latin typeface="+mn-lt"/>
+                <a:ea typeface="+mn-ea"/>
+                <a:cs typeface="+mn-cs"/>
+              </a:defRPr>
+            </a:lvl2pPr>
+            <a:lvl3pPr marL="1218987" algn="l" defTabSz="1218987" rtl="0" eaLnBrk="1" latinLnBrk="0" hangingPunct="1">
+              <a:defRPr sz="2400" kern="1200">
+                <a:solidFill>
+                  <a:schemeClr val="lt1"/>
+                </a:solidFill>
+                <a:latin typeface="+mn-lt"/>
+                <a:ea typeface="+mn-ea"/>
+                <a:cs typeface="+mn-cs"/>
+              </a:defRPr>
+            </a:lvl3pPr>
+            <a:lvl4pPr marL="1828480" algn="l" defTabSz="1218987" rtl="0" eaLnBrk="1" latinLnBrk="0" hangingPunct="1">
+              <a:defRPr sz="2400" kern="1200">
+                <a:solidFill>
+                  <a:schemeClr val="lt1"/>
+                </a:solidFill>
+                <a:latin typeface="+mn-lt"/>
+                <a:ea typeface="+mn-ea"/>
+                <a:cs typeface="+mn-cs"/>
+              </a:defRPr>
+            </a:lvl4pPr>
+            <a:lvl5pPr marL="2437973" algn="l" defTabSz="1218987" rtl="0" eaLnBrk="1" latinLnBrk="0" hangingPunct="1">
+              <a:defRPr sz="2400" kern="1200">
+                <a:solidFill>
+                  <a:schemeClr val="lt1"/>
+                </a:solidFill>
+                <a:latin typeface="+mn-lt"/>
+                <a:ea typeface="+mn-ea"/>
+                <a:cs typeface="+mn-cs"/>
+              </a:defRPr>
+            </a:lvl5pPr>
+            <a:lvl6pPr marL="3047467" algn="l" defTabSz="1218987" rtl="0" eaLnBrk="1" latinLnBrk="0" hangingPunct="1">
+              <a:defRPr sz="2400" kern="1200">
+                <a:solidFill>
+                  <a:schemeClr val="lt1"/>
+                </a:solidFill>
+                <a:latin typeface="+mn-lt"/>
+                <a:ea typeface="+mn-ea"/>
+                <a:cs typeface="+mn-cs"/>
+              </a:defRPr>
+            </a:lvl6pPr>
+            <a:lvl7pPr marL="3656960" algn="l" defTabSz="1218987" rtl="0" eaLnBrk="1" latinLnBrk="0" hangingPunct="1">
+              <a:defRPr sz="2400" kern="1200">
+                <a:solidFill>
+                  <a:schemeClr val="lt1"/>
+                </a:solidFill>
+                <a:latin typeface="+mn-lt"/>
+                <a:ea typeface="+mn-ea"/>
+                <a:cs typeface="+mn-cs"/>
+              </a:defRPr>
+            </a:lvl7pPr>
+            <a:lvl8pPr marL="4266453" algn="l" defTabSz="1218987" rtl="0" eaLnBrk="1" latinLnBrk="0" hangingPunct="1">
+              <a:defRPr sz="2400" kern="1200">
+                <a:solidFill>
+                  <a:schemeClr val="lt1"/>
+                </a:solidFill>
+                <a:latin typeface="+mn-lt"/>
+                <a:ea typeface="+mn-ea"/>
+                <a:cs typeface="+mn-cs"/>
+              </a:defRPr>
+            </a:lvl8pPr>
+            <a:lvl9pPr marL="4875947" algn="l" defTabSz="1218987" rtl="0" eaLnBrk="1" latinLnBrk="0" hangingPunct="1">
+              <a:defRPr sz="2400" kern="1200">
+                <a:solidFill>
+                  <a:schemeClr val="lt1"/>
+                </a:solidFill>
+                <a:latin typeface="+mn-lt"/>
+                <a:ea typeface="+mn-ea"/>
+                <a:cs typeface="+mn-cs"/>
+              </a:defRPr>
+            </a:lvl9pPr>
+          </a:lstStyle>
+          <a:p>
+            <a:pPr algn="ctr" defTabSz="914061" fontAlgn="base">
+              <a:spcBef>
+                <a:spcPct val="0"/>
+              </a:spcBef>
+              <a:spcAft>
+                <a:spcPct val="0"/>
+              </a:spcAft>
+            </a:pPr>
+            <a:r>
+              <a:rPr lang="en-US" sz="2000" b="1" dirty="0">
+                <a:gradFill>
+                  <a:gsLst>
+                    <a:gs pos="0">
+                      <a:srgbClr val="FFFFFF"/>
+                    </a:gs>
+                    <a:gs pos="100000">
+                      <a:srgbClr val="FFFFFF"/>
+                    </a:gs>
+                  </a:gsLst>
+                  <a:lin ang="5400000" scaled="0"/>
+                </a:gradFill>
+              </a:rPr>
+              <a:t>Server B</a:t>
+            </a:r>
+          </a:p>
+          <a:p>
+            <a:pPr algn="ctr" defTabSz="914061" fontAlgn="base">
+              <a:spcBef>
+                <a:spcPct val="0"/>
+              </a:spcBef>
+              <a:spcAft>
+                <a:spcPct val="0"/>
+              </a:spcAft>
+            </a:pPr>
+            <a:r>
+              <a:rPr lang="en-US" sz="1400" dirty="0">
+                <a:gradFill>
+                  <a:gsLst>
+                    <a:gs pos="0">
+                      <a:srgbClr val="FFFFFF"/>
+                    </a:gs>
+                    <a:gs pos="100000">
+                      <a:srgbClr val="FFFFFF"/>
+                    </a:gs>
+                  </a:gsLst>
+                  <a:lin ang="5400000" scaled="0"/>
+                </a:gradFill>
+              </a:rPr>
+              <a:t>Table = Products</a:t>
+            </a:r>
+          </a:p>
+          <a:p>
+            <a:pPr algn="ctr" defTabSz="914061" fontAlgn="base">
+              <a:spcBef>
+                <a:spcPct val="0"/>
+              </a:spcBef>
+              <a:spcAft>
+                <a:spcPct val="0"/>
+              </a:spcAft>
+            </a:pPr>
+            <a:r>
+              <a:rPr lang="en-US" sz="1400" dirty="0">
+                <a:gradFill>
+                  <a:gsLst>
+                    <a:gs pos="0">
+                      <a:srgbClr val="FFFFFF"/>
+                    </a:gs>
+                    <a:gs pos="100000">
+                      <a:srgbClr val="FFFFFF"/>
+                    </a:gs>
+                  </a:gsLst>
+                  <a:lin ang="5400000" scaled="0"/>
+                </a:gradFill>
+              </a:rPr>
+              <a:t>[Canoes - MaxKey)</a:t>
+            </a:r>
+            <a:endParaRPr lang="en-US" sz="1200" dirty="0">
+              <a:gradFill>
+                <a:gsLst>
+                  <a:gs pos="0">
+                    <a:srgbClr val="FFFFFF"/>
+                  </a:gs>
+                  <a:gs pos="100000">
+                    <a:srgbClr val="FFFFFF"/>
+                  </a:gs>
+                </a:gsLst>
+                <a:lin ang="5400000" scaled="0"/>
+              </a:gradFill>
+            </a:endParaRPr>
+          </a:p>
+        </p:txBody>
+      </p:sp>
       <p:pic>
         <p:nvPicPr>
           <p:cNvPr id="21" name="table"/>
@@ -7679,180 +8304,335 @@
         </p:blipFill>
         <p:spPr>
           <a:xfrm>
-            <a:off x="1874373" y="1676400"/>
-            <a:ext cx="6341591" cy="3313266"/>
+            <a:off x="3107209" y="1523972"/>
+            <a:ext cx="5788308" cy="3024194"/>
           </a:xfrm>
           <a:prstGeom prst="rect">
             <a:avLst/>
           </a:prstGeom>
         </p:spPr>
       </p:pic>
-      <p:grpSp>
-        <p:nvGrpSpPr>
-          <p:cNvPr id="22" name="Group 21"/>
-          <p:cNvGrpSpPr/>
+      <p:sp>
+        <p:nvSpPr>
+          <p:cNvPr id="24" name="Right Arrow 23"/>
+          <p:cNvSpPr/>
           <p:nvPr/>
-        </p:nvGrpSpPr>
-        <p:grpSpPr>
+        </p:nvSpPr>
+        <p:spPr bwMode="auto">
           <a:xfrm>
-            <a:off x="304800" y="2209800"/>
-            <a:ext cx="1506679" cy="3505200"/>
-            <a:chOff x="427732" y="1603248"/>
-            <a:chExt cx="2546464" cy="4032504"/>
+            <a:off x="2662214" y="2918051"/>
+            <a:ext cx="452274" cy="421260"/>
           </a:xfrm>
+          <a:prstGeom prst="rightArrow">
+            <a:avLst/>
+          </a:prstGeom>
+          <a:solidFill>
+            <a:schemeClr val="tx2"/>
+          </a:solidFill>
+          <a:ln>
+            <a:noFill/>
+            <a:headEnd type="none" w="med" len="med"/>
+            <a:tailEnd type="none" w="med" len="med"/>
+          </a:ln>
+          <a:effectLst/>
+        </p:spPr>
+        <p:style>
+          <a:lnRef idx="1">
+            <a:schemeClr val="accent6"/>
+          </a:lnRef>
+          <a:fillRef idx="3">
+            <a:schemeClr val="accent6"/>
+          </a:fillRef>
+          <a:effectRef idx="2">
+            <a:schemeClr val="accent6"/>
+          </a:effectRef>
+          <a:fontRef idx="minor">
+            <a:schemeClr val="lt1"/>
+          </a:fontRef>
+        </p:style>
+        <p:txBody>
+          <a:bodyPr vert="horz" wrap="square" lIns="91436" tIns="45718" rIns="91436" bIns="45718" numCol="1" rtlCol="0" anchor="ctr" anchorCtr="0" compatLnSpc="1">
+            <a:prstTxWarp prst="textNoShape">
+              <a:avLst/>
+            </a:prstTxWarp>
+          </a:bodyPr>
+          <a:lstStyle>
+            <a:defPPr>
+              <a:defRPr lang="en-US"/>
+            </a:defPPr>
+            <a:lvl1pPr marL="0" algn="l" defTabSz="1218987" rtl="0" eaLnBrk="1" latinLnBrk="0" hangingPunct="1">
+              <a:defRPr sz="2400" kern="1200">
+                <a:solidFill>
+                  <a:schemeClr val="lt1"/>
+                </a:solidFill>
+                <a:latin typeface="+mn-lt"/>
+                <a:ea typeface="+mn-ea"/>
+                <a:cs typeface="+mn-cs"/>
+              </a:defRPr>
+            </a:lvl1pPr>
+            <a:lvl2pPr marL="609493" algn="l" defTabSz="1218987" rtl="0" eaLnBrk="1" latinLnBrk="0" hangingPunct="1">
+              <a:defRPr sz="2400" kern="1200">
+                <a:solidFill>
+                  <a:schemeClr val="lt1"/>
+                </a:solidFill>
+                <a:latin typeface="+mn-lt"/>
+                <a:ea typeface="+mn-ea"/>
+                <a:cs typeface="+mn-cs"/>
+              </a:defRPr>
+            </a:lvl2pPr>
+            <a:lvl3pPr marL="1218987" algn="l" defTabSz="1218987" rtl="0" eaLnBrk="1" latinLnBrk="0" hangingPunct="1">
+              <a:defRPr sz="2400" kern="1200">
+                <a:solidFill>
+                  <a:schemeClr val="lt1"/>
+                </a:solidFill>
+                <a:latin typeface="+mn-lt"/>
+                <a:ea typeface="+mn-ea"/>
+                <a:cs typeface="+mn-cs"/>
+              </a:defRPr>
+            </a:lvl3pPr>
+            <a:lvl4pPr marL="1828480" algn="l" defTabSz="1218987" rtl="0" eaLnBrk="1" latinLnBrk="0" hangingPunct="1">
+              <a:defRPr sz="2400" kern="1200">
+                <a:solidFill>
+                  <a:schemeClr val="lt1"/>
+                </a:solidFill>
+                <a:latin typeface="+mn-lt"/>
+                <a:ea typeface="+mn-ea"/>
+                <a:cs typeface="+mn-cs"/>
+              </a:defRPr>
+            </a:lvl4pPr>
+            <a:lvl5pPr marL="2437973" algn="l" defTabSz="1218987" rtl="0" eaLnBrk="1" latinLnBrk="0" hangingPunct="1">
+              <a:defRPr sz="2400" kern="1200">
+                <a:solidFill>
+                  <a:schemeClr val="lt1"/>
+                </a:solidFill>
+                <a:latin typeface="+mn-lt"/>
+                <a:ea typeface="+mn-ea"/>
+                <a:cs typeface="+mn-cs"/>
+              </a:defRPr>
+            </a:lvl5pPr>
+            <a:lvl6pPr marL="3047467" algn="l" defTabSz="1218987" rtl="0" eaLnBrk="1" latinLnBrk="0" hangingPunct="1">
+              <a:defRPr sz="2400" kern="1200">
+                <a:solidFill>
+                  <a:schemeClr val="lt1"/>
+                </a:solidFill>
+                <a:latin typeface="+mn-lt"/>
+                <a:ea typeface="+mn-ea"/>
+                <a:cs typeface="+mn-cs"/>
+              </a:defRPr>
+            </a:lvl6pPr>
+            <a:lvl7pPr marL="3656960" algn="l" defTabSz="1218987" rtl="0" eaLnBrk="1" latinLnBrk="0" hangingPunct="1">
+              <a:defRPr sz="2400" kern="1200">
+                <a:solidFill>
+                  <a:schemeClr val="lt1"/>
+                </a:solidFill>
+                <a:latin typeface="+mn-lt"/>
+                <a:ea typeface="+mn-ea"/>
+                <a:cs typeface="+mn-cs"/>
+              </a:defRPr>
+            </a:lvl7pPr>
+            <a:lvl8pPr marL="4266453" algn="l" defTabSz="1218987" rtl="0" eaLnBrk="1" latinLnBrk="0" hangingPunct="1">
+              <a:defRPr sz="2400" kern="1200">
+                <a:solidFill>
+                  <a:schemeClr val="lt1"/>
+                </a:solidFill>
+                <a:latin typeface="+mn-lt"/>
+                <a:ea typeface="+mn-ea"/>
+                <a:cs typeface="+mn-cs"/>
+              </a:defRPr>
+            </a:lvl8pPr>
+            <a:lvl9pPr marL="4875947" algn="l" defTabSz="1218987" rtl="0" eaLnBrk="1" latinLnBrk="0" hangingPunct="1">
+              <a:defRPr sz="2400" kern="1200">
+                <a:solidFill>
+                  <a:schemeClr val="lt1"/>
+                </a:solidFill>
+                <a:latin typeface="+mn-lt"/>
+                <a:ea typeface="+mn-ea"/>
+                <a:cs typeface="+mn-cs"/>
+              </a:defRPr>
+            </a:lvl9pPr>
+          </a:lstStyle>
+          <a:p>
+            <a:pPr algn="ctr" defTabSz="914061" fontAlgn="base">
+              <a:spcBef>
+                <a:spcPct val="0"/>
+              </a:spcBef>
+              <a:spcAft>
+                <a:spcPct val="0"/>
+              </a:spcAft>
+            </a:pPr>
+            <a:endParaRPr lang="en-US" sz="2000" dirty="0">
+              <a:gradFill>
+                <a:gsLst>
+                  <a:gs pos="0">
+                    <a:srgbClr val="FFFFFF"/>
+                  </a:gs>
+                  <a:gs pos="100000">
+                    <a:srgbClr val="FFFFFF"/>
+                  </a:gs>
+                </a:gsLst>
+                <a:lin ang="5400000" scaled="0"/>
+              </a:gradFill>
+            </a:endParaRPr>
+          </a:p>
+        </p:txBody>
+      </p:sp>
+      <p:sp>
+        <p:nvSpPr>
+          <p:cNvPr id="26" name="Can 25"/>
+          <p:cNvSpPr/>
+          <p:nvPr/>
+        </p:nvSpPr>
+        <p:spPr bwMode="auto">
+          <a:xfrm>
+            <a:off x="1378344" y="2294961"/>
+            <a:ext cx="1276903" cy="1667439"/>
+          </a:xfrm>
+          <a:prstGeom prst="can">
+            <a:avLst/>
+          </a:prstGeom>
           <a:solidFill>
             <a:schemeClr val="accent4"/>
           </a:solidFill>
-        </p:grpSpPr>
-        <p:sp>
-          <p:nvSpPr>
-            <p:cNvPr id="23" name="Right Arrow 22"/>
-            <p:cNvSpPr/>
-            <p:nvPr/>
-          </p:nvSpPr>
-          <p:spPr bwMode="auto">
-            <a:xfrm>
-              <a:off x="2209801" y="4620768"/>
-              <a:ext cx="752092" cy="484632"/>
-            </a:xfrm>
-            <a:prstGeom prst="rightArrow">
+          <a:ln>
+            <a:headEnd type="none" w="med" len="med"/>
+            <a:tailEnd type="none" w="med" len="med"/>
+          </a:ln>
+          <a:effectLst/>
+          <a:scene3d>
+            <a:camera prst="orthographicFront">
+              <a:rot lat="0" lon="0" rev="0"/>
+            </a:camera>
+            <a:lightRig rig="threePt" dir="t">
+              <a:rot lat="0" lon="0" rev="20400000"/>
+            </a:lightRig>
+          </a:scene3d>
+        </p:spPr>
+        <p:style>
+          <a:lnRef idx="0">
+            <a:schemeClr val="accent5"/>
+          </a:lnRef>
+          <a:fillRef idx="3">
+            <a:schemeClr val="accent5"/>
+          </a:fillRef>
+          <a:effectRef idx="3">
+            <a:schemeClr val="accent5"/>
+          </a:effectRef>
+          <a:fontRef idx="minor">
+            <a:schemeClr val="lt1"/>
+          </a:fontRef>
+        </p:style>
+        <p:txBody>
+          <a:bodyPr vert="horz" wrap="square" lIns="91436" tIns="45718" rIns="91436" bIns="45718" numCol="1" rtlCol="0" anchor="ctr" anchorCtr="0" compatLnSpc="1">
+            <a:prstTxWarp prst="textNoShape">
               <a:avLst/>
-            </a:prstGeom>
-            <a:solidFill>
-              <a:schemeClr val="tx2"/>
-            </a:solidFill>
-            <a:ln>
-              <a:noFill/>
-              <a:headEnd type="none" w="med" len="med"/>
-              <a:tailEnd type="none" w="med" len="med"/>
-            </a:ln>
-            <a:effectLst/>
-          </p:spPr>
-          <p:style>
-            <a:lnRef idx="1">
-              <a:schemeClr val="accent6"/>
-            </a:lnRef>
-            <a:fillRef idx="3">
-              <a:schemeClr val="accent6"/>
-            </a:fillRef>
-            <a:effectRef idx="2">
-              <a:schemeClr val="accent6"/>
-            </a:effectRef>
-            <a:fontRef idx="minor">
-              <a:schemeClr val="lt1"/>
-            </a:fontRef>
-          </p:style>
-          <p:txBody>
-            <a:bodyPr vert="horz" wrap="square" lIns="91436" tIns="45718" rIns="91436" bIns="45718" numCol="1" rtlCol="0" anchor="ctr" anchorCtr="0" compatLnSpc="1">
-              <a:prstTxWarp prst="textNoShape">
-                <a:avLst/>
-              </a:prstTxWarp>
-            </a:bodyPr>
-            <a:lstStyle>
-              <a:defPPr>
-                <a:defRPr lang="en-US"/>
-              </a:defPPr>
-              <a:lvl1pPr marL="0" algn="l" defTabSz="1218987" rtl="0" eaLnBrk="1" latinLnBrk="0" hangingPunct="1">
-                <a:defRPr sz="2400" kern="1200">
-                  <a:solidFill>
-                    <a:schemeClr val="lt1"/>
-                  </a:solidFill>
-                  <a:latin typeface="+mn-lt"/>
-                  <a:ea typeface="+mn-ea"/>
-                  <a:cs typeface="+mn-cs"/>
-                </a:defRPr>
-              </a:lvl1pPr>
-              <a:lvl2pPr marL="609493" algn="l" defTabSz="1218987" rtl="0" eaLnBrk="1" latinLnBrk="0" hangingPunct="1">
-                <a:defRPr sz="2400" kern="1200">
-                  <a:solidFill>
-                    <a:schemeClr val="lt1"/>
-                  </a:solidFill>
-                  <a:latin typeface="+mn-lt"/>
-                  <a:ea typeface="+mn-ea"/>
-                  <a:cs typeface="+mn-cs"/>
-                </a:defRPr>
-              </a:lvl2pPr>
-              <a:lvl3pPr marL="1218987" algn="l" defTabSz="1218987" rtl="0" eaLnBrk="1" latinLnBrk="0" hangingPunct="1">
-                <a:defRPr sz="2400" kern="1200">
-                  <a:solidFill>
-                    <a:schemeClr val="lt1"/>
-                  </a:solidFill>
-                  <a:latin typeface="+mn-lt"/>
-                  <a:ea typeface="+mn-ea"/>
-                  <a:cs typeface="+mn-cs"/>
-                </a:defRPr>
-              </a:lvl3pPr>
-              <a:lvl4pPr marL="1828480" algn="l" defTabSz="1218987" rtl="0" eaLnBrk="1" latinLnBrk="0" hangingPunct="1">
-                <a:defRPr sz="2400" kern="1200">
-                  <a:solidFill>
-                    <a:schemeClr val="lt1"/>
-                  </a:solidFill>
-                  <a:latin typeface="+mn-lt"/>
-                  <a:ea typeface="+mn-ea"/>
-                  <a:cs typeface="+mn-cs"/>
-                </a:defRPr>
-              </a:lvl4pPr>
-              <a:lvl5pPr marL="2437973" algn="l" defTabSz="1218987" rtl="0" eaLnBrk="1" latinLnBrk="0" hangingPunct="1">
-                <a:defRPr sz="2400" kern="1200">
-                  <a:solidFill>
-                    <a:schemeClr val="lt1"/>
-                  </a:solidFill>
-                  <a:latin typeface="+mn-lt"/>
-                  <a:ea typeface="+mn-ea"/>
-                  <a:cs typeface="+mn-cs"/>
-                </a:defRPr>
-              </a:lvl5pPr>
-              <a:lvl6pPr marL="3047467" algn="l" defTabSz="1218987" rtl="0" eaLnBrk="1" latinLnBrk="0" hangingPunct="1">
-                <a:defRPr sz="2400" kern="1200">
-                  <a:solidFill>
-                    <a:schemeClr val="lt1"/>
-                  </a:solidFill>
-                  <a:latin typeface="+mn-lt"/>
-                  <a:ea typeface="+mn-ea"/>
-                  <a:cs typeface="+mn-cs"/>
-                </a:defRPr>
-              </a:lvl6pPr>
-              <a:lvl7pPr marL="3656960" algn="l" defTabSz="1218987" rtl="0" eaLnBrk="1" latinLnBrk="0" hangingPunct="1">
-                <a:defRPr sz="2400" kern="1200">
-                  <a:solidFill>
-                    <a:schemeClr val="lt1"/>
-                  </a:solidFill>
-                  <a:latin typeface="+mn-lt"/>
-                  <a:ea typeface="+mn-ea"/>
-                  <a:cs typeface="+mn-cs"/>
-                </a:defRPr>
-              </a:lvl7pPr>
-              <a:lvl8pPr marL="4266453" algn="l" defTabSz="1218987" rtl="0" eaLnBrk="1" latinLnBrk="0" hangingPunct="1">
-                <a:defRPr sz="2400" kern="1200">
-                  <a:solidFill>
-                    <a:schemeClr val="lt1"/>
-                  </a:solidFill>
-                  <a:latin typeface="+mn-lt"/>
-                  <a:ea typeface="+mn-ea"/>
-                  <a:cs typeface="+mn-cs"/>
-                </a:defRPr>
-              </a:lvl8pPr>
-              <a:lvl9pPr marL="4875947" algn="l" defTabSz="1218987" rtl="0" eaLnBrk="1" latinLnBrk="0" hangingPunct="1">
-                <a:defRPr sz="2400" kern="1200">
-                  <a:solidFill>
-                    <a:schemeClr val="lt1"/>
-                  </a:solidFill>
-                  <a:latin typeface="+mn-lt"/>
-                  <a:ea typeface="+mn-ea"/>
-                  <a:cs typeface="+mn-cs"/>
-                </a:defRPr>
-              </a:lvl9pPr>
-            </a:lstStyle>
-            <a:p>
-              <a:pPr algn="ctr" defTabSz="914061" fontAlgn="base">
-                <a:spcBef>
-                  <a:spcPct val="0"/>
-                </a:spcBef>
-                <a:spcAft>
-                  <a:spcPct val="0"/>
-                </a:spcAft>
-              </a:pPr>
-              <a:endParaRPr lang="en-US" sz="2000" dirty="0">
+            </a:prstTxWarp>
+          </a:bodyPr>
+          <a:lstStyle>
+            <a:defPPr>
+              <a:defRPr lang="en-US"/>
+            </a:defPPr>
+            <a:lvl1pPr marL="0" algn="l" defTabSz="1218987" rtl="0" eaLnBrk="1" latinLnBrk="0" hangingPunct="1">
+              <a:defRPr sz="2400" kern="1200">
+                <a:solidFill>
+                  <a:schemeClr val="lt1"/>
+                </a:solidFill>
+                <a:latin typeface="+mn-lt"/>
+                <a:ea typeface="+mn-ea"/>
+                <a:cs typeface="+mn-cs"/>
+              </a:defRPr>
+            </a:lvl1pPr>
+            <a:lvl2pPr marL="609493" algn="l" defTabSz="1218987" rtl="0" eaLnBrk="1" latinLnBrk="0" hangingPunct="1">
+              <a:defRPr sz="2400" kern="1200">
+                <a:solidFill>
+                  <a:schemeClr val="lt1"/>
+                </a:solidFill>
+                <a:latin typeface="+mn-lt"/>
+                <a:ea typeface="+mn-ea"/>
+                <a:cs typeface="+mn-cs"/>
+              </a:defRPr>
+            </a:lvl2pPr>
+            <a:lvl3pPr marL="1218987" algn="l" defTabSz="1218987" rtl="0" eaLnBrk="1" latinLnBrk="0" hangingPunct="1">
+              <a:defRPr sz="2400" kern="1200">
+                <a:solidFill>
+                  <a:schemeClr val="lt1"/>
+                </a:solidFill>
+                <a:latin typeface="+mn-lt"/>
+                <a:ea typeface="+mn-ea"/>
+                <a:cs typeface="+mn-cs"/>
+              </a:defRPr>
+            </a:lvl3pPr>
+            <a:lvl4pPr marL="1828480" algn="l" defTabSz="1218987" rtl="0" eaLnBrk="1" latinLnBrk="0" hangingPunct="1">
+              <a:defRPr sz="2400" kern="1200">
+                <a:solidFill>
+                  <a:schemeClr val="lt1"/>
+                </a:solidFill>
+                <a:latin typeface="+mn-lt"/>
+                <a:ea typeface="+mn-ea"/>
+                <a:cs typeface="+mn-cs"/>
+              </a:defRPr>
+            </a:lvl4pPr>
+            <a:lvl5pPr marL="2437973" algn="l" defTabSz="1218987" rtl="0" eaLnBrk="1" latinLnBrk="0" hangingPunct="1">
+              <a:defRPr sz="2400" kern="1200">
+                <a:solidFill>
+                  <a:schemeClr val="lt1"/>
+                </a:solidFill>
+                <a:latin typeface="+mn-lt"/>
+                <a:ea typeface="+mn-ea"/>
+                <a:cs typeface="+mn-cs"/>
+              </a:defRPr>
+            </a:lvl5pPr>
+            <a:lvl6pPr marL="3047467" algn="l" defTabSz="1218987" rtl="0" eaLnBrk="1" latinLnBrk="0" hangingPunct="1">
+              <a:defRPr sz="2400" kern="1200">
+                <a:solidFill>
+                  <a:schemeClr val="lt1"/>
+                </a:solidFill>
+                <a:latin typeface="+mn-lt"/>
+                <a:ea typeface="+mn-ea"/>
+                <a:cs typeface="+mn-cs"/>
+              </a:defRPr>
+            </a:lvl6pPr>
+            <a:lvl7pPr marL="3656960" algn="l" defTabSz="1218987" rtl="0" eaLnBrk="1" latinLnBrk="0" hangingPunct="1">
+              <a:defRPr sz="2400" kern="1200">
+                <a:solidFill>
+                  <a:schemeClr val="lt1"/>
+                </a:solidFill>
+                <a:latin typeface="+mn-lt"/>
+                <a:ea typeface="+mn-ea"/>
+                <a:cs typeface="+mn-cs"/>
+              </a:defRPr>
+            </a:lvl7pPr>
+            <a:lvl8pPr marL="4266453" algn="l" defTabSz="1218987" rtl="0" eaLnBrk="1" latinLnBrk="0" hangingPunct="1">
+              <a:defRPr sz="2400" kern="1200">
+                <a:solidFill>
+                  <a:schemeClr val="lt1"/>
+                </a:solidFill>
+                <a:latin typeface="+mn-lt"/>
+                <a:ea typeface="+mn-ea"/>
+                <a:cs typeface="+mn-cs"/>
+              </a:defRPr>
+            </a:lvl8pPr>
+            <a:lvl9pPr marL="4875947" algn="l" defTabSz="1218987" rtl="0" eaLnBrk="1" latinLnBrk="0" hangingPunct="1">
+              <a:defRPr sz="2400" kern="1200">
+                <a:solidFill>
+                  <a:schemeClr val="lt1"/>
+                </a:solidFill>
+                <a:latin typeface="+mn-lt"/>
+                <a:ea typeface="+mn-ea"/>
+                <a:cs typeface="+mn-cs"/>
+              </a:defRPr>
+            </a:lvl9pPr>
+          </a:lstStyle>
+          <a:p>
+            <a:pPr algn="ctr" defTabSz="914061" fontAlgn="base">
+              <a:spcBef>
+                <a:spcPct val="0"/>
+              </a:spcBef>
+              <a:spcAft>
+                <a:spcPct val="0"/>
+              </a:spcAft>
+            </a:pPr>
+            <a:r>
+              <a:rPr lang="en-US" sz="2000" b="1" dirty="0">
                 <a:gradFill>
                   <a:gsLst>
                     <a:gs pos="0">
@@ -7864,159 +8644,21 @@
                   </a:gsLst>
                   <a:lin ang="5400000" scaled="0"/>
                 </a:gradFill>
-              </a:endParaRPr>
-            </a:p>
-          </p:txBody>
-        </p:sp>
-        <p:sp>
-          <p:nvSpPr>
-            <p:cNvPr id="24" name="Right Arrow 23"/>
-            <p:cNvSpPr/>
-            <p:nvPr/>
-          </p:nvSpPr>
-          <p:spPr bwMode="auto">
-            <a:xfrm>
-              <a:off x="2209800" y="2258568"/>
-              <a:ext cx="764396" cy="484632"/>
-            </a:xfrm>
-            <a:prstGeom prst="rightArrow">
-              <a:avLst/>
-            </a:prstGeom>
-            <a:solidFill>
-              <a:schemeClr val="tx2"/>
-            </a:solidFill>
-            <a:ln>
-              <a:noFill/>
-              <a:headEnd type="none" w="med" len="med"/>
-              <a:tailEnd type="none" w="med" len="med"/>
-            </a:ln>
-            <a:effectLst/>
-          </p:spPr>
-          <p:style>
-            <a:lnRef idx="1">
-              <a:schemeClr val="accent6"/>
-            </a:lnRef>
-            <a:fillRef idx="3">
-              <a:schemeClr val="accent6"/>
-            </a:fillRef>
-            <a:effectRef idx="2">
-              <a:schemeClr val="accent6"/>
-            </a:effectRef>
-            <a:fontRef idx="minor">
-              <a:schemeClr val="lt1"/>
-            </a:fontRef>
-          </p:style>
-          <p:txBody>
-            <a:bodyPr vert="horz" wrap="square" lIns="91436" tIns="45718" rIns="91436" bIns="45718" numCol="1" rtlCol="0" anchor="ctr" anchorCtr="0" compatLnSpc="1">
-              <a:prstTxWarp prst="textNoShape">
-                <a:avLst/>
-              </a:prstTxWarp>
-            </a:bodyPr>
-            <a:lstStyle>
-              <a:defPPr>
-                <a:defRPr lang="en-US"/>
-              </a:defPPr>
-              <a:lvl1pPr marL="0" algn="l" defTabSz="1218987" rtl="0" eaLnBrk="1" latinLnBrk="0" hangingPunct="1">
-                <a:defRPr sz="2400" kern="1200">
-                  <a:solidFill>
-                    <a:schemeClr val="lt1"/>
-                  </a:solidFill>
-                  <a:latin typeface="+mn-lt"/>
-                  <a:ea typeface="+mn-ea"/>
-                  <a:cs typeface="+mn-cs"/>
-                </a:defRPr>
-              </a:lvl1pPr>
-              <a:lvl2pPr marL="609493" algn="l" defTabSz="1218987" rtl="0" eaLnBrk="1" latinLnBrk="0" hangingPunct="1">
-                <a:defRPr sz="2400" kern="1200">
-                  <a:solidFill>
-                    <a:schemeClr val="lt1"/>
-                  </a:solidFill>
-                  <a:latin typeface="+mn-lt"/>
-                  <a:ea typeface="+mn-ea"/>
-                  <a:cs typeface="+mn-cs"/>
-                </a:defRPr>
-              </a:lvl2pPr>
-              <a:lvl3pPr marL="1218987" algn="l" defTabSz="1218987" rtl="0" eaLnBrk="1" latinLnBrk="0" hangingPunct="1">
-                <a:defRPr sz="2400" kern="1200">
-                  <a:solidFill>
-                    <a:schemeClr val="lt1"/>
-                  </a:solidFill>
-                  <a:latin typeface="+mn-lt"/>
-                  <a:ea typeface="+mn-ea"/>
-                  <a:cs typeface="+mn-cs"/>
-                </a:defRPr>
-              </a:lvl3pPr>
-              <a:lvl4pPr marL="1828480" algn="l" defTabSz="1218987" rtl="0" eaLnBrk="1" latinLnBrk="0" hangingPunct="1">
-                <a:defRPr sz="2400" kern="1200">
-                  <a:solidFill>
-                    <a:schemeClr val="lt1"/>
-                  </a:solidFill>
-                  <a:latin typeface="+mn-lt"/>
-                  <a:ea typeface="+mn-ea"/>
-                  <a:cs typeface="+mn-cs"/>
-                </a:defRPr>
-              </a:lvl4pPr>
-              <a:lvl5pPr marL="2437973" algn="l" defTabSz="1218987" rtl="0" eaLnBrk="1" latinLnBrk="0" hangingPunct="1">
-                <a:defRPr sz="2400" kern="1200">
-                  <a:solidFill>
-                    <a:schemeClr val="lt1"/>
-                  </a:solidFill>
-                  <a:latin typeface="+mn-lt"/>
-                  <a:ea typeface="+mn-ea"/>
-                  <a:cs typeface="+mn-cs"/>
-                </a:defRPr>
-              </a:lvl5pPr>
-              <a:lvl6pPr marL="3047467" algn="l" defTabSz="1218987" rtl="0" eaLnBrk="1" latinLnBrk="0" hangingPunct="1">
-                <a:defRPr sz="2400" kern="1200">
-                  <a:solidFill>
-                    <a:schemeClr val="lt1"/>
-                  </a:solidFill>
-                  <a:latin typeface="+mn-lt"/>
-                  <a:ea typeface="+mn-ea"/>
-                  <a:cs typeface="+mn-cs"/>
-                </a:defRPr>
-              </a:lvl6pPr>
-              <a:lvl7pPr marL="3656960" algn="l" defTabSz="1218987" rtl="0" eaLnBrk="1" latinLnBrk="0" hangingPunct="1">
-                <a:defRPr sz="2400" kern="1200">
-                  <a:solidFill>
-                    <a:schemeClr val="lt1"/>
-                  </a:solidFill>
-                  <a:latin typeface="+mn-lt"/>
-                  <a:ea typeface="+mn-ea"/>
-                  <a:cs typeface="+mn-cs"/>
-                </a:defRPr>
-              </a:lvl7pPr>
-              <a:lvl8pPr marL="4266453" algn="l" defTabSz="1218987" rtl="0" eaLnBrk="1" latinLnBrk="0" hangingPunct="1">
-                <a:defRPr sz="2400" kern="1200">
-                  <a:solidFill>
-                    <a:schemeClr val="lt1"/>
-                  </a:solidFill>
-                  <a:latin typeface="+mn-lt"/>
-                  <a:ea typeface="+mn-ea"/>
-                  <a:cs typeface="+mn-cs"/>
-                </a:defRPr>
-              </a:lvl8pPr>
-              <a:lvl9pPr marL="4875947" algn="l" defTabSz="1218987" rtl="0" eaLnBrk="1" latinLnBrk="0" hangingPunct="1">
-                <a:defRPr sz="2400" kern="1200">
-                  <a:solidFill>
-                    <a:schemeClr val="lt1"/>
-                  </a:solidFill>
-                  <a:latin typeface="+mn-lt"/>
-                  <a:ea typeface="+mn-ea"/>
-                  <a:cs typeface="+mn-cs"/>
-                </a:defRPr>
-              </a:lvl9pPr>
-            </a:lstStyle>
-            <a:p>
-              <a:pPr algn="ctr" defTabSz="914061" fontAlgn="base">
-                <a:spcBef>
-                  <a:spcPct val="0"/>
-                </a:spcBef>
-                <a:spcAft>
-                  <a:spcPct val="0"/>
-                </a:spcAft>
-              </a:pPr>
-              <a:endParaRPr lang="en-US" sz="2000" dirty="0">
+              </a:rPr>
+              <a:t>Server A</a:t>
+            </a:r>
+          </a:p>
+          <a:p>
+            <a:pPr algn="ctr" defTabSz="914061" fontAlgn="base">
+              <a:spcBef>
+                <a:spcPct val="0"/>
+              </a:spcBef>
+              <a:spcAft>
+                <a:spcPct val="0"/>
+              </a:spcAft>
+            </a:pPr>
+            <a:r>
+              <a:rPr lang="en-US" sz="1400" dirty="0">
                 <a:gradFill>
                   <a:gsLst>
                     <a:gs pos="0">
@@ -8028,232 +8670,21 @@
                   </a:gsLst>
                   <a:lin ang="5400000" scaled="0"/>
                 </a:gradFill>
-              </a:endParaRPr>
-            </a:p>
-          </p:txBody>
-        </p:sp>
-        <p:sp>
-          <p:nvSpPr>
-            <p:cNvPr id="25" name="Can 24"/>
-            <p:cNvSpPr/>
-            <p:nvPr/>
-          </p:nvSpPr>
-          <p:spPr bwMode="auto">
-            <a:xfrm>
-              <a:off x="427732" y="3962400"/>
-              <a:ext cx="1905000" cy="1673352"/>
-            </a:xfrm>
-            <a:prstGeom prst="can">
-              <a:avLst/>
-            </a:prstGeom>
-            <a:grpFill/>
-            <a:ln>
-              <a:headEnd type="none" w="med" len="med"/>
-              <a:tailEnd type="none" w="med" len="med"/>
-            </a:ln>
-            <a:effectLst/>
-            <a:scene3d>
-              <a:camera prst="orthographicFront">
-                <a:rot lat="0" lon="0" rev="0"/>
-              </a:camera>
-              <a:lightRig rig="threePt" dir="t">
-                <a:rot lat="0" lon="0" rev="20400000"/>
-              </a:lightRig>
-            </a:scene3d>
-          </p:spPr>
-          <p:style>
-            <a:lnRef idx="0">
-              <a:schemeClr val="accent5"/>
-            </a:lnRef>
-            <a:fillRef idx="3">
-              <a:schemeClr val="accent5"/>
-            </a:fillRef>
-            <a:effectRef idx="3">
-              <a:schemeClr val="accent5"/>
-            </a:effectRef>
-            <a:fontRef idx="minor">
-              <a:schemeClr val="lt1"/>
-            </a:fontRef>
-          </p:style>
-          <p:txBody>
-            <a:bodyPr vert="horz" wrap="square" lIns="91436" tIns="45718" rIns="91436" bIns="45718" numCol="1" rtlCol="0" anchor="ctr" anchorCtr="0" compatLnSpc="1">
-              <a:prstTxWarp prst="textNoShape">
-                <a:avLst/>
-              </a:prstTxWarp>
-            </a:bodyPr>
-            <a:lstStyle>
-              <a:defPPr>
-                <a:defRPr lang="en-US"/>
-              </a:defPPr>
-              <a:lvl1pPr marL="0" algn="l" defTabSz="1218987" rtl="0" eaLnBrk="1" latinLnBrk="0" hangingPunct="1">
-                <a:defRPr sz="2400" kern="1200">
-                  <a:solidFill>
-                    <a:schemeClr val="lt1"/>
-                  </a:solidFill>
-                  <a:latin typeface="+mn-lt"/>
-                  <a:ea typeface="+mn-ea"/>
-                  <a:cs typeface="+mn-cs"/>
-                </a:defRPr>
-              </a:lvl1pPr>
-              <a:lvl2pPr marL="609493" algn="l" defTabSz="1218987" rtl="0" eaLnBrk="1" latinLnBrk="0" hangingPunct="1">
-                <a:defRPr sz="2400" kern="1200">
-                  <a:solidFill>
-                    <a:schemeClr val="lt1"/>
-                  </a:solidFill>
-                  <a:latin typeface="+mn-lt"/>
-                  <a:ea typeface="+mn-ea"/>
-                  <a:cs typeface="+mn-cs"/>
-                </a:defRPr>
-              </a:lvl2pPr>
-              <a:lvl3pPr marL="1218987" algn="l" defTabSz="1218987" rtl="0" eaLnBrk="1" latinLnBrk="0" hangingPunct="1">
-                <a:defRPr sz="2400" kern="1200">
-                  <a:solidFill>
-                    <a:schemeClr val="lt1"/>
-                  </a:solidFill>
-                  <a:latin typeface="+mn-lt"/>
-                  <a:ea typeface="+mn-ea"/>
-                  <a:cs typeface="+mn-cs"/>
-                </a:defRPr>
-              </a:lvl3pPr>
-              <a:lvl4pPr marL="1828480" algn="l" defTabSz="1218987" rtl="0" eaLnBrk="1" latinLnBrk="0" hangingPunct="1">
-                <a:defRPr sz="2400" kern="1200">
-                  <a:solidFill>
-                    <a:schemeClr val="lt1"/>
-                  </a:solidFill>
-                  <a:latin typeface="+mn-lt"/>
-                  <a:ea typeface="+mn-ea"/>
-                  <a:cs typeface="+mn-cs"/>
-                </a:defRPr>
-              </a:lvl4pPr>
-              <a:lvl5pPr marL="2437973" algn="l" defTabSz="1218987" rtl="0" eaLnBrk="1" latinLnBrk="0" hangingPunct="1">
-                <a:defRPr sz="2400" kern="1200">
-                  <a:solidFill>
-                    <a:schemeClr val="lt1"/>
-                  </a:solidFill>
-                  <a:latin typeface="+mn-lt"/>
-                  <a:ea typeface="+mn-ea"/>
-                  <a:cs typeface="+mn-cs"/>
-                </a:defRPr>
-              </a:lvl5pPr>
-              <a:lvl6pPr marL="3047467" algn="l" defTabSz="1218987" rtl="0" eaLnBrk="1" latinLnBrk="0" hangingPunct="1">
-                <a:defRPr sz="2400" kern="1200">
-                  <a:solidFill>
-                    <a:schemeClr val="lt1"/>
-                  </a:solidFill>
-                  <a:latin typeface="+mn-lt"/>
-                  <a:ea typeface="+mn-ea"/>
-                  <a:cs typeface="+mn-cs"/>
-                </a:defRPr>
-              </a:lvl6pPr>
-              <a:lvl7pPr marL="3656960" algn="l" defTabSz="1218987" rtl="0" eaLnBrk="1" latinLnBrk="0" hangingPunct="1">
-                <a:defRPr sz="2400" kern="1200">
-                  <a:solidFill>
-                    <a:schemeClr val="lt1"/>
-                  </a:solidFill>
-                  <a:latin typeface="+mn-lt"/>
-                  <a:ea typeface="+mn-ea"/>
-                  <a:cs typeface="+mn-cs"/>
-                </a:defRPr>
-              </a:lvl7pPr>
-              <a:lvl8pPr marL="4266453" algn="l" defTabSz="1218987" rtl="0" eaLnBrk="1" latinLnBrk="0" hangingPunct="1">
-                <a:defRPr sz="2400" kern="1200">
-                  <a:solidFill>
-                    <a:schemeClr val="lt1"/>
-                  </a:solidFill>
-                  <a:latin typeface="+mn-lt"/>
-                  <a:ea typeface="+mn-ea"/>
-                  <a:cs typeface="+mn-cs"/>
-                </a:defRPr>
-              </a:lvl8pPr>
-              <a:lvl9pPr marL="4875947" algn="l" defTabSz="1218987" rtl="0" eaLnBrk="1" latinLnBrk="0" hangingPunct="1">
-                <a:defRPr sz="2400" kern="1200">
-                  <a:solidFill>
-                    <a:schemeClr val="lt1"/>
-                  </a:solidFill>
-                  <a:latin typeface="+mn-lt"/>
-                  <a:ea typeface="+mn-ea"/>
-                  <a:cs typeface="+mn-cs"/>
-                </a:defRPr>
-              </a:lvl9pPr>
-            </a:lstStyle>
-            <a:p>
-              <a:pPr algn="ctr" defTabSz="914061" fontAlgn="base">
-                <a:spcBef>
-                  <a:spcPct val="0"/>
-                </a:spcBef>
-                <a:spcAft>
-                  <a:spcPct val="0"/>
-                </a:spcAft>
-              </a:pPr>
-              <a:r>
-                <a:rPr lang="en-US" sz="2000" b="1" dirty="0">
-                  <a:gradFill>
-                    <a:gsLst>
-                      <a:gs pos="0">
-                        <a:srgbClr val="FFFFFF"/>
-                      </a:gs>
-                      <a:gs pos="100000">
-                        <a:srgbClr val="FFFFFF"/>
-                      </a:gs>
-                    </a:gsLst>
-                    <a:lin ang="5400000" scaled="0"/>
-                  </a:gradFill>
-                </a:rPr>
-                <a:t>Server B</a:t>
-              </a:r>
-            </a:p>
-            <a:p>
-              <a:pPr algn="ctr" defTabSz="914061" fontAlgn="base">
-                <a:spcBef>
-                  <a:spcPct val="0"/>
-                </a:spcBef>
-                <a:spcAft>
-                  <a:spcPct val="0"/>
-                </a:spcAft>
-              </a:pPr>
-              <a:r>
-                <a:rPr lang="en-US" sz="1400" dirty="0">
-                  <a:gradFill>
-                    <a:gsLst>
-                      <a:gs pos="0">
-                        <a:srgbClr val="FFFFFF"/>
-                      </a:gs>
-                      <a:gs pos="100000">
-                        <a:srgbClr val="FFFFFF"/>
-                      </a:gs>
-                    </a:gsLst>
-                    <a:lin ang="5400000" scaled="0"/>
-                  </a:gradFill>
-                </a:rPr>
-                <a:t>Table = Products</a:t>
-              </a:r>
-            </a:p>
-            <a:p>
-              <a:pPr algn="ctr" defTabSz="914061" fontAlgn="base">
-                <a:spcBef>
-                  <a:spcPct val="0"/>
-                </a:spcBef>
-                <a:spcAft>
-                  <a:spcPct val="0"/>
-                </a:spcAft>
-              </a:pPr>
-              <a:r>
-                <a:rPr lang="en-US" sz="1400" dirty="0">
-                  <a:gradFill>
-                    <a:gsLst>
-                      <a:gs pos="0">
-                        <a:srgbClr val="FFFFFF"/>
-                      </a:gs>
-                      <a:gs pos="100000">
-                        <a:srgbClr val="FFFFFF"/>
-                      </a:gs>
-                    </a:gsLst>
-                    <a:lin ang="5400000" scaled="0"/>
-                  </a:gradFill>
-                </a:rPr>
-                <a:t>[Canoes - MaxKey)</a:t>
-              </a:r>
-              <a:endParaRPr lang="en-US" sz="1200" dirty="0">
+              </a:rPr>
+              <a:t>Table = Products</a:t>
+            </a:r>
+          </a:p>
+          <a:p>
+            <a:pPr algn="ctr" defTabSz="914061" fontAlgn="base">
+              <a:spcBef>
+                <a:spcPct val="0"/>
+              </a:spcBef>
+              <a:spcAft>
+                <a:spcPct val="0"/>
+              </a:spcAft>
+            </a:pPr>
+            <a:r>
+              <a:rPr lang="en-US" sz="1400" dirty="0">
                 <a:gradFill>
                   <a:gsLst>
                     <a:gs pos="0">
@@ -8265,252 +8696,532 @@
                   </a:gsLst>
                   <a:lin ang="5400000" scaled="0"/>
                 </a:gradFill>
-              </a:endParaRPr>
-            </a:p>
-          </p:txBody>
-        </p:sp>
-        <p:sp>
-          <p:nvSpPr>
-            <p:cNvPr id="26" name="Can 25"/>
-            <p:cNvSpPr/>
-            <p:nvPr/>
-          </p:nvSpPr>
-          <p:spPr bwMode="auto">
-            <a:xfrm>
-              <a:off x="427732" y="1603248"/>
-              <a:ext cx="1905000" cy="1673352"/>
-            </a:xfrm>
-            <a:prstGeom prst="can">
-              <a:avLst/>
-            </a:prstGeom>
-            <a:grpFill/>
-            <a:ln>
-              <a:headEnd type="none" w="med" len="med"/>
-              <a:tailEnd type="none" w="med" len="med"/>
-            </a:ln>
-            <a:effectLst/>
-            <a:scene3d>
-              <a:camera prst="orthographicFront">
-                <a:rot lat="0" lon="0" rev="0"/>
-              </a:camera>
-              <a:lightRig rig="threePt" dir="t">
-                <a:rot lat="0" lon="0" rev="20400000"/>
-              </a:lightRig>
-            </a:scene3d>
-          </p:spPr>
-          <p:style>
-            <a:lnRef idx="0">
-              <a:schemeClr val="accent5"/>
-            </a:lnRef>
-            <a:fillRef idx="3">
-              <a:schemeClr val="accent5"/>
-            </a:fillRef>
-            <a:effectRef idx="3">
-              <a:schemeClr val="accent5"/>
-            </a:effectRef>
-            <a:fontRef idx="minor">
-              <a:schemeClr val="lt1"/>
-            </a:fontRef>
-          </p:style>
-          <p:txBody>
-            <a:bodyPr vert="horz" wrap="square" lIns="91436" tIns="45718" rIns="91436" bIns="45718" numCol="1" rtlCol="0" anchor="ctr" anchorCtr="0" compatLnSpc="1">
-              <a:prstTxWarp prst="textNoShape">
-                <a:avLst/>
-              </a:prstTxWarp>
-            </a:bodyPr>
-            <a:lstStyle>
-              <a:defPPr>
-                <a:defRPr lang="en-US"/>
-              </a:defPPr>
-              <a:lvl1pPr marL="0" algn="l" defTabSz="1218987" rtl="0" eaLnBrk="1" latinLnBrk="0" hangingPunct="1">
-                <a:defRPr sz="2400" kern="1200">
-                  <a:solidFill>
-                    <a:schemeClr val="lt1"/>
-                  </a:solidFill>
-                  <a:latin typeface="+mn-lt"/>
-                  <a:ea typeface="+mn-ea"/>
-                  <a:cs typeface="+mn-cs"/>
-                </a:defRPr>
-              </a:lvl1pPr>
-              <a:lvl2pPr marL="609493" algn="l" defTabSz="1218987" rtl="0" eaLnBrk="1" latinLnBrk="0" hangingPunct="1">
-                <a:defRPr sz="2400" kern="1200">
-                  <a:solidFill>
-                    <a:schemeClr val="lt1"/>
-                  </a:solidFill>
-                  <a:latin typeface="+mn-lt"/>
-                  <a:ea typeface="+mn-ea"/>
-                  <a:cs typeface="+mn-cs"/>
-                </a:defRPr>
-              </a:lvl2pPr>
-              <a:lvl3pPr marL="1218987" algn="l" defTabSz="1218987" rtl="0" eaLnBrk="1" latinLnBrk="0" hangingPunct="1">
-                <a:defRPr sz="2400" kern="1200">
-                  <a:solidFill>
-                    <a:schemeClr val="lt1"/>
-                  </a:solidFill>
-                  <a:latin typeface="+mn-lt"/>
-                  <a:ea typeface="+mn-ea"/>
-                  <a:cs typeface="+mn-cs"/>
-                </a:defRPr>
-              </a:lvl3pPr>
-              <a:lvl4pPr marL="1828480" algn="l" defTabSz="1218987" rtl="0" eaLnBrk="1" latinLnBrk="0" hangingPunct="1">
-                <a:defRPr sz="2400" kern="1200">
-                  <a:solidFill>
-                    <a:schemeClr val="lt1"/>
-                  </a:solidFill>
-                  <a:latin typeface="+mn-lt"/>
-                  <a:ea typeface="+mn-ea"/>
-                  <a:cs typeface="+mn-cs"/>
-                </a:defRPr>
-              </a:lvl4pPr>
-              <a:lvl5pPr marL="2437973" algn="l" defTabSz="1218987" rtl="0" eaLnBrk="1" latinLnBrk="0" hangingPunct="1">
-                <a:defRPr sz="2400" kern="1200">
-                  <a:solidFill>
-                    <a:schemeClr val="lt1"/>
-                  </a:solidFill>
-                  <a:latin typeface="+mn-lt"/>
-                  <a:ea typeface="+mn-ea"/>
-                  <a:cs typeface="+mn-cs"/>
-                </a:defRPr>
-              </a:lvl5pPr>
-              <a:lvl6pPr marL="3047467" algn="l" defTabSz="1218987" rtl="0" eaLnBrk="1" latinLnBrk="0" hangingPunct="1">
-                <a:defRPr sz="2400" kern="1200">
-                  <a:solidFill>
-                    <a:schemeClr val="lt1"/>
-                  </a:solidFill>
-                  <a:latin typeface="+mn-lt"/>
-                  <a:ea typeface="+mn-ea"/>
-                  <a:cs typeface="+mn-cs"/>
-                </a:defRPr>
-              </a:lvl6pPr>
-              <a:lvl7pPr marL="3656960" algn="l" defTabSz="1218987" rtl="0" eaLnBrk="1" latinLnBrk="0" hangingPunct="1">
-                <a:defRPr sz="2400" kern="1200">
-                  <a:solidFill>
-                    <a:schemeClr val="lt1"/>
-                  </a:solidFill>
-                  <a:latin typeface="+mn-lt"/>
-                  <a:ea typeface="+mn-ea"/>
-                  <a:cs typeface="+mn-cs"/>
-                </a:defRPr>
-              </a:lvl7pPr>
-              <a:lvl8pPr marL="4266453" algn="l" defTabSz="1218987" rtl="0" eaLnBrk="1" latinLnBrk="0" hangingPunct="1">
-                <a:defRPr sz="2400" kern="1200">
-                  <a:solidFill>
-                    <a:schemeClr val="lt1"/>
-                  </a:solidFill>
-                  <a:latin typeface="+mn-lt"/>
-                  <a:ea typeface="+mn-ea"/>
-                  <a:cs typeface="+mn-cs"/>
-                </a:defRPr>
-              </a:lvl8pPr>
-              <a:lvl9pPr marL="4875947" algn="l" defTabSz="1218987" rtl="0" eaLnBrk="1" latinLnBrk="0" hangingPunct="1">
-                <a:defRPr sz="2400" kern="1200">
-                  <a:solidFill>
-                    <a:schemeClr val="lt1"/>
-                  </a:solidFill>
-                  <a:latin typeface="+mn-lt"/>
-                  <a:ea typeface="+mn-ea"/>
-                  <a:cs typeface="+mn-cs"/>
-                </a:defRPr>
-              </a:lvl9pPr>
-            </a:lstStyle>
-            <a:p>
-              <a:pPr algn="ctr" defTabSz="914061" fontAlgn="base">
-                <a:spcBef>
-                  <a:spcPct val="0"/>
-                </a:spcBef>
-                <a:spcAft>
-                  <a:spcPct val="0"/>
-                </a:spcAft>
-              </a:pPr>
-              <a:r>
-                <a:rPr lang="en-US" sz="2000" b="1" dirty="0">
-                  <a:gradFill>
-                    <a:gsLst>
-                      <a:gs pos="0">
-                        <a:srgbClr val="FFFFFF"/>
-                      </a:gs>
-                      <a:gs pos="100000">
-                        <a:srgbClr val="FFFFFF"/>
-                      </a:gs>
-                    </a:gsLst>
-                    <a:lin ang="5400000" scaled="0"/>
-                  </a:gradFill>
-                </a:rPr>
-                <a:t>Server A</a:t>
-              </a:r>
-            </a:p>
-            <a:p>
-              <a:pPr algn="ctr" defTabSz="914061" fontAlgn="base">
-                <a:spcBef>
-                  <a:spcPct val="0"/>
-                </a:spcBef>
-                <a:spcAft>
-                  <a:spcPct val="0"/>
-                </a:spcAft>
-              </a:pPr>
-              <a:r>
-                <a:rPr lang="en-US" sz="1400" dirty="0">
-                  <a:gradFill>
-                    <a:gsLst>
-                      <a:gs pos="0">
-                        <a:srgbClr val="FFFFFF"/>
-                      </a:gs>
-                      <a:gs pos="100000">
-                        <a:srgbClr val="FFFFFF"/>
-                      </a:gs>
-                    </a:gsLst>
-                    <a:lin ang="5400000" scaled="0"/>
-                  </a:gradFill>
-                </a:rPr>
-                <a:t>Table = Products</a:t>
-              </a:r>
-            </a:p>
-            <a:p>
-              <a:pPr algn="ctr" defTabSz="914061" fontAlgn="base">
-                <a:spcBef>
-                  <a:spcPct val="0"/>
-                </a:spcBef>
-                <a:spcAft>
-                  <a:spcPct val="0"/>
-                </a:spcAft>
-              </a:pPr>
-              <a:r>
-                <a:rPr lang="en-US" sz="1400" dirty="0">
-                  <a:gradFill>
-                    <a:gsLst>
-                      <a:gs pos="0">
-                        <a:srgbClr val="FFFFFF"/>
-                      </a:gs>
-                      <a:gs pos="100000">
-                        <a:srgbClr val="FFFFFF"/>
-                      </a:gs>
-                    </a:gsLst>
-                    <a:lin ang="5400000" scaled="0"/>
-                  </a:gradFill>
-                </a:rPr>
-                <a:t>[MinKey - Canoes)</a:t>
-              </a:r>
-              <a:endParaRPr lang="en-US" sz="1100" dirty="0">
-                <a:gradFill>
-                  <a:gsLst>
-                    <a:gs pos="0">
-                      <a:srgbClr val="FFFFFF"/>
-                    </a:gs>
-                    <a:gs pos="100000">
-                      <a:srgbClr val="FFFFFF"/>
-                    </a:gs>
-                  </a:gsLst>
-                  <a:lin ang="5400000" scaled="0"/>
-                </a:gradFill>
-              </a:endParaRPr>
-            </a:p>
-          </p:txBody>
-        </p:sp>
-      </p:grpSp>
+              </a:rPr>
+              <a:t>[MinKey - Canoes)</a:t>
+            </a:r>
+            <a:endParaRPr lang="en-US" sz="1100" dirty="0">
+              <a:gradFill>
+                <a:gsLst>
+                  <a:gs pos="0">
+                    <a:srgbClr val="FFFFFF"/>
+                  </a:gs>
+                  <a:gs pos="100000">
+                    <a:srgbClr val="FFFFFF"/>
+                  </a:gs>
+                </a:gsLst>
+                <a:lin ang="5400000" scaled="0"/>
+              </a:gradFill>
+            </a:endParaRPr>
+          </a:p>
+        </p:txBody>
+      </p:sp>
     </p:spTree>
     <p:extLst>
       <p:ext uri="{BB962C8B-B14F-4D97-AF65-F5344CB8AC3E}">
         <p14:creationId xmlns:p14="http://schemas.microsoft.com/office/powerpoint/2010/main" val="4216307196"/>
+      </p:ext>
+    </p:extLst>
+  </p:cSld>
+  <p:clrMapOvr>
+    <a:masterClrMapping/>
+  </p:clrMapOvr>
+</p:sld>
+</file>
+
+<file path=ppt/slides/slide16.xml><?xml version="1.0" encoding="utf-8"?>
+<p:sld xmlns:a="http://schemas.openxmlformats.org/drawingml/2006/main" xmlns:r="http://schemas.openxmlformats.org/officeDocument/2006/relationships" xmlns:p="http://schemas.openxmlformats.org/presentationml/2006/main">
+  <p:cSld>
+    <p:spTree>
+      <p:nvGrpSpPr>
+        <p:cNvPr id="1" name=""/>
+        <p:cNvGrpSpPr/>
+        <p:nvPr/>
+      </p:nvGrpSpPr>
+      <p:grpSpPr>
+        <a:xfrm>
+          <a:off x="0" y="0"/>
+          <a:ext cx="0" cy="0"/>
+          <a:chOff x="0" y="0"/>
+          <a:chExt cx="0" cy="0"/>
+        </a:xfrm>
+      </p:grpSpPr>
+      <p:sp>
+        <p:nvSpPr>
+          <p:cNvPr id="2" name="Title 1"/>
+          <p:cNvSpPr>
+            <a:spLocks noGrp="1"/>
+          </p:cNvSpPr>
+          <p:nvPr>
+            <p:ph type="title"/>
+          </p:nvPr>
+        </p:nvSpPr>
+        <p:spPr/>
+        <p:txBody>
+          <a:bodyPr>
+            <a:normAutofit fontScale="90000"/>
+          </a:bodyPr>
+          <a:lstStyle/>
+          <a:p>
+            <a:pPr algn="ctr"/>
+            <a:r>
+              <a:rPr lang="en-US" dirty="0"/>
+              <a:t>Getting Started with Azure SDK and Storage </a:t>
+            </a:r>
+            <a:r>
+              <a:rPr lang="en-US" dirty="0" smtClean="0"/>
+              <a:t>Emulator</a:t>
+            </a:r>
+            <a:endParaRPr lang="en-US" dirty="0"/>
+          </a:p>
+        </p:txBody>
+      </p:sp>
+      <p:sp>
+        <p:nvSpPr>
+          <p:cNvPr id="3" name="Content Placeholder 2"/>
+          <p:cNvSpPr>
+            <a:spLocks noGrp="1"/>
+          </p:cNvSpPr>
+          <p:nvPr>
+            <p:ph idx="1"/>
+          </p:nvPr>
+        </p:nvSpPr>
+        <p:spPr/>
+        <p:txBody>
+          <a:bodyPr/>
+          <a:lstStyle/>
+          <a:p>
+            <a:r>
+              <a:rPr lang="en-US" dirty="0" smtClean="0"/>
+              <a:t>In this section we will create a simple console application that will test to ensure that our “Emulated” Azure Cloud Storage is working  on our development machines.</a:t>
+            </a:r>
+            <a:endParaRPr lang="en-US" dirty="0"/>
+          </a:p>
+        </p:txBody>
+      </p:sp>
+    </p:spTree>
+    <p:extLst>
+      <p:ext uri="{BB962C8B-B14F-4D97-AF65-F5344CB8AC3E}">
+        <p14:creationId xmlns:p14="http://schemas.microsoft.com/office/powerpoint/2010/main" val="2229984932"/>
+      </p:ext>
+    </p:extLst>
+  </p:cSld>
+  <p:clrMapOvr>
+    <a:masterClrMapping/>
+  </p:clrMapOvr>
+</p:sld>
+</file>
+
+<file path=ppt/slides/slide17.xml><?xml version="1.0" encoding="utf-8"?>
+<p:sld xmlns:a="http://schemas.openxmlformats.org/drawingml/2006/main" xmlns:r="http://schemas.openxmlformats.org/officeDocument/2006/relationships" xmlns:p="http://schemas.openxmlformats.org/presentationml/2006/main">
+  <p:cSld>
+    <p:spTree>
+      <p:nvGrpSpPr>
+        <p:cNvPr id="1" name=""/>
+        <p:cNvGrpSpPr/>
+        <p:nvPr/>
+      </p:nvGrpSpPr>
+      <p:grpSpPr>
+        <a:xfrm>
+          <a:off x="0" y="0"/>
+          <a:ext cx="0" cy="0"/>
+          <a:chOff x="0" y="0"/>
+          <a:chExt cx="0" cy="0"/>
+        </a:xfrm>
+      </p:grpSpPr>
+      <p:sp>
+        <p:nvSpPr>
+          <p:cNvPr id="6" name="Title 5"/>
+          <p:cNvSpPr>
+            <a:spLocks noGrp="1"/>
+          </p:cNvSpPr>
+          <p:nvPr>
+            <p:ph type="title"/>
+          </p:nvPr>
+        </p:nvSpPr>
+        <p:spPr/>
+        <p:txBody>
+          <a:bodyPr>
+            <a:normAutofit/>
+          </a:bodyPr>
+          <a:lstStyle/>
+          <a:p>
+            <a:r>
+              <a:rPr lang="en-US" sz="3600" dirty="0" smtClean="0"/>
+              <a:t>The Developer Command Prompt</a:t>
+            </a:r>
+            <a:endParaRPr lang="en-US" sz="3600" dirty="0"/>
+          </a:p>
+        </p:txBody>
+      </p:sp>
+      <p:pic>
+        <p:nvPicPr>
+          <p:cNvPr id="8" name="Content Placeholder 7"/>
+          <p:cNvPicPr>
+            <a:picLocks noGrp="1" noChangeAspect="1"/>
+          </p:cNvPicPr>
+          <p:nvPr>
+            <p:ph idx="1"/>
+          </p:nvPr>
+        </p:nvPicPr>
+        <p:blipFill>
+          <a:blip r:embed="rId2" cstate="print">
+            <a:extLst>
+              <a:ext uri="{28A0092B-C50C-407E-A947-70E740481C1C}">
+                <a14:useLocalDpi xmlns:a14="http://schemas.microsoft.com/office/drawing/2010/main" val="0"/>
+              </a:ext>
+            </a:extLst>
+          </a:blip>
+          <a:stretch>
+            <a:fillRect/>
+          </a:stretch>
+        </p:blipFill>
+        <p:spPr>
+          <a:xfrm>
+            <a:off x="2280656" y="1371600"/>
+            <a:ext cx="5339344" cy="1974324"/>
+          </a:xfrm>
+        </p:spPr>
+      </p:pic>
+      <p:sp>
+        <p:nvSpPr>
+          <p:cNvPr id="9" name="TextBox 8"/>
+          <p:cNvSpPr txBox="1"/>
+          <p:nvPr/>
+        </p:nvSpPr>
+        <p:spPr>
+          <a:xfrm>
+            <a:off x="1143000" y="3505200"/>
+            <a:ext cx="7772400" cy="3139321"/>
+          </a:xfrm>
+          <a:prstGeom prst="rect">
+            <a:avLst/>
+          </a:prstGeom>
+          <a:noFill/>
+        </p:spPr>
+        <p:txBody>
+          <a:bodyPr wrap="square" rtlCol="0">
+            <a:spAutoFit/>
+          </a:bodyPr>
+          <a:lstStyle/>
+          <a:p>
+            <a:r>
+              <a:rPr lang="en-US" dirty="0" smtClean="0"/>
+              <a:t>This Developer Command Prompt is used to execute command line actions that will work with Visual Studio 2019 Community IDE.</a:t>
+            </a:r>
+          </a:p>
+          <a:p>
+            <a:endParaRPr lang="en-US" dirty="0"/>
+          </a:p>
+          <a:p>
+            <a:r>
+              <a:rPr lang="en-US" dirty="0" smtClean="0"/>
+              <a:t>In this section we will utilize it to “emulate” an Azure Cloud Storage server.  This is helpful, because during development we usually will not have access to a real Azure Cloud Storage server and this allows us to simulate one for our development environment.</a:t>
+            </a:r>
+          </a:p>
+          <a:p>
+            <a:endParaRPr lang="en-US" dirty="0"/>
+          </a:p>
+          <a:p>
+            <a:r>
+              <a:rPr lang="en-US" dirty="0" smtClean="0"/>
+              <a:t>Find and run this program on your development laptop. If this does not exist, please let me know so we can work to install the correct packages for it’s use.</a:t>
+            </a:r>
+            <a:endParaRPr lang="en-US" dirty="0"/>
+          </a:p>
+        </p:txBody>
+      </p:sp>
+    </p:spTree>
+    <p:extLst>
+      <p:ext uri="{BB962C8B-B14F-4D97-AF65-F5344CB8AC3E}">
+        <p14:creationId xmlns:p14="http://schemas.microsoft.com/office/powerpoint/2010/main" val="1378575025"/>
+      </p:ext>
+    </p:extLst>
+  </p:cSld>
+  <p:clrMapOvr>
+    <a:masterClrMapping/>
+  </p:clrMapOvr>
+</p:sld>
+</file>
+
+<file path=ppt/slides/slide18.xml><?xml version="1.0" encoding="utf-8"?>
+<p:sld xmlns:a="http://schemas.openxmlformats.org/drawingml/2006/main" xmlns:r="http://schemas.openxmlformats.org/officeDocument/2006/relationships" xmlns:p="http://schemas.openxmlformats.org/presentationml/2006/main">
+  <p:cSld>
+    <p:spTree>
+      <p:nvGrpSpPr>
+        <p:cNvPr id="1" name=""/>
+        <p:cNvGrpSpPr/>
+        <p:nvPr/>
+      </p:nvGrpSpPr>
+      <p:grpSpPr>
+        <a:xfrm>
+          <a:off x="0" y="0"/>
+          <a:ext cx="0" cy="0"/>
+          <a:chOff x="0" y="0"/>
+          <a:chExt cx="0" cy="0"/>
+        </a:xfrm>
+      </p:grpSpPr>
+      <p:sp>
+        <p:nvSpPr>
+          <p:cNvPr id="6" name="Title 5"/>
+          <p:cNvSpPr>
+            <a:spLocks noGrp="1"/>
+          </p:cNvSpPr>
+          <p:nvPr>
+            <p:ph type="title"/>
+          </p:nvPr>
+        </p:nvSpPr>
+        <p:spPr/>
+        <p:txBody>
+          <a:bodyPr>
+            <a:normAutofit/>
+          </a:bodyPr>
+          <a:lstStyle/>
+          <a:p>
+            <a:r>
+              <a:rPr lang="en-US" sz="3600" dirty="0" smtClean="0"/>
+              <a:t>The Developer Command Prompt</a:t>
+            </a:r>
+            <a:endParaRPr lang="en-US" sz="3600" dirty="0"/>
+          </a:p>
+        </p:txBody>
+      </p:sp>
+      <p:pic>
+        <p:nvPicPr>
+          <p:cNvPr id="8" name="Content Placeholder 7"/>
+          <p:cNvPicPr>
+            <a:picLocks noGrp="1" noChangeAspect="1"/>
+          </p:cNvPicPr>
+          <p:nvPr>
+            <p:ph idx="1"/>
+          </p:nvPr>
+        </p:nvPicPr>
+        <p:blipFill>
+          <a:blip r:embed="rId2" cstate="print">
+            <a:extLst>
+              <a:ext uri="{28A0092B-C50C-407E-A947-70E740481C1C}">
+                <a14:useLocalDpi xmlns:a14="http://schemas.microsoft.com/office/drawing/2010/main" val="0"/>
+              </a:ext>
+            </a:extLst>
+          </a:blip>
+          <a:stretch>
+            <a:fillRect/>
+          </a:stretch>
+        </p:blipFill>
+        <p:spPr>
+          <a:xfrm>
+            <a:off x="1828682" y="1371600"/>
+            <a:ext cx="6400918" cy="3505200"/>
+          </a:xfrm>
+        </p:spPr>
+      </p:pic>
+      <p:sp>
+        <p:nvSpPr>
+          <p:cNvPr id="9" name="TextBox 8"/>
+          <p:cNvSpPr txBox="1"/>
+          <p:nvPr/>
+        </p:nvSpPr>
+        <p:spPr>
+          <a:xfrm>
+            <a:off x="1295400" y="5152072"/>
+            <a:ext cx="7772400" cy="1477328"/>
+          </a:xfrm>
+          <a:prstGeom prst="rect">
+            <a:avLst/>
+          </a:prstGeom>
+          <a:noFill/>
+        </p:spPr>
+        <p:txBody>
+          <a:bodyPr wrap="square" rtlCol="0">
+            <a:spAutoFit/>
+          </a:bodyPr>
+          <a:lstStyle/>
+          <a:p>
+            <a:r>
+              <a:rPr lang="en-US" dirty="0" smtClean="0"/>
+              <a:t>When the Developer Command Prompt is ran, it will initially be in the Visual Studio IDE folder, however, we need to move to the Emulator folder and then start the emulator. To do this, we first have to change the directory to the correct folder and then run the start command for the emulator.</a:t>
+            </a:r>
+          </a:p>
+        </p:txBody>
+      </p:sp>
+    </p:spTree>
+    <p:extLst>
+      <p:ext uri="{BB962C8B-B14F-4D97-AF65-F5344CB8AC3E}">
+        <p14:creationId xmlns:p14="http://schemas.microsoft.com/office/powerpoint/2010/main" val="532207554"/>
+      </p:ext>
+    </p:extLst>
+  </p:cSld>
+  <p:clrMapOvr>
+    <a:masterClrMapping/>
+  </p:clrMapOvr>
+</p:sld>
+</file>
+
+<file path=ppt/slides/slide19.xml><?xml version="1.0" encoding="utf-8"?>
+<p:sld xmlns:a="http://schemas.openxmlformats.org/drawingml/2006/main" xmlns:r="http://schemas.openxmlformats.org/officeDocument/2006/relationships" xmlns:p="http://schemas.openxmlformats.org/presentationml/2006/main">
+  <p:cSld>
+    <p:spTree>
+      <p:nvGrpSpPr>
+        <p:cNvPr id="1" name=""/>
+        <p:cNvGrpSpPr/>
+        <p:nvPr/>
+      </p:nvGrpSpPr>
+      <p:grpSpPr>
+        <a:xfrm>
+          <a:off x="0" y="0"/>
+          <a:ext cx="0" cy="0"/>
+          <a:chOff x="0" y="0"/>
+          <a:chExt cx="0" cy="0"/>
+        </a:xfrm>
+      </p:grpSpPr>
+      <p:sp>
+        <p:nvSpPr>
+          <p:cNvPr id="6" name="Title 5"/>
+          <p:cNvSpPr>
+            <a:spLocks noGrp="1"/>
+          </p:cNvSpPr>
+          <p:nvPr>
+            <p:ph type="title"/>
+          </p:nvPr>
+        </p:nvSpPr>
+        <p:spPr/>
+        <p:txBody>
+          <a:bodyPr>
+            <a:normAutofit/>
+          </a:bodyPr>
+          <a:lstStyle/>
+          <a:p>
+            <a:r>
+              <a:rPr lang="en-US" sz="3600" dirty="0" smtClean="0"/>
+              <a:t>The Developer Command Prompt</a:t>
+            </a:r>
+            <a:endParaRPr lang="en-US" sz="3600" dirty="0"/>
+          </a:p>
+        </p:txBody>
+      </p:sp>
+      <p:pic>
+        <p:nvPicPr>
+          <p:cNvPr id="8" name="Content Placeholder 7"/>
+          <p:cNvPicPr>
+            <a:picLocks noGrp="1" noChangeAspect="1"/>
+          </p:cNvPicPr>
+          <p:nvPr>
+            <p:ph idx="1"/>
+          </p:nvPr>
+        </p:nvPicPr>
+        <p:blipFill>
+          <a:blip r:embed="rId3" cstate="print">
+            <a:extLst>
+              <a:ext uri="{28A0092B-C50C-407E-A947-70E740481C1C}">
+                <a14:useLocalDpi xmlns:a14="http://schemas.microsoft.com/office/drawing/2010/main" val="0"/>
+              </a:ext>
+            </a:extLst>
+          </a:blip>
+          <a:stretch>
+            <a:fillRect/>
+          </a:stretch>
+        </p:blipFill>
+        <p:spPr>
+          <a:xfrm>
+            <a:off x="1307423" y="1295400"/>
+            <a:ext cx="7607977" cy="1578380"/>
+          </a:xfrm>
+        </p:spPr>
+      </p:pic>
+      <p:sp>
+        <p:nvSpPr>
+          <p:cNvPr id="9" name="TextBox 8"/>
+          <p:cNvSpPr txBox="1"/>
+          <p:nvPr/>
+        </p:nvSpPr>
+        <p:spPr>
+          <a:xfrm>
+            <a:off x="1295400" y="3581400"/>
+            <a:ext cx="7772400" cy="2831544"/>
+          </a:xfrm>
+          <a:prstGeom prst="rect">
+            <a:avLst/>
+          </a:prstGeom>
+          <a:noFill/>
+        </p:spPr>
+        <p:txBody>
+          <a:bodyPr wrap="square" rtlCol="0">
+            <a:spAutoFit/>
+          </a:bodyPr>
+          <a:lstStyle/>
+          <a:p>
+            <a:r>
+              <a:rPr lang="en-US" dirty="0" smtClean="0"/>
+              <a:t>The command to change directories in the Developer Command Prompt is “cd {directory}”. This means that we need execute the command: </a:t>
+            </a:r>
+          </a:p>
+          <a:p>
+            <a:endParaRPr lang="en-US" dirty="0"/>
+          </a:p>
+          <a:p>
+            <a:pPr marL="285750" indent="-285750">
+              <a:buFont typeface="Wingdings" pitchFamily="2" charset="2"/>
+              <a:buChar char="Ø"/>
+            </a:pPr>
+            <a:r>
+              <a:rPr lang="en-US" sz="1600" b="1" dirty="0" smtClean="0"/>
+              <a:t>cd C</a:t>
+            </a:r>
+            <a:r>
+              <a:rPr lang="en-US" sz="1600" b="1" dirty="0"/>
+              <a:t>:\Program Files (x86)\Microsoft SDKs\Azure\Storage </a:t>
+            </a:r>
+            <a:r>
+              <a:rPr lang="en-US" sz="1600" b="1" dirty="0" smtClean="0"/>
+              <a:t>Emulator</a:t>
+            </a:r>
+          </a:p>
+          <a:p>
+            <a:pPr marL="742950" lvl="1" indent="-285750">
+              <a:buFont typeface="Wingdings" pitchFamily="2" charset="2"/>
+              <a:buChar char="Ø"/>
+            </a:pPr>
+            <a:r>
+              <a:rPr lang="en-US" b="1" dirty="0" smtClean="0">
+                <a:solidFill>
+                  <a:srgbClr val="FF0000"/>
+                </a:solidFill>
+              </a:rPr>
+              <a:t>NOTE: the “/” is replaced with the “¥” character</a:t>
+            </a:r>
+          </a:p>
+          <a:p>
+            <a:endParaRPr lang="en-US" b="1" dirty="0">
+              <a:solidFill>
+                <a:srgbClr val="FF0000"/>
+              </a:solidFill>
+            </a:endParaRPr>
+          </a:p>
+          <a:p>
+            <a:r>
+              <a:rPr lang="en-US" dirty="0" smtClean="0"/>
+              <a:t>After we have changed the directory, we then execute the emulator startup command:</a:t>
+            </a:r>
+          </a:p>
+          <a:p>
+            <a:endParaRPr lang="en-US" dirty="0"/>
+          </a:p>
+          <a:p>
+            <a:pPr marL="285750" indent="-285750">
+              <a:buFont typeface="Wingdings" pitchFamily="2" charset="2"/>
+              <a:buChar char="Ø"/>
+            </a:pPr>
+            <a:r>
+              <a:rPr lang="en-US" b="1" dirty="0" smtClean="0"/>
+              <a:t>AzureStorageEmulator.exe start</a:t>
+            </a:r>
+            <a:endParaRPr lang="en-US" b="1" dirty="0"/>
+          </a:p>
+        </p:txBody>
+      </p:sp>
+    </p:spTree>
+    <p:extLst>
+      <p:ext uri="{BB962C8B-B14F-4D97-AF65-F5344CB8AC3E}">
+        <p14:creationId xmlns:p14="http://schemas.microsoft.com/office/powerpoint/2010/main" val="726901422"/>
       </p:ext>
     </p:extLst>
   </p:cSld>
@@ -8588,7 +9299,6 @@
               <a:rPr lang="en-US" dirty="0"/>
               <a:t> store.</a:t>
             </a:r>
-            <a:endParaRPr lang="en-US" dirty="0"/>
           </a:p>
         </p:txBody>
       </p:sp>
@@ -8596,6 +9306,1465 @@
     <p:extLst>
       <p:ext uri="{BB962C8B-B14F-4D97-AF65-F5344CB8AC3E}">
         <p14:creationId xmlns:p14="http://schemas.microsoft.com/office/powerpoint/2010/main" val="1354100062"/>
+      </p:ext>
+    </p:extLst>
+  </p:cSld>
+  <p:clrMapOvr>
+    <a:masterClrMapping/>
+  </p:clrMapOvr>
+</p:sld>
+</file>
+
+<file path=ppt/slides/slide20.xml><?xml version="1.0" encoding="utf-8"?>
+<p:sld xmlns:a="http://schemas.openxmlformats.org/drawingml/2006/main" xmlns:r="http://schemas.openxmlformats.org/officeDocument/2006/relationships" xmlns:p="http://schemas.openxmlformats.org/presentationml/2006/main">
+  <p:cSld>
+    <p:spTree>
+      <p:nvGrpSpPr>
+        <p:cNvPr id="1" name=""/>
+        <p:cNvGrpSpPr/>
+        <p:nvPr/>
+      </p:nvGrpSpPr>
+      <p:grpSpPr>
+        <a:xfrm>
+          <a:off x="0" y="0"/>
+          <a:ext cx="0" cy="0"/>
+          <a:chOff x="0" y="0"/>
+          <a:chExt cx="0" cy="0"/>
+        </a:xfrm>
+      </p:grpSpPr>
+      <p:sp>
+        <p:nvSpPr>
+          <p:cNvPr id="6" name="Title 5"/>
+          <p:cNvSpPr>
+            <a:spLocks noGrp="1"/>
+          </p:cNvSpPr>
+          <p:nvPr>
+            <p:ph type="title"/>
+          </p:nvPr>
+        </p:nvSpPr>
+        <p:spPr/>
+        <p:txBody>
+          <a:bodyPr>
+            <a:normAutofit/>
+          </a:bodyPr>
+          <a:lstStyle/>
+          <a:p>
+            <a:r>
+              <a:rPr lang="en-US" sz="3600" dirty="0" smtClean="0"/>
+              <a:t>The Developer Command Prompt</a:t>
+            </a:r>
+            <a:endParaRPr lang="en-US" sz="3600" dirty="0"/>
+          </a:p>
+        </p:txBody>
+      </p:sp>
+      <p:pic>
+        <p:nvPicPr>
+          <p:cNvPr id="8" name="Content Placeholder 7"/>
+          <p:cNvPicPr>
+            <a:picLocks noGrp="1" noChangeAspect="1"/>
+          </p:cNvPicPr>
+          <p:nvPr>
+            <p:ph idx="1"/>
+          </p:nvPr>
+        </p:nvPicPr>
+        <p:blipFill>
+          <a:blip r:embed="rId2" cstate="print">
+            <a:extLst>
+              <a:ext uri="{28A0092B-C50C-407E-A947-70E740481C1C}">
+                <a14:useLocalDpi xmlns:a14="http://schemas.microsoft.com/office/drawing/2010/main" val="0"/>
+              </a:ext>
+            </a:extLst>
+          </a:blip>
+          <a:stretch>
+            <a:fillRect/>
+          </a:stretch>
+        </p:blipFill>
+        <p:spPr>
+          <a:xfrm>
+            <a:off x="1143000" y="1371600"/>
+            <a:ext cx="7861878" cy="2570355"/>
+          </a:xfrm>
+        </p:spPr>
+      </p:pic>
+      <p:sp>
+        <p:nvSpPr>
+          <p:cNvPr id="9" name="TextBox 8"/>
+          <p:cNvSpPr txBox="1"/>
+          <p:nvPr/>
+        </p:nvSpPr>
+        <p:spPr>
+          <a:xfrm>
+            <a:off x="1295400" y="4343400"/>
+            <a:ext cx="7772400" cy="2031325"/>
+          </a:xfrm>
+          <a:prstGeom prst="rect">
+            <a:avLst/>
+          </a:prstGeom>
+          <a:noFill/>
+        </p:spPr>
+        <p:txBody>
+          <a:bodyPr wrap="square" rtlCol="0">
+            <a:spAutoFit/>
+          </a:bodyPr>
+          <a:lstStyle/>
+          <a:p>
+            <a:r>
+              <a:rPr lang="en-US" dirty="0" smtClean="0"/>
+              <a:t>It will tell you that the “emulator was successfully started”.</a:t>
+            </a:r>
+          </a:p>
+          <a:p>
+            <a:endParaRPr lang="en-US" dirty="0"/>
+          </a:p>
+          <a:p>
+            <a:r>
+              <a:rPr lang="en-US" dirty="0" smtClean="0"/>
+              <a:t>If this does not happen and your emulator fails to start, please contact me as soon as possible so we can resolve this issue.</a:t>
+            </a:r>
+          </a:p>
+          <a:p>
+            <a:endParaRPr lang="en-US" dirty="0"/>
+          </a:p>
+          <a:p>
+            <a:r>
+              <a:rPr lang="en-US" dirty="0" smtClean="0"/>
+              <a:t>Now that we have our Azure Storage Emulator started, let’s create a new project to test that the storage is working properly.</a:t>
+            </a:r>
+          </a:p>
+        </p:txBody>
+      </p:sp>
+    </p:spTree>
+    <p:extLst>
+      <p:ext uri="{BB962C8B-B14F-4D97-AF65-F5344CB8AC3E}">
+        <p14:creationId xmlns:p14="http://schemas.microsoft.com/office/powerpoint/2010/main" val="4020714272"/>
+      </p:ext>
+    </p:extLst>
+  </p:cSld>
+  <p:clrMapOvr>
+    <a:masterClrMapping/>
+  </p:clrMapOvr>
+</p:sld>
+</file>
+
+<file path=ppt/slides/slide21.xml><?xml version="1.0" encoding="utf-8"?>
+<p:sld xmlns:a="http://schemas.openxmlformats.org/drawingml/2006/main" xmlns:r="http://schemas.openxmlformats.org/officeDocument/2006/relationships" xmlns:p="http://schemas.openxmlformats.org/presentationml/2006/main">
+  <p:cSld>
+    <p:spTree>
+      <p:nvGrpSpPr>
+        <p:cNvPr id="1" name=""/>
+        <p:cNvGrpSpPr/>
+        <p:nvPr/>
+      </p:nvGrpSpPr>
+      <p:grpSpPr>
+        <a:xfrm>
+          <a:off x="0" y="0"/>
+          <a:ext cx="0" cy="0"/>
+          <a:chOff x="0" y="0"/>
+          <a:chExt cx="0" cy="0"/>
+        </a:xfrm>
+      </p:grpSpPr>
+      <p:sp>
+        <p:nvSpPr>
+          <p:cNvPr id="6" name="Title 5"/>
+          <p:cNvSpPr>
+            <a:spLocks noGrp="1"/>
+          </p:cNvSpPr>
+          <p:nvPr>
+            <p:ph type="title"/>
+          </p:nvPr>
+        </p:nvSpPr>
+        <p:spPr/>
+        <p:txBody>
+          <a:bodyPr>
+            <a:normAutofit/>
+          </a:bodyPr>
+          <a:lstStyle/>
+          <a:p>
+            <a:pPr algn="ctr"/>
+            <a:r>
+              <a:rPr lang="en-US" sz="3600" dirty="0" smtClean="0"/>
+              <a:t>Test Application Creation</a:t>
+            </a:r>
+            <a:endParaRPr lang="en-US" sz="3600" dirty="0"/>
+          </a:p>
+        </p:txBody>
+      </p:sp>
+      <p:pic>
+        <p:nvPicPr>
+          <p:cNvPr id="8" name="Content Placeholder 7"/>
+          <p:cNvPicPr>
+            <a:picLocks noGrp="1" noChangeAspect="1"/>
+          </p:cNvPicPr>
+          <p:nvPr>
+            <p:ph idx="1"/>
+          </p:nvPr>
+        </p:nvPicPr>
+        <p:blipFill>
+          <a:blip r:embed="rId2" cstate="print">
+            <a:extLst>
+              <a:ext uri="{28A0092B-C50C-407E-A947-70E740481C1C}">
+                <a14:useLocalDpi xmlns:a14="http://schemas.microsoft.com/office/drawing/2010/main" val="0"/>
+              </a:ext>
+            </a:extLst>
+          </a:blip>
+          <a:stretch>
+            <a:fillRect/>
+          </a:stretch>
+        </p:blipFill>
+        <p:spPr>
+          <a:xfrm>
+            <a:off x="2803758" y="1371600"/>
+            <a:ext cx="4740042" cy="3247394"/>
+          </a:xfrm>
+        </p:spPr>
+      </p:pic>
+      <p:sp>
+        <p:nvSpPr>
+          <p:cNvPr id="9" name="TextBox 8"/>
+          <p:cNvSpPr txBox="1"/>
+          <p:nvPr/>
+        </p:nvSpPr>
+        <p:spPr>
+          <a:xfrm>
+            <a:off x="1295400" y="4923472"/>
+            <a:ext cx="7772400" cy="1477328"/>
+          </a:xfrm>
+          <a:prstGeom prst="rect">
+            <a:avLst/>
+          </a:prstGeom>
+          <a:noFill/>
+        </p:spPr>
+        <p:txBody>
+          <a:bodyPr wrap="square" rtlCol="0">
+            <a:spAutoFit/>
+          </a:bodyPr>
+          <a:lstStyle/>
+          <a:p>
+            <a:pPr marL="342900" indent="-342900">
+              <a:buFont typeface="+mj-lt"/>
+              <a:buAutoNum type="arabicPeriod"/>
+            </a:pPr>
+            <a:r>
+              <a:rPr lang="en-US" dirty="0" smtClean="0"/>
+              <a:t>Begin by running Visual Studio 2019.</a:t>
+            </a:r>
+          </a:p>
+          <a:p>
+            <a:pPr marL="342900" indent="-342900">
+              <a:buFont typeface="+mj-lt"/>
+              <a:buAutoNum type="arabicPeriod"/>
+            </a:pPr>
+            <a:endParaRPr lang="en-US" dirty="0"/>
+          </a:p>
+          <a:p>
+            <a:pPr marL="342900" indent="-342900">
+              <a:buFont typeface="+mj-lt"/>
+              <a:buAutoNum type="arabicPeriod"/>
+            </a:pPr>
+            <a:r>
+              <a:rPr lang="en-US" dirty="0" smtClean="0"/>
+              <a:t>Once the IDE loads, you will get the menu above.</a:t>
+            </a:r>
+          </a:p>
+          <a:p>
+            <a:pPr marL="342900" indent="-342900">
+              <a:buFont typeface="+mj-lt"/>
+              <a:buAutoNum type="arabicPeriod"/>
+            </a:pPr>
+            <a:endParaRPr lang="en-US" dirty="0"/>
+          </a:p>
+          <a:p>
+            <a:pPr marL="342900" indent="-342900">
+              <a:buFont typeface="+mj-lt"/>
+              <a:buAutoNum type="arabicPeriod"/>
+            </a:pPr>
+            <a:r>
+              <a:rPr lang="en-US" dirty="0" smtClean="0"/>
+              <a:t>Select “Create a new project”</a:t>
+            </a:r>
+          </a:p>
+        </p:txBody>
+      </p:sp>
+    </p:spTree>
+    <p:extLst>
+      <p:ext uri="{BB962C8B-B14F-4D97-AF65-F5344CB8AC3E}">
+        <p14:creationId xmlns:p14="http://schemas.microsoft.com/office/powerpoint/2010/main" val="3738067054"/>
+      </p:ext>
+    </p:extLst>
+  </p:cSld>
+  <p:clrMapOvr>
+    <a:masterClrMapping/>
+  </p:clrMapOvr>
+</p:sld>
+</file>
+
+<file path=ppt/slides/slide22.xml><?xml version="1.0" encoding="utf-8"?>
+<p:sld xmlns:a="http://schemas.openxmlformats.org/drawingml/2006/main" xmlns:r="http://schemas.openxmlformats.org/officeDocument/2006/relationships" xmlns:p="http://schemas.openxmlformats.org/presentationml/2006/main">
+  <p:cSld>
+    <p:spTree>
+      <p:nvGrpSpPr>
+        <p:cNvPr id="1" name=""/>
+        <p:cNvGrpSpPr/>
+        <p:nvPr/>
+      </p:nvGrpSpPr>
+      <p:grpSpPr>
+        <a:xfrm>
+          <a:off x="0" y="0"/>
+          <a:ext cx="0" cy="0"/>
+          <a:chOff x="0" y="0"/>
+          <a:chExt cx="0" cy="0"/>
+        </a:xfrm>
+      </p:grpSpPr>
+      <p:sp>
+        <p:nvSpPr>
+          <p:cNvPr id="6" name="Title 5"/>
+          <p:cNvSpPr>
+            <a:spLocks noGrp="1"/>
+          </p:cNvSpPr>
+          <p:nvPr>
+            <p:ph type="title"/>
+          </p:nvPr>
+        </p:nvSpPr>
+        <p:spPr/>
+        <p:txBody>
+          <a:bodyPr>
+            <a:normAutofit/>
+          </a:bodyPr>
+          <a:lstStyle/>
+          <a:p>
+            <a:pPr algn="ctr"/>
+            <a:r>
+              <a:rPr lang="en-US" sz="3600" dirty="0"/>
+              <a:t>Test Application Creation</a:t>
+            </a:r>
+          </a:p>
+        </p:txBody>
+      </p:sp>
+      <p:pic>
+        <p:nvPicPr>
+          <p:cNvPr id="8" name="Content Placeholder 7"/>
+          <p:cNvPicPr>
+            <a:picLocks noGrp="1" noChangeAspect="1"/>
+          </p:cNvPicPr>
+          <p:nvPr>
+            <p:ph idx="1"/>
+          </p:nvPr>
+        </p:nvPicPr>
+        <p:blipFill>
+          <a:blip r:embed="rId2" cstate="print">
+            <a:extLst>
+              <a:ext uri="{28A0092B-C50C-407E-A947-70E740481C1C}">
+                <a14:useLocalDpi xmlns:a14="http://schemas.microsoft.com/office/drawing/2010/main" val="0"/>
+              </a:ext>
+            </a:extLst>
+          </a:blip>
+          <a:stretch>
+            <a:fillRect/>
+          </a:stretch>
+        </p:blipFill>
+        <p:spPr>
+          <a:xfrm>
+            <a:off x="2335563" y="1371600"/>
+            <a:ext cx="5589237" cy="3895130"/>
+          </a:xfrm>
+        </p:spPr>
+      </p:pic>
+      <p:sp>
+        <p:nvSpPr>
+          <p:cNvPr id="9" name="TextBox 8"/>
+          <p:cNvSpPr txBox="1"/>
+          <p:nvPr/>
+        </p:nvSpPr>
+        <p:spPr>
+          <a:xfrm>
+            <a:off x="1600200" y="5477470"/>
+            <a:ext cx="7772400" cy="923330"/>
+          </a:xfrm>
+          <a:prstGeom prst="rect">
+            <a:avLst/>
+          </a:prstGeom>
+          <a:noFill/>
+        </p:spPr>
+        <p:txBody>
+          <a:bodyPr wrap="square" rtlCol="0">
+            <a:spAutoFit/>
+          </a:bodyPr>
+          <a:lstStyle/>
+          <a:p>
+            <a:pPr marL="342900" indent="-342900">
+              <a:buFont typeface="+mj-lt"/>
+              <a:buAutoNum type="arabicPeriod"/>
+            </a:pPr>
+            <a:r>
+              <a:rPr lang="en-US" dirty="0" smtClean="0"/>
+              <a:t>Select the “Console App .NET Core”</a:t>
+            </a:r>
+          </a:p>
+          <a:p>
+            <a:pPr marL="342900" indent="-342900">
+              <a:buFont typeface="+mj-lt"/>
+              <a:buAutoNum type="arabicPeriod"/>
+            </a:pPr>
+            <a:endParaRPr lang="en-US" dirty="0"/>
+          </a:p>
+          <a:p>
+            <a:pPr marL="342900" indent="-342900">
+              <a:buFont typeface="+mj-lt"/>
+              <a:buAutoNum type="arabicPeriod"/>
+            </a:pPr>
+            <a:r>
+              <a:rPr lang="en-US" dirty="0" smtClean="0"/>
+              <a:t>Click “Next”</a:t>
+            </a:r>
+          </a:p>
+        </p:txBody>
+      </p:sp>
+    </p:spTree>
+    <p:extLst>
+      <p:ext uri="{BB962C8B-B14F-4D97-AF65-F5344CB8AC3E}">
+        <p14:creationId xmlns:p14="http://schemas.microsoft.com/office/powerpoint/2010/main" val="270415781"/>
+      </p:ext>
+    </p:extLst>
+  </p:cSld>
+  <p:clrMapOvr>
+    <a:masterClrMapping/>
+  </p:clrMapOvr>
+</p:sld>
+</file>
+
+<file path=ppt/slides/slide23.xml><?xml version="1.0" encoding="utf-8"?>
+<p:sld xmlns:a="http://schemas.openxmlformats.org/drawingml/2006/main" xmlns:r="http://schemas.openxmlformats.org/officeDocument/2006/relationships" xmlns:p="http://schemas.openxmlformats.org/presentationml/2006/main">
+  <p:cSld>
+    <p:spTree>
+      <p:nvGrpSpPr>
+        <p:cNvPr id="1" name=""/>
+        <p:cNvGrpSpPr/>
+        <p:nvPr/>
+      </p:nvGrpSpPr>
+      <p:grpSpPr>
+        <a:xfrm>
+          <a:off x="0" y="0"/>
+          <a:ext cx="0" cy="0"/>
+          <a:chOff x="0" y="0"/>
+          <a:chExt cx="0" cy="0"/>
+        </a:xfrm>
+      </p:grpSpPr>
+      <p:sp>
+        <p:nvSpPr>
+          <p:cNvPr id="6" name="Title 5"/>
+          <p:cNvSpPr>
+            <a:spLocks noGrp="1"/>
+          </p:cNvSpPr>
+          <p:nvPr>
+            <p:ph type="title"/>
+          </p:nvPr>
+        </p:nvSpPr>
+        <p:spPr/>
+        <p:txBody>
+          <a:bodyPr>
+            <a:normAutofit/>
+          </a:bodyPr>
+          <a:lstStyle/>
+          <a:p>
+            <a:pPr algn="ctr"/>
+            <a:r>
+              <a:rPr lang="en-US" sz="3600" dirty="0"/>
+              <a:t>Test Application Creation</a:t>
+            </a:r>
+          </a:p>
+        </p:txBody>
+      </p:sp>
+      <p:pic>
+        <p:nvPicPr>
+          <p:cNvPr id="8" name="Content Placeholder 7"/>
+          <p:cNvPicPr>
+            <a:picLocks noGrp="1" noChangeAspect="1"/>
+          </p:cNvPicPr>
+          <p:nvPr>
+            <p:ph idx="1"/>
+          </p:nvPr>
+        </p:nvPicPr>
+        <p:blipFill>
+          <a:blip r:embed="rId2" cstate="print">
+            <a:extLst>
+              <a:ext uri="{28A0092B-C50C-407E-A947-70E740481C1C}">
+                <a14:useLocalDpi xmlns:a14="http://schemas.microsoft.com/office/drawing/2010/main" val="0"/>
+              </a:ext>
+            </a:extLst>
+          </a:blip>
+          <a:stretch>
+            <a:fillRect/>
+          </a:stretch>
+        </p:blipFill>
+        <p:spPr>
+          <a:xfrm>
+            <a:off x="2335563" y="1382909"/>
+            <a:ext cx="5589237" cy="3872511"/>
+          </a:xfrm>
+        </p:spPr>
+      </p:pic>
+      <p:sp>
+        <p:nvSpPr>
+          <p:cNvPr id="9" name="TextBox 8"/>
+          <p:cNvSpPr txBox="1"/>
+          <p:nvPr/>
+        </p:nvSpPr>
+        <p:spPr>
+          <a:xfrm>
+            <a:off x="1600200" y="5477470"/>
+            <a:ext cx="7772400" cy="923330"/>
+          </a:xfrm>
+          <a:prstGeom prst="rect">
+            <a:avLst/>
+          </a:prstGeom>
+          <a:noFill/>
+        </p:spPr>
+        <p:txBody>
+          <a:bodyPr wrap="square" rtlCol="0">
+            <a:spAutoFit/>
+          </a:bodyPr>
+          <a:lstStyle/>
+          <a:p>
+            <a:pPr marL="342900" indent="-342900">
+              <a:buFont typeface="+mj-lt"/>
+              <a:buAutoNum type="arabicPeriod"/>
+            </a:pPr>
+            <a:r>
+              <a:rPr lang="en-US" dirty="0" smtClean="0"/>
+              <a:t>Name the project “</a:t>
+            </a:r>
+            <a:r>
+              <a:rPr lang="en-US" dirty="0" err="1" smtClean="0"/>
+              <a:t>AzureStorageTest</a:t>
+            </a:r>
+            <a:r>
+              <a:rPr lang="en-US" dirty="0" smtClean="0"/>
+              <a:t>”</a:t>
+            </a:r>
+          </a:p>
+          <a:p>
+            <a:pPr marL="342900" indent="-342900">
+              <a:buFont typeface="+mj-lt"/>
+              <a:buAutoNum type="arabicPeriod"/>
+            </a:pPr>
+            <a:endParaRPr lang="en-US" dirty="0"/>
+          </a:p>
+          <a:p>
+            <a:pPr marL="342900" indent="-342900">
+              <a:buFont typeface="+mj-lt"/>
+              <a:buAutoNum type="arabicPeriod"/>
+            </a:pPr>
+            <a:r>
+              <a:rPr lang="en-US" dirty="0" smtClean="0"/>
+              <a:t>Click “Create”</a:t>
+            </a:r>
+          </a:p>
+        </p:txBody>
+      </p:sp>
+    </p:spTree>
+    <p:extLst>
+      <p:ext uri="{BB962C8B-B14F-4D97-AF65-F5344CB8AC3E}">
+        <p14:creationId xmlns:p14="http://schemas.microsoft.com/office/powerpoint/2010/main" val="1672500602"/>
+      </p:ext>
+    </p:extLst>
+  </p:cSld>
+  <p:clrMapOvr>
+    <a:masterClrMapping/>
+  </p:clrMapOvr>
+</p:sld>
+</file>
+
+<file path=ppt/slides/slide24.xml><?xml version="1.0" encoding="utf-8"?>
+<p:sld xmlns:a="http://schemas.openxmlformats.org/drawingml/2006/main" xmlns:r="http://schemas.openxmlformats.org/officeDocument/2006/relationships" xmlns:p="http://schemas.openxmlformats.org/presentationml/2006/main">
+  <p:cSld>
+    <p:spTree>
+      <p:nvGrpSpPr>
+        <p:cNvPr id="1" name=""/>
+        <p:cNvGrpSpPr/>
+        <p:nvPr/>
+      </p:nvGrpSpPr>
+      <p:grpSpPr>
+        <a:xfrm>
+          <a:off x="0" y="0"/>
+          <a:ext cx="0" cy="0"/>
+          <a:chOff x="0" y="0"/>
+          <a:chExt cx="0" cy="0"/>
+        </a:xfrm>
+      </p:grpSpPr>
+      <p:sp>
+        <p:nvSpPr>
+          <p:cNvPr id="2" name="Title 1"/>
+          <p:cNvSpPr>
+            <a:spLocks noGrp="1"/>
+          </p:cNvSpPr>
+          <p:nvPr>
+            <p:ph type="title"/>
+          </p:nvPr>
+        </p:nvSpPr>
+        <p:spPr/>
+        <p:txBody>
+          <a:bodyPr/>
+          <a:lstStyle/>
+          <a:p>
+            <a:pPr algn="ctr"/>
+            <a:r>
+              <a:rPr lang="en-US" sz="3600" dirty="0">
+                <a:solidFill>
+                  <a:srgbClr val="4F271C">
+                    <a:satMod val="130000"/>
+                  </a:srgbClr>
+                </a:solidFill>
+              </a:rPr>
+              <a:t>Test Application Creation</a:t>
+            </a:r>
+            <a:endParaRPr lang="en-US" dirty="0"/>
+          </a:p>
+        </p:txBody>
+      </p:sp>
+      <p:pic>
+        <p:nvPicPr>
+          <p:cNvPr id="5" name="Content Placeholder 4"/>
+          <p:cNvPicPr>
+            <a:picLocks noGrp="1" noChangeAspect="1"/>
+          </p:cNvPicPr>
+          <p:nvPr>
+            <p:ph sz="half" idx="1"/>
+          </p:nvPr>
+        </p:nvPicPr>
+        <p:blipFill>
+          <a:blip r:embed="rId2" cstate="print">
+            <a:extLst>
+              <a:ext uri="{28A0092B-C50C-407E-A947-70E740481C1C}">
+                <a14:useLocalDpi xmlns:a14="http://schemas.microsoft.com/office/drawing/2010/main" val="0"/>
+              </a:ext>
+            </a:extLst>
+          </a:blip>
+          <a:stretch>
+            <a:fillRect/>
+          </a:stretch>
+        </p:blipFill>
+        <p:spPr>
+          <a:xfrm>
+            <a:off x="1485262" y="1524000"/>
+            <a:ext cx="4023360" cy="1686533"/>
+          </a:xfrm>
+        </p:spPr>
+      </p:pic>
+      <p:pic>
+        <p:nvPicPr>
+          <p:cNvPr id="6" name="Content Placeholder 5"/>
+          <p:cNvPicPr>
+            <a:picLocks noGrp="1" noChangeAspect="1"/>
+          </p:cNvPicPr>
+          <p:nvPr>
+            <p:ph sz="half" idx="2"/>
+          </p:nvPr>
+        </p:nvPicPr>
+        <p:blipFill>
+          <a:blip r:embed="rId3" cstate="print">
+            <a:extLst>
+              <a:ext uri="{28A0092B-C50C-407E-A947-70E740481C1C}">
+                <a14:useLocalDpi xmlns:a14="http://schemas.microsoft.com/office/drawing/2010/main" val="0"/>
+              </a:ext>
+            </a:extLst>
+          </a:blip>
+          <a:stretch>
+            <a:fillRect/>
+          </a:stretch>
+        </p:blipFill>
+        <p:spPr>
+          <a:xfrm>
+            <a:off x="5838183" y="1547855"/>
+            <a:ext cx="3001017" cy="1638823"/>
+          </a:xfrm>
+        </p:spPr>
+      </p:pic>
+      <p:sp>
+        <p:nvSpPr>
+          <p:cNvPr id="7" name="TextBox 6"/>
+          <p:cNvSpPr txBox="1"/>
+          <p:nvPr/>
+        </p:nvSpPr>
+        <p:spPr>
+          <a:xfrm>
+            <a:off x="1143000" y="3505200"/>
+            <a:ext cx="7848600" cy="923330"/>
+          </a:xfrm>
+          <a:prstGeom prst="rect">
+            <a:avLst/>
+          </a:prstGeom>
+          <a:noFill/>
+        </p:spPr>
+        <p:txBody>
+          <a:bodyPr wrap="square" rtlCol="0">
+            <a:spAutoFit/>
+          </a:bodyPr>
+          <a:lstStyle/>
+          <a:p>
+            <a:r>
+              <a:rPr lang="en-US" dirty="0" smtClean="0"/>
+              <a:t>This will create a basic Console Application with nothing more than a Main Method that prints “Hello World” to the console. However, we will modify this to create a “test” application for the Emulated Azure Cloud Storage.</a:t>
+            </a:r>
+            <a:endParaRPr lang="en-US" dirty="0"/>
+          </a:p>
+        </p:txBody>
+      </p:sp>
+    </p:spTree>
+    <p:extLst>
+      <p:ext uri="{BB962C8B-B14F-4D97-AF65-F5344CB8AC3E}">
+        <p14:creationId xmlns:p14="http://schemas.microsoft.com/office/powerpoint/2010/main" val="2645411203"/>
+      </p:ext>
+    </p:extLst>
+  </p:cSld>
+  <p:clrMapOvr>
+    <a:masterClrMapping/>
+  </p:clrMapOvr>
+</p:sld>
+</file>
+
+<file path=ppt/slides/slide25.xml><?xml version="1.0" encoding="utf-8"?>
+<p:sld xmlns:a="http://schemas.openxmlformats.org/drawingml/2006/main" xmlns:r="http://schemas.openxmlformats.org/officeDocument/2006/relationships" xmlns:p="http://schemas.openxmlformats.org/presentationml/2006/main">
+  <p:cSld>
+    <p:spTree>
+      <p:nvGrpSpPr>
+        <p:cNvPr id="1" name=""/>
+        <p:cNvGrpSpPr/>
+        <p:nvPr/>
+      </p:nvGrpSpPr>
+      <p:grpSpPr>
+        <a:xfrm>
+          <a:off x="0" y="0"/>
+          <a:ext cx="0" cy="0"/>
+          <a:chOff x="0" y="0"/>
+          <a:chExt cx="0" cy="0"/>
+        </a:xfrm>
+      </p:grpSpPr>
+      <p:sp>
+        <p:nvSpPr>
+          <p:cNvPr id="6" name="Title 5"/>
+          <p:cNvSpPr>
+            <a:spLocks noGrp="1"/>
+          </p:cNvSpPr>
+          <p:nvPr>
+            <p:ph type="title"/>
+          </p:nvPr>
+        </p:nvSpPr>
+        <p:spPr/>
+        <p:txBody>
+          <a:bodyPr>
+            <a:normAutofit/>
+          </a:bodyPr>
+          <a:lstStyle/>
+          <a:p>
+            <a:pPr algn="ctr"/>
+            <a:r>
+              <a:rPr lang="en-US" sz="3600" dirty="0" err="1" smtClean="0"/>
+              <a:t>NuGet</a:t>
+            </a:r>
+            <a:r>
+              <a:rPr lang="en-US" sz="3600" dirty="0" smtClean="0"/>
+              <a:t> Package Management</a:t>
+            </a:r>
+            <a:endParaRPr lang="en-US" sz="3600" dirty="0"/>
+          </a:p>
+        </p:txBody>
+      </p:sp>
+      <p:sp>
+        <p:nvSpPr>
+          <p:cNvPr id="2" name="Content Placeholder 1"/>
+          <p:cNvSpPr>
+            <a:spLocks noGrp="1"/>
+          </p:cNvSpPr>
+          <p:nvPr>
+            <p:ph idx="1"/>
+          </p:nvPr>
+        </p:nvSpPr>
+        <p:spPr/>
+        <p:txBody>
+          <a:bodyPr>
+            <a:normAutofit lnSpcReduction="10000"/>
+          </a:bodyPr>
+          <a:lstStyle/>
+          <a:p>
+            <a:r>
+              <a:rPr lang="en-US" dirty="0" err="1" smtClean="0"/>
+              <a:t>NuGet</a:t>
+            </a:r>
+            <a:r>
+              <a:rPr lang="en-US" dirty="0" smtClean="0"/>
+              <a:t> Package Manager is a tool that allows us to install “packages” that were created by other programmers from around the world.</a:t>
+            </a:r>
+          </a:p>
+          <a:p>
+            <a:r>
+              <a:rPr lang="en-US" dirty="0" smtClean="0"/>
+              <a:t>A package is a set of code files that together that provide some functionality for your application.</a:t>
+            </a:r>
+          </a:p>
+          <a:p>
+            <a:r>
+              <a:rPr lang="en-US" dirty="0" smtClean="0"/>
+              <a:t>In our Azure Cloud Storage Test application, we will be installing the Azure Cloud Storage </a:t>
+            </a:r>
+            <a:r>
+              <a:rPr lang="en-US" dirty="0" err="1" smtClean="0"/>
+              <a:t>NuGet</a:t>
+            </a:r>
+            <a:r>
+              <a:rPr lang="en-US" dirty="0" smtClean="0"/>
+              <a:t> Package.</a:t>
+            </a:r>
+            <a:endParaRPr lang="en-US" dirty="0"/>
+          </a:p>
+        </p:txBody>
+      </p:sp>
+    </p:spTree>
+    <p:extLst>
+      <p:ext uri="{BB962C8B-B14F-4D97-AF65-F5344CB8AC3E}">
+        <p14:creationId xmlns:p14="http://schemas.microsoft.com/office/powerpoint/2010/main" val="936777111"/>
+      </p:ext>
+    </p:extLst>
+  </p:cSld>
+  <p:clrMapOvr>
+    <a:masterClrMapping/>
+  </p:clrMapOvr>
+</p:sld>
+</file>
+
+<file path=ppt/slides/slide26.xml><?xml version="1.0" encoding="utf-8"?>
+<p:sld xmlns:a="http://schemas.openxmlformats.org/drawingml/2006/main" xmlns:r="http://schemas.openxmlformats.org/officeDocument/2006/relationships" xmlns:p="http://schemas.openxmlformats.org/presentationml/2006/main">
+  <p:cSld>
+    <p:spTree>
+      <p:nvGrpSpPr>
+        <p:cNvPr id="1" name=""/>
+        <p:cNvGrpSpPr/>
+        <p:nvPr/>
+      </p:nvGrpSpPr>
+      <p:grpSpPr>
+        <a:xfrm>
+          <a:off x="0" y="0"/>
+          <a:ext cx="0" cy="0"/>
+          <a:chOff x="0" y="0"/>
+          <a:chExt cx="0" cy="0"/>
+        </a:xfrm>
+      </p:grpSpPr>
+      <p:sp>
+        <p:nvSpPr>
+          <p:cNvPr id="6" name="Title 5"/>
+          <p:cNvSpPr>
+            <a:spLocks noGrp="1"/>
+          </p:cNvSpPr>
+          <p:nvPr>
+            <p:ph type="title"/>
+          </p:nvPr>
+        </p:nvSpPr>
+        <p:spPr/>
+        <p:txBody>
+          <a:bodyPr>
+            <a:normAutofit/>
+          </a:bodyPr>
+          <a:lstStyle/>
+          <a:p>
+            <a:pPr algn="ctr"/>
+            <a:r>
+              <a:rPr lang="en-US" sz="2800" dirty="0" smtClean="0"/>
+              <a:t>Installing the Azure Storage </a:t>
+            </a:r>
+            <a:r>
+              <a:rPr lang="en-US" sz="2800" dirty="0" err="1" smtClean="0"/>
+              <a:t>NuGet</a:t>
+            </a:r>
+            <a:r>
+              <a:rPr lang="en-US" sz="2800" dirty="0" smtClean="0"/>
+              <a:t> Package</a:t>
+            </a:r>
+            <a:endParaRPr lang="en-US" sz="2800" dirty="0"/>
+          </a:p>
+        </p:txBody>
+      </p:sp>
+      <p:pic>
+        <p:nvPicPr>
+          <p:cNvPr id="8" name="Content Placeholder 7"/>
+          <p:cNvPicPr>
+            <a:picLocks noGrp="1" noChangeAspect="1"/>
+          </p:cNvPicPr>
+          <p:nvPr>
+            <p:ph idx="1"/>
+          </p:nvPr>
+        </p:nvPicPr>
+        <p:blipFill>
+          <a:blip r:embed="rId2" cstate="print">
+            <a:extLst>
+              <a:ext uri="{28A0092B-C50C-407E-A947-70E740481C1C}">
+                <a14:useLocalDpi xmlns:a14="http://schemas.microsoft.com/office/drawing/2010/main" val="0"/>
+              </a:ext>
+            </a:extLst>
+          </a:blip>
+          <a:stretch>
+            <a:fillRect/>
+          </a:stretch>
+        </p:blipFill>
+        <p:spPr>
+          <a:xfrm>
+            <a:off x="3421956" y="1382909"/>
+            <a:ext cx="3416450" cy="3872511"/>
+          </a:xfrm>
+        </p:spPr>
+      </p:pic>
+      <p:sp>
+        <p:nvSpPr>
+          <p:cNvPr id="9" name="TextBox 8"/>
+          <p:cNvSpPr txBox="1"/>
+          <p:nvPr/>
+        </p:nvSpPr>
+        <p:spPr>
+          <a:xfrm>
+            <a:off x="1600200" y="5477470"/>
+            <a:ext cx="7772400" cy="923330"/>
+          </a:xfrm>
+          <a:prstGeom prst="rect">
+            <a:avLst/>
+          </a:prstGeom>
+          <a:noFill/>
+        </p:spPr>
+        <p:txBody>
+          <a:bodyPr wrap="square" rtlCol="0">
+            <a:spAutoFit/>
+          </a:bodyPr>
+          <a:lstStyle/>
+          <a:p>
+            <a:pPr marL="342900" indent="-342900">
+              <a:buFont typeface="+mj-lt"/>
+              <a:buAutoNum type="arabicPeriod"/>
+            </a:pPr>
+            <a:r>
+              <a:rPr lang="en-US" dirty="0" smtClean="0"/>
+              <a:t>First, we have to open the </a:t>
+            </a:r>
+            <a:r>
+              <a:rPr lang="en-US" dirty="0" err="1" smtClean="0"/>
+              <a:t>NuGet</a:t>
+            </a:r>
+            <a:r>
+              <a:rPr lang="en-US" dirty="0" smtClean="0"/>
+              <a:t> Package Manager.</a:t>
+            </a:r>
+          </a:p>
+          <a:p>
+            <a:pPr marL="342900" indent="-342900">
+              <a:buFont typeface="+mj-lt"/>
+              <a:buAutoNum type="arabicPeriod"/>
+            </a:pPr>
+            <a:r>
+              <a:rPr lang="en-US" dirty="0" smtClean="0"/>
+              <a:t>“Right-Click” on the “</a:t>
+            </a:r>
+            <a:r>
+              <a:rPr lang="en-US" dirty="0" err="1" smtClean="0"/>
+              <a:t>AzureStorageTest</a:t>
+            </a:r>
+            <a:r>
+              <a:rPr lang="en-US" dirty="0" smtClean="0"/>
+              <a:t>” solution.</a:t>
+            </a:r>
+          </a:p>
+          <a:p>
+            <a:pPr marL="342900" indent="-342900">
+              <a:buFont typeface="+mj-lt"/>
+              <a:buAutoNum type="arabicPeriod"/>
+            </a:pPr>
+            <a:r>
+              <a:rPr lang="en-US" dirty="0" smtClean="0"/>
+              <a:t>Select the “Manage </a:t>
+            </a:r>
+            <a:r>
+              <a:rPr lang="en-US" dirty="0" err="1" smtClean="0"/>
+              <a:t>NuGet</a:t>
+            </a:r>
+            <a:r>
+              <a:rPr lang="en-US" dirty="0" smtClean="0"/>
+              <a:t> Packages…” menu item.</a:t>
+            </a:r>
+          </a:p>
+        </p:txBody>
+      </p:sp>
+    </p:spTree>
+    <p:extLst>
+      <p:ext uri="{BB962C8B-B14F-4D97-AF65-F5344CB8AC3E}">
+        <p14:creationId xmlns:p14="http://schemas.microsoft.com/office/powerpoint/2010/main" val="602126215"/>
+      </p:ext>
+    </p:extLst>
+  </p:cSld>
+  <p:clrMapOvr>
+    <a:masterClrMapping/>
+  </p:clrMapOvr>
+</p:sld>
+</file>
+
+<file path=ppt/slides/slide27.xml><?xml version="1.0" encoding="utf-8"?>
+<p:sld xmlns:a="http://schemas.openxmlformats.org/drawingml/2006/main" xmlns:r="http://schemas.openxmlformats.org/officeDocument/2006/relationships" xmlns:p="http://schemas.openxmlformats.org/presentationml/2006/main">
+  <p:cSld>
+    <p:spTree>
+      <p:nvGrpSpPr>
+        <p:cNvPr id="1" name=""/>
+        <p:cNvGrpSpPr/>
+        <p:nvPr/>
+      </p:nvGrpSpPr>
+      <p:grpSpPr>
+        <a:xfrm>
+          <a:off x="0" y="0"/>
+          <a:ext cx="0" cy="0"/>
+          <a:chOff x="0" y="0"/>
+          <a:chExt cx="0" cy="0"/>
+        </a:xfrm>
+      </p:grpSpPr>
+      <p:sp>
+        <p:nvSpPr>
+          <p:cNvPr id="6" name="Title 5"/>
+          <p:cNvSpPr>
+            <a:spLocks noGrp="1"/>
+          </p:cNvSpPr>
+          <p:nvPr>
+            <p:ph type="title"/>
+          </p:nvPr>
+        </p:nvSpPr>
+        <p:spPr/>
+        <p:txBody>
+          <a:bodyPr>
+            <a:normAutofit/>
+          </a:bodyPr>
+          <a:lstStyle/>
+          <a:p>
+            <a:pPr algn="ctr"/>
+            <a:r>
+              <a:rPr lang="en-US" sz="2800" dirty="0" smtClean="0"/>
+              <a:t>Installing the Azure Storage </a:t>
+            </a:r>
+            <a:r>
+              <a:rPr lang="en-US" sz="2800" dirty="0" err="1" smtClean="0"/>
+              <a:t>NuGet</a:t>
+            </a:r>
+            <a:r>
+              <a:rPr lang="en-US" sz="2800" dirty="0" smtClean="0"/>
+              <a:t> Package</a:t>
+            </a:r>
+            <a:endParaRPr lang="en-US" sz="2800" dirty="0"/>
+          </a:p>
+        </p:txBody>
+      </p:sp>
+      <p:pic>
+        <p:nvPicPr>
+          <p:cNvPr id="8" name="Content Placeholder 7"/>
+          <p:cNvPicPr>
+            <a:picLocks noGrp="1" noChangeAspect="1"/>
+          </p:cNvPicPr>
+          <p:nvPr>
+            <p:ph idx="1"/>
+          </p:nvPr>
+        </p:nvPicPr>
+        <p:blipFill>
+          <a:blip r:embed="rId2" cstate="print">
+            <a:extLst>
+              <a:ext uri="{28A0092B-C50C-407E-A947-70E740481C1C}">
+                <a14:useLocalDpi xmlns:a14="http://schemas.microsoft.com/office/drawing/2010/main" val="0"/>
+              </a:ext>
+            </a:extLst>
+          </a:blip>
+          <a:stretch>
+            <a:fillRect/>
+          </a:stretch>
+        </p:blipFill>
+        <p:spPr>
+          <a:xfrm>
+            <a:off x="1600201" y="1142999"/>
+            <a:ext cx="7010398" cy="4097433"/>
+          </a:xfrm>
+        </p:spPr>
+      </p:pic>
+      <p:sp>
+        <p:nvSpPr>
+          <p:cNvPr id="9" name="TextBox 8"/>
+          <p:cNvSpPr txBox="1"/>
+          <p:nvPr/>
+        </p:nvSpPr>
+        <p:spPr>
+          <a:xfrm>
+            <a:off x="1600200" y="5477470"/>
+            <a:ext cx="7010400" cy="1200329"/>
+          </a:xfrm>
+          <a:prstGeom prst="rect">
+            <a:avLst/>
+          </a:prstGeom>
+          <a:noFill/>
+        </p:spPr>
+        <p:txBody>
+          <a:bodyPr wrap="square" rtlCol="0">
+            <a:spAutoFit/>
+          </a:bodyPr>
+          <a:lstStyle/>
+          <a:p>
+            <a:r>
+              <a:rPr lang="en-US" dirty="0" smtClean="0"/>
+              <a:t>This brings up the </a:t>
+            </a:r>
+            <a:r>
+              <a:rPr lang="en-US" dirty="0" err="1" smtClean="0"/>
+              <a:t>NuGet</a:t>
+            </a:r>
+            <a:r>
+              <a:rPr lang="en-US" dirty="0" smtClean="0"/>
+              <a:t> Package Manager window. However, it defaults to the </a:t>
+            </a:r>
+            <a:r>
+              <a:rPr lang="en-US" dirty="0" err="1" smtClean="0"/>
+              <a:t>NuGet</a:t>
+            </a:r>
+            <a:r>
+              <a:rPr lang="en-US" dirty="0" smtClean="0"/>
+              <a:t> Packages that you have installed currently.</a:t>
+            </a:r>
+            <a:r>
+              <a:rPr lang="en-US" dirty="0"/>
+              <a:t> </a:t>
+            </a:r>
+            <a:r>
+              <a:rPr lang="en-US" dirty="0" smtClean="0"/>
+              <a:t>We will have to change that by selecting the “Browse” tab at the top of the manager window.</a:t>
+            </a:r>
+          </a:p>
+        </p:txBody>
+      </p:sp>
+    </p:spTree>
+    <p:extLst>
+      <p:ext uri="{BB962C8B-B14F-4D97-AF65-F5344CB8AC3E}">
+        <p14:creationId xmlns:p14="http://schemas.microsoft.com/office/powerpoint/2010/main" val="3585035485"/>
+      </p:ext>
+    </p:extLst>
+  </p:cSld>
+  <p:clrMapOvr>
+    <a:masterClrMapping/>
+  </p:clrMapOvr>
+</p:sld>
+</file>
+
+<file path=ppt/slides/slide28.xml><?xml version="1.0" encoding="utf-8"?>
+<p:sld xmlns:a="http://schemas.openxmlformats.org/drawingml/2006/main" xmlns:r="http://schemas.openxmlformats.org/officeDocument/2006/relationships" xmlns:p="http://schemas.openxmlformats.org/presentationml/2006/main">
+  <p:cSld>
+    <p:spTree>
+      <p:nvGrpSpPr>
+        <p:cNvPr id="1" name=""/>
+        <p:cNvGrpSpPr/>
+        <p:nvPr/>
+      </p:nvGrpSpPr>
+      <p:grpSpPr>
+        <a:xfrm>
+          <a:off x="0" y="0"/>
+          <a:ext cx="0" cy="0"/>
+          <a:chOff x="0" y="0"/>
+          <a:chExt cx="0" cy="0"/>
+        </a:xfrm>
+      </p:grpSpPr>
+      <p:sp>
+        <p:nvSpPr>
+          <p:cNvPr id="6" name="Title 5"/>
+          <p:cNvSpPr>
+            <a:spLocks noGrp="1"/>
+          </p:cNvSpPr>
+          <p:nvPr>
+            <p:ph type="title"/>
+          </p:nvPr>
+        </p:nvSpPr>
+        <p:spPr/>
+        <p:txBody>
+          <a:bodyPr>
+            <a:normAutofit/>
+          </a:bodyPr>
+          <a:lstStyle/>
+          <a:p>
+            <a:pPr algn="ctr"/>
+            <a:r>
+              <a:rPr lang="en-US" sz="2800" dirty="0" smtClean="0"/>
+              <a:t>Installing the Azure Storage </a:t>
+            </a:r>
+            <a:r>
+              <a:rPr lang="en-US" sz="2800" dirty="0" err="1" smtClean="0"/>
+              <a:t>NuGet</a:t>
+            </a:r>
+            <a:r>
+              <a:rPr lang="en-US" sz="2800" dirty="0" smtClean="0"/>
+              <a:t> Package</a:t>
+            </a:r>
+            <a:endParaRPr lang="en-US" sz="2800" dirty="0"/>
+          </a:p>
+        </p:txBody>
+      </p:sp>
+      <p:pic>
+        <p:nvPicPr>
+          <p:cNvPr id="8" name="Content Placeholder 7"/>
+          <p:cNvPicPr>
+            <a:picLocks noGrp="1" noChangeAspect="1"/>
+          </p:cNvPicPr>
+          <p:nvPr>
+            <p:ph idx="1"/>
+          </p:nvPr>
+        </p:nvPicPr>
+        <p:blipFill>
+          <a:blip r:embed="rId2" cstate="print">
+            <a:extLst>
+              <a:ext uri="{28A0092B-C50C-407E-A947-70E740481C1C}">
+                <a14:useLocalDpi xmlns:a14="http://schemas.microsoft.com/office/drawing/2010/main" val="0"/>
+              </a:ext>
+            </a:extLst>
+          </a:blip>
+          <a:stretch>
+            <a:fillRect/>
+          </a:stretch>
+        </p:blipFill>
+        <p:spPr>
+          <a:xfrm>
+            <a:off x="1600201" y="1152977"/>
+            <a:ext cx="7010398" cy="4077476"/>
+          </a:xfrm>
+        </p:spPr>
+      </p:pic>
+      <p:sp>
+        <p:nvSpPr>
+          <p:cNvPr id="9" name="TextBox 8"/>
+          <p:cNvSpPr txBox="1"/>
+          <p:nvPr/>
+        </p:nvSpPr>
+        <p:spPr>
+          <a:xfrm>
+            <a:off x="1600200" y="5477470"/>
+            <a:ext cx="7010400" cy="1200329"/>
+          </a:xfrm>
+          <a:prstGeom prst="rect">
+            <a:avLst/>
+          </a:prstGeom>
+          <a:noFill/>
+        </p:spPr>
+        <p:txBody>
+          <a:bodyPr wrap="square" rtlCol="0">
+            <a:spAutoFit/>
+          </a:bodyPr>
+          <a:lstStyle/>
+          <a:p>
+            <a:pPr marL="342900" indent="-342900">
+              <a:buAutoNum type="arabicPeriod"/>
+            </a:pPr>
+            <a:r>
+              <a:rPr lang="en-US" dirty="0" smtClean="0"/>
+              <a:t>Once in the “Browse” menu, search for “Azure”</a:t>
+            </a:r>
+          </a:p>
+          <a:p>
+            <a:pPr marL="342900" indent="-342900">
+              <a:buAutoNum type="arabicPeriod"/>
+            </a:pPr>
+            <a:r>
+              <a:rPr lang="en-US" dirty="0" smtClean="0"/>
+              <a:t>Select the “</a:t>
+            </a:r>
+            <a:r>
+              <a:rPr lang="en-US" dirty="0" err="1" smtClean="0"/>
+              <a:t>WindowsAzure.Storage</a:t>
+            </a:r>
+            <a:r>
+              <a:rPr lang="en-US" dirty="0" smtClean="0"/>
+              <a:t>” menu item.</a:t>
+            </a:r>
+          </a:p>
+          <a:p>
+            <a:pPr marL="342900" indent="-342900">
+              <a:buAutoNum type="arabicPeriod"/>
+            </a:pPr>
+            <a:r>
+              <a:rPr lang="en-US" dirty="0" smtClean="0"/>
+              <a:t>Change the version to “8.1.1”</a:t>
+            </a:r>
+          </a:p>
+          <a:p>
+            <a:pPr marL="342900" indent="-342900">
+              <a:buAutoNum type="arabicPeriod"/>
+            </a:pPr>
+            <a:r>
+              <a:rPr lang="en-US" dirty="0" smtClean="0"/>
+              <a:t>Select “Install”</a:t>
+            </a:r>
+          </a:p>
+        </p:txBody>
+      </p:sp>
+    </p:spTree>
+    <p:extLst>
+      <p:ext uri="{BB962C8B-B14F-4D97-AF65-F5344CB8AC3E}">
+        <p14:creationId xmlns:p14="http://schemas.microsoft.com/office/powerpoint/2010/main" val="1620387314"/>
+      </p:ext>
+    </p:extLst>
+  </p:cSld>
+  <p:clrMapOvr>
+    <a:masterClrMapping/>
+  </p:clrMapOvr>
+</p:sld>
+</file>
+
+<file path=ppt/slides/slide29.xml><?xml version="1.0" encoding="utf-8"?>
+<p:sld xmlns:a="http://schemas.openxmlformats.org/drawingml/2006/main" xmlns:r="http://schemas.openxmlformats.org/officeDocument/2006/relationships" xmlns:p="http://schemas.openxmlformats.org/presentationml/2006/main">
+  <p:cSld>
+    <p:spTree>
+      <p:nvGrpSpPr>
+        <p:cNvPr id="1" name=""/>
+        <p:cNvGrpSpPr/>
+        <p:nvPr/>
+      </p:nvGrpSpPr>
+      <p:grpSpPr>
+        <a:xfrm>
+          <a:off x="0" y="0"/>
+          <a:ext cx="0" cy="0"/>
+          <a:chOff x="0" y="0"/>
+          <a:chExt cx="0" cy="0"/>
+        </a:xfrm>
+      </p:grpSpPr>
+      <p:sp>
+        <p:nvSpPr>
+          <p:cNvPr id="6" name="Title 5"/>
+          <p:cNvSpPr>
+            <a:spLocks noGrp="1"/>
+          </p:cNvSpPr>
+          <p:nvPr>
+            <p:ph type="title"/>
+          </p:nvPr>
+        </p:nvSpPr>
+        <p:spPr/>
+        <p:txBody>
+          <a:bodyPr>
+            <a:normAutofit/>
+          </a:bodyPr>
+          <a:lstStyle/>
+          <a:p>
+            <a:pPr algn="ctr"/>
+            <a:r>
+              <a:rPr lang="en-US" sz="2800" dirty="0" smtClean="0"/>
+              <a:t>Installing the Azure Storage </a:t>
+            </a:r>
+            <a:r>
+              <a:rPr lang="en-US" sz="2800" dirty="0" err="1" smtClean="0"/>
+              <a:t>NuGet</a:t>
+            </a:r>
+            <a:r>
+              <a:rPr lang="en-US" sz="2800" dirty="0" smtClean="0"/>
+              <a:t> Package</a:t>
+            </a:r>
+            <a:endParaRPr lang="en-US" sz="2800" dirty="0"/>
+          </a:p>
+        </p:txBody>
+      </p:sp>
+      <p:pic>
+        <p:nvPicPr>
+          <p:cNvPr id="8" name="Content Placeholder 7"/>
+          <p:cNvPicPr>
+            <a:picLocks noGrp="1" noChangeAspect="1"/>
+          </p:cNvPicPr>
+          <p:nvPr>
+            <p:ph idx="1"/>
+          </p:nvPr>
+        </p:nvPicPr>
+        <p:blipFill>
+          <a:blip r:embed="rId2" cstate="print">
+            <a:extLst>
+              <a:ext uri="{28A0092B-C50C-407E-A947-70E740481C1C}">
+                <a14:useLocalDpi xmlns:a14="http://schemas.microsoft.com/office/drawing/2010/main" val="0"/>
+              </a:ext>
+            </a:extLst>
+          </a:blip>
+          <a:stretch>
+            <a:fillRect/>
+          </a:stretch>
+        </p:blipFill>
+        <p:spPr>
+          <a:xfrm>
+            <a:off x="1066800" y="1152977"/>
+            <a:ext cx="4050891" cy="4077476"/>
+          </a:xfrm>
+        </p:spPr>
+      </p:pic>
+      <p:sp>
+        <p:nvSpPr>
+          <p:cNvPr id="9" name="TextBox 8"/>
+          <p:cNvSpPr txBox="1"/>
+          <p:nvPr/>
+        </p:nvSpPr>
+        <p:spPr>
+          <a:xfrm>
+            <a:off x="1600200" y="5477470"/>
+            <a:ext cx="7010400" cy="1200329"/>
+          </a:xfrm>
+          <a:prstGeom prst="rect">
+            <a:avLst/>
+          </a:prstGeom>
+          <a:noFill/>
+        </p:spPr>
+        <p:txBody>
+          <a:bodyPr wrap="square" rtlCol="0">
+            <a:spAutoFit/>
+          </a:bodyPr>
+          <a:lstStyle/>
+          <a:p>
+            <a:r>
+              <a:rPr lang="en-US" dirty="0" smtClean="0"/>
+              <a:t>After Selecting “Install” you will have 2 more menus that require you make decisions.</a:t>
+            </a:r>
+          </a:p>
+          <a:p>
+            <a:pPr marL="342900" indent="-342900">
+              <a:buAutoNum type="arabicPeriod"/>
+            </a:pPr>
+            <a:endParaRPr lang="en-US" dirty="0" smtClean="0"/>
+          </a:p>
+          <a:p>
+            <a:pPr marL="342900" indent="-342900">
+              <a:buAutoNum type="arabicPeriod"/>
+            </a:pPr>
+            <a:r>
+              <a:rPr lang="en-US" dirty="0" smtClean="0"/>
+              <a:t>Select the “Ok” and “I Accept” to begin the installation.</a:t>
+            </a:r>
+          </a:p>
+        </p:txBody>
+      </p:sp>
+      <p:pic>
+        <p:nvPicPr>
+          <p:cNvPr id="5" name="Content Placeholder 7"/>
+          <p:cNvPicPr>
+            <a:picLocks noChangeAspect="1"/>
+          </p:cNvPicPr>
+          <p:nvPr/>
+        </p:nvPicPr>
+        <p:blipFill>
+          <a:blip r:embed="rId3" cstate="print">
+            <a:extLst>
+              <a:ext uri="{28A0092B-C50C-407E-A947-70E740481C1C}">
+                <a14:useLocalDpi xmlns:a14="http://schemas.microsoft.com/office/drawing/2010/main" val="0"/>
+              </a:ext>
+            </a:extLst>
+          </a:blip>
+          <a:stretch>
+            <a:fillRect/>
+          </a:stretch>
+        </p:blipFill>
+        <p:spPr>
+          <a:xfrm>
+            <a:off x="5135945" y="1160730"/>
+            <a:ext cx="3965218" cy="4077476"/>
+          </a:xfrm>
+          <a:prstGeom prst="rect">
+            <a:avLst/>
+          </a:prstGeom>
+        </p:spPr>
+      </p:pic>
+    </p:spTree>
+    <p:extLst>
+      <p:ext uri="{BB962C8B-B14F-4D97-AF65-F5344CB8AC3E}">
+        <p14:creationId xmlns:p14="http://schemas.microsoft.com/office/powerpoint/2010/main" val="162174194"/>
       </p:ext>
     </p:extLst>
   </p:cSld>
@@ -8660,66 +10829,119 @@
             <p:ph idx="1"/>
           </p:nvPr>
         </p:nvSpPr>
-        <p:spPr/>
+        <p:spPr>
+          <a:xfrm>
+            <a:off x="1371600" y="1371600"/>
+            <a:ext cx="7498080" cy="5257800"/>
+          </a:xfrm>
+        </p:spPr>
         <p:txBody>
           <a:bodyPr>
-            <a:normAutofit fontScale="55000" lnSpcReduction="20000"/>
+            <a:noAutofit/>
           </a:bodyPr>
           <a:lstStyle/>
           <a:p>
             <a:r>
-              <a:rPr lang="en-US" b="1" dirty="0"/>
-              <a:t>Durable and highly available.</a:t>
-            </a:r>
-            <a:r>
-              <a:rPr lang="en-US" dirty="0"/>
-              <a:t> Redundancy ensures that your data is safe in the event of transient hardware failures. You can also opt to replicate data across datacenters or geographical regions for additional protection from local catastrophe or natural disaster. Data replicated in this way remains highly available in the event of an unexpected outage.</a:t>
-            </a:r>
-          </a:p>
-          <a:p>
-            <a:r>
-              <a:rPr lang="en-US" b="1" dirty="0"/>
-              <a:t>Secure.</a:t>
-            </a:r>
-            <a:r>
-              <a:rPr lang="en-US" dirty="0"/>
-              <a:t> All data written to Azure Storage is encrypted by the service. Azure Storage provides you with fine-grained control over who has access to your data.</a:t>
-            </a:r>
-          </a:p>
-          <a:p>
-            <a:r>
-              <a:rPr lang="en-US" b="1" dirty="0"/>
-              <a:t>Scalable.</a:t>
-            </a:r>
-            <a:r>
-              <a:rPr lang="en-US" dirty="0"/>
-              <a:t> Azure Storage is designed to be massively scalable to meet the data storage and performance needs of today's applications.</a:t>
-            </a:r>
-          </a:p>
-          <a:p>
-            <a:r>
-              <a:rPr lang="en-US" b="1" dirty="0"/>
-              <a:t>Managed.</a:t>
-            </a:r>
-            <a:r>
-              <a:rPr lang="en-US" dirty="0"/>
-              <a:t> Microsoft Azure handles hardware maintenance, updates, and critical issues for you.</a:t>
-            </a:r>
-          </a:p>
-          <a:p>
-            <a:r>
-              <a:rPr lang="en-US" b="1" dirty="0"/>
+              <a:rPr lang="en-US" sz="1600" b="1" dirty="0"/>
+              <a:t>Durable and highly </a:t>
+            </a:r>
+            <a:r>
+              <a:rPr lang="en-US" sz="1600" b="1" dirty="0" smtClean="0"/>
+              <a:t>available</a:t>
+            </a:r>
+            <a:endParaRPr lang="en-US" sz="1600" dirty="0" smtClean="0"/>
+          </a:p>
+          <a:p>
+            <a:pPr lvl="1"/>
+            <a:r>
+              <a:rPr lang="en-US" sz="1400" dirty="0" smtClean="0"/>
+              <a:t>Redundancy </a:t>
+            </a:r>
+            <a:r>
+              <a:rPr lang="en-US" sz="1400" dirty="0"/>
+              <a:t>ensures that your data is safe in the event of transient hardware failures. You can also opt to replicate data across datacenters or geographical regions for additional protection from local catastrophe or natural disaster. Data replicated in this way remains highly available in the event of an unexpected outage.</a:t>
+            </a:r>
+          </a:p>
+          <a:p>
+            <a:r>
+              <a:rPr lang="en-US" sz="1600" b="1" dirty="0" smtClean="0"/>
+              <a:t>Secure</a:t>
+            </a:r>
+            <a:endParaRPr lang="en-US" sz="1600" dirty="0" smtClean="0"/>
+          </a:p>
+          <a:p>
+            <a:pPr lvl="1"/>
+            <a:r>
+              <a:rPr lang="en-US" sz="1400" dirty="0" smtClean="0"/>
+              <a:t>All </a:t>
+            </a:r>
+            <a:r>
+              <a:rPr lang="en-US" sz="1400" dirty="0"/>
+              <a:t>data written to Azure Storage is encrypted by the service. Azure Storage provides you with fine-grained control over who has access to your data.</a:t>
+            </a:r>
+          </a:p>
+          <a:p>
+            <a:r>
+              <a:rPr lang="en-US" sz="1600" b="1" dirty="0" smtClean="0"/>
+              <a:t>Scalable</a:t>
+            </a:r>
+            <a:endParaRPr lang="en-US" sz="1600" dirty="0" smtClean="0"/>
+          </a:p>
+          <a:p>
+            <a:pPr lvl="1"/>
+            <a:r>
+              <a:rPr lang="en-US" sz="1400" dirty="0" smtClean="0"/>
+              <a:t>Azure </a:t>
+            </a:r>
+            <a:r>
+              <a:rPr lang="en-US" sz="1400" dirty="0"/>
+              <a:t>Storage is designed to be massively scalable to meet the data storage and performance needs of today's applications.</a:t>
+            </a:r>
+          </a:p>
+          <a:p>
+            <a:r>
+              <a:rPr lang="en-US" sz="1600" b="1" dirty="0" smtClean="0"/>
+              <a:t>Managed</a:t>
+            </a:r>
+            <a:endParaRPr lang="en-US" sz="1600" dirty="0" smtClean="0"/>
+          </a:p>
+          <a:p>
+            <a:pPr lvl="1"/>
+            <a:r>
+              <a:rPr lang="en-US" sz="1400" dirty="0" smtClean="0"/>
+              <a:t>Microsoft </a:t>
+            </a:r>
+            <a:r>
+              <a:rPr lang="en-US" sz="1400" dirty="0"/>
+              <a:t>Azure handles hardware maintenance, updates, and critical issues for you.</a:t>
+            </a:r>
+          </a:p>
+          <a:p>
+            <a:r>
+              <a:rPr lang="en-US" sz="1600" b="1" dirty="0" smtClean="0"/>
               <a:t>Accessible.</a:t>
             </a:r>
             <a:r>
-              <a:rPr lang="en-US" dirty="0"/>
-              <a:t> Data in Azure Storage is accessible from anywhere in the world over HTTP or HTTPS. Microsoft provides client libraries for Azure Storage in a variety of languages, including .NET, Java, Node.js, Python, PHP, Ruby, Go, and others, as well as a mature REST API. Azure Storage supports scripting in Azure PowerShell or Azure CLI. And the Azure portal and Azure Storage Explorer offer easy visual solutions for working with your data</a:t>
-            </a:r>
-            <a:r>
-              <a:rPr lang="en-US" dirty="0" smtClean="0"/>
+              <a:rPr lang="en-US" sz="1600" dirty="0"/>
+              <a:t> </a:t>
+            </a:r>
+            <a:endParaRPr lang="en-US" sz="1600" dirty="0" smtClean="0"/>
+          </a:p>
+          <a:p>
+            <a:pPr lvl="1"/>
+            <a:r>
+              <a:rPr lang="en-US" sz="1400" dirty="0" smtClean="0"/>
+              <a:t>Data </a:t>
+            </a:r>
+            <a:r>
+              <a:rPr lang="en-US" sz="1400" dirty="0"/>
+              <a:t>in Azure Storage is accessible from anywhere in the world over HTTP or HTTPS. Microsoft provides client libraries for Azure Storage in a variety of languages, including .NET, Java, Node.js, Python, PHP, Ruby, Go, and others, as well as a mature REST API. Azure Storage supports scripting in Azure PowerShell or Azure CLI. And the Azure portal and Azure Storage Explorer offer easy visual solutions for working with your data</a:t>
+            </a:r>
+            <a:r>
+              <a:rPr lang="en-US" sz="1400" dirty="0" smtClean="0"/>
               <a:t>.</a:t>
             </a:r>
-            <a:endParaRPr lang="en-US" dirty="0"/>
+            <a:endParaRPr lang="en-US" sz="1400" dirty="0"/>
           </a:p>
         </p:txBody>
       </p:sp>
@@ -8727,6 +10949,1503 @@
     <p:extLst>
       <p:ext uri="{BB962C8B-B14F-4D97-AF65-F5344CB8AC3E}">
         <p14:creationId xmlns:p14="http://schemas.microsoft.com/office/powerpoint/2010/main" val="2450439466"/>
+      </p:ext>
+    </p:extLst>
+  </p:cSld>
+  <p:clrMapOvr>
+    <a:masterClrMapping/>
+  </p:clrMapOvr>
+</p:sld>
+</file>
+
+<file path=ppt/slides/slide30.xml><?xml version="1.0" encoding="utf-8"?>
+<p:sld xmlns:a="http://schemas.openxmlformats.org/drawingml/2006/main" xmlns:r="http://schemas.openxmlformats.org/officeDocument/2006/relationships" xmlns:p="http://schemas.openxmlformats.org/presentationml/2006/main">
+  <p:cSld>
+    <p:spTree>
+      <p:nvGrpSpPr>
+        <p:cNvPr id="1" name=""/>
+        <p:cNvGrpSpPr/>
+        <p:nvPr/>
+      </p:nvGrpSpPr>
+      <p:grpSpPr>
+        <a:xfrm>
+          <a:off x="0" y="0"/>
+          <a:ext cx="0" cy="0"/>
+          <a:chOff x="0" y="0"/>
+          <a:chExt cx="0" cy="0"/>
+        </a:xfrm>
+      </p:grpSpPr>
+      <p:sp>
+        <p:nvSpPr>
+          <p:cNvPr id="6" name="Title 5"/>
+          <p:cNvSpPr>
+            <a:spLocks noGrp="1"/>
+          </p:cNvSpPr>
+          <p:nvPr>
+            <p:ph type="title"/>
+          </p:nvPr>
+        </p:nvSpPr>
+        <p:spPr/>
+        <p:txBody>
+          <a:bodyPr>
+            <a:normAutofit/>
+          </a:bodyPr>
+          <a:lstStyle/>
+          <a:p>
+            <a:pPr algn="ctr"/>
+            <a:r>
+              <a:rPr lang="en-US" sz="2800" dirty="0" smtClean="0"/>
+              <a:t>Installing the Azure Storage </a:t>
+            </a:r>
+            <a:r>
+              <a:rPr lang="en-US" sz="2800" dirty="0" err="1" smtClean="0"/>
+              <a:t>NuGet</a:t>
+            </a:r>
+            <a:r>
+              <a:rPr lang="en-US" sz="2800" dirty="0" smtClean="0"/>
+              <a:t> Package</a:t>
+            </a:r>
+            <a:endParaRPr lang="en-US" sz="2800" dirty="0"/>
+          </a:p>
+        </p:txBody>
+      </p:sp>
+      <p:pic>
+        <p:nvPicPr>
+          <p:cNvPr id="8" name="Content Placeholder 7"/>
+          <p:cNvPicPr>
+            <a:picLocks noGrp="1" noChangeAspect="1"/>
+          </p:cNvPicPr>
+          <p:nvPr>
+            <p:ph idx="1"/>
+          </p:nvPr>
+        </p:nvPicPr>
+        <p:blipFill>
+          <a:blip r:embed="rId2" cstate="print">
+            <a:extLst>
+              <a:ext uri="{28A0092B-C50C-407E-A947-70E740481C1C}">
+                <a14:useLocalDpi xmlns:a14="http://schemas.microsoft.com/office/drawing/2010/main" val="0"/>
+              </a:ext>
+            </a:extLst>
+          </a:blip>
+          <a:stretch>
+            <a:fillRect/>
+          </a:stretch>
+        </p:blipFill>
+        <p:spPr>
+          <a:xfrm>
+            <a:off x="2406573" y="1152977"/>
+            <a:ext cx="5397653" cy="4077476"/>
+          </a:xfrm>
+        </p:spPr>
+      </p:pic>
+      <p:sp>
+        <p:nvSpPr>
+          <p:cNvPr id="9" name="TextBox 8"/>
+          <p:cNvSpPr txBox="1"/>
+          <p:nvPr/>
+        </p:nvSpPr>
+        <p:spPr>
+          <a:xfrm>
+            <a:off x="1600200" y="5477470"/>
+            <a:ext cx="7010400" cy="923330"/>
+          </a:xfrm>
+          <a:prstGeom prst="rect">
+            <a:avLst/>
+          </a:prstGeom>
+          <a:noFill/>
+        </p:spPr>
+        <p:txBody>
+          <a:bodyPr wrap="square" rtlCol="0">
+            <a:spAutoFit/>
+          </a:bodyPr>
+          <a:lstStyle/>
+          <a:p>
+            <a:r>
+              <a:rPr lang="en-US" dirty="0" smtClean="0"/>
+              <a:t>When finished installing, the “Output” window should have the following message. It should not have failed installation, and if it did, please contact me for assistance.</a:t>
+            </a:r>
+          </a:p>
+        </p:txBody>
+      </p:sp>
+    </p:spTree>
+    <p:extLst>
+      <p:ext uri="{BB962C8B-B14F-4D97-AF65-F5344CB8AC3E}">
+        <p14:creationId xmlns:p14="http://schemas.microsoft.com/office/powerpoint/2010/main" val="1507135095"/>
+      </p:ext>
+    </p:extLst>
+  </p:cSld>
+  <p:clrMapOvr>
+    <a:masterClrMapping/>
+  </p:clrMapOvr>
+</p:sld>
+</file>
+
+<file path=ppt/slides/slide31.xml><?xml version="1.0" encoding="utf-8"?>
+<p:sld xmlns:a="http://schemas.openxmlformats.org/drawingml/2006/main" xmlns:r="http://schemas.openxmlformats.org/officeDocument/2006/relationships" xmlns:p="http://schemas.openxmlformats.org/presentationml/2006/main">
+  <p:cSld>
+    <p:spTree>
+      <p:nvGrpSpPr>
+        <p:cNvPr id="1" name=""/>
+        <p:cNvGrpSpPr/>
+        <p:nvPr/>
+      </p:nvGrpSpPr>
+      <p:grpSpPr>
+        <a:xfrm>
+          <a:off x="0" y="0"/>
+          <a:ext cx="0" cy="0"/>
+          <a:chOff x="0" y="0"/>
+          <a:chExt cx="0" cy="0"/>
+        </a:xfrm>
+      </p:grpSpPr>
+      <p:sp>
+        <p:nvSpPr>
+          <p:cNvPr id="2" name="Title 1"/>
+          <p:cNvSpPr>
+            <a:spLocks noGrp="1"/>
+          </p:cNvSpPr>
+          <p:nvPr>
+            <p:ph type="title"/>
+          </p:nvPr>
+        </p:nvSpPr>
+        <p:spPr/>
+        <p:txBody>
+          <a:bodyPr/>
+          <a:lstStyle/>
+          <a:p>
+            <a:pPr algn="ctr"/>
+            <a:r>
+              <a:rPr lang="en-US" dirty="0" smtClean="0"/>
+              <a:t>What did we just do?!?!?!</a:t>
+            </a:r>
+            <a:endParaRPr lang="en-US" dirty="0"/>
+          </a:p>
+        </p:txBody>
+      </p:sp>
+      <p:sp>
+        <p:nvSpPr>
+          <p:cNvPr id="3" name="Content Placeholder 2"/>
+          <p:cNvSpPr>
+            <a:spLocks noGrp="1"/>
+          </p:cNvSpPr>
+          <p:nvPr>
+            <p:ph idx="1"/>
+          </p:nvPr>
+        </p:nvSpPr>
+        <p:spPr/>
+        <p:txBody>
+          <a:bodyPr>
+            <a:normAutofit fontScale="85000" lnSpcReduction="10000"/>
+          </a:bodyPr>
+          <a:lstStyle/>
+          <a:p>
+            <a:r>
+              <a:rPr lang="en-US" dirty="0" err="1" smtClean="0"/>
+              <a:t>NuGet</a:t>
+            </a:r>
+            <a:r>
+              <a:rPr lang="en-US" dirty="0" smtClean="0"/>
+              <a:t> packages install code files that become part of the solution, but we do not have access to change them. They are managed by a third-party, but we agree to use them as they are intended to be used for the purpose of developing our own software.</a:t>
+            </a:r>
+          </a:p>
+          <a:p>
+            <a:r>
+              <a:rPr lang="en-US" dirty="0" smtClean="0"/>
+              <a:t>Every </a:t>
+            </a:r>
+            <a:r>
+              <a:rPr lang="en-US" dirty="0" err="1" smtClean="0"/>
+              <a:t>NuGet</a:t>
+            </a:r>
+            <a:r>
+              <a:rPr lang="en-US" dirty="0" smtClean="0"/>
+              <a:t> package will have some form of online documentation if you want to find out more details on any given </a:t>
+            </a:r>
+            <a:r>
+              <a:rPr lang="en-US" dirty="0" err="1" smtClean="0"/>
+              <a:t>NuGet</a:t>
+            </a:r>
+            <a:r>
+              <a:rPr lang="en-US" dirty="0" smtClean="0"/>
+              <a:t> Package.</a:t>
+            </a:r>
+          </a:p>
+          <a:p>
+            <a:r>
+              <a:rPr lang="en-US" dirty="0" smtClean="0"/>
+              <a:t>Now that we have our </a:t>
+            </a:r>
+            <a:r>
+              <a:rPr lang="en-US" dirty="0" err="1" smtClean="0"/>
+              <a:t>NuGet</a:t>
+            </a:r>
+            <a:r>
+              <a:rPr lang="en-US" dirty="0" smtClean="0"/>
+              <a:t> Package, let’s create the files we will need to test the Azure Cloud Storage.</a:t>
+            </a:r>
+            <a:endParaRPr lang="en-US" dirty="0"/>
+          </a:p>
+        </p:txBody>
+      </p:sp>
+    </p:spTree>
+    <p:extLst>
+      <p:ext uri="{BB962C8B-B14F-4D97-AF65-F5344CB8AC3E}">
+        <p14:creationId xmlns:p14="http://schemas.microsoft.com/office/powerpoint/2010/main" val="1010266079"/>
+      </p:ext>
+    </p:extLst>
+  </p:cSld>
+  <p:clrMapOvr>
+    <a:masterClrMapping/>
+  </p:clrMapOvr>
+</p:sld>
+</file>
+
+<file path=ppt/slides/slide32.xml><?xml version="1.0" encoding="utf-8"?>
+<p:sld xmlns:a="http://schemas.openxmlformats.org/drawingml/2006/main" xmlns:r="http://schemas.openxmlformats.org/officeDocument/2006/relationships" xmlns:p="http://schemas.openxmlformats.org/presentationml/2006/main">
+  <p:cSld>
+    <p:spTree>
+      <p:nvGrpSpPr>
+        <p:cNvPr id="1" name=""/>
+        <p:cNvGrpSpPr/>
+        <p:nvPr/>
+      </p:nvGrpSpPr>
+      <p:grpSpPr>
+        <a:xfrm>
+          <a:off x="0" y="0"/>
+          <a:ext cx="0" cy="0"/>
+          <a:chOff x="0" y="0"/>
+          <a:chExt cx="0" cy="0"/>
+        </a:xfrm>
+      </p:grpSpPr>
+      <p:sp>
+        <p:nvSpPr>
+          <p:cNvPr id="2" name="Title 1"/>
+          <p:cNvSpPr>
+            <a:spLocks noGrp="1"/>
+          </p:cNvSpPr>
+          <p:nvPr>
+            <p:ph type="title"/>
+          </p:nvPr>
+        </p:nvSpPr>
+        <p:spPr/>
+        <p:txBody>
+          <a:bodyPr/>
+          <a:lstStyle/>
+          <a:p>
+            <a:pPr algn="ctr"/>
+            <a:r>
+              <a:rPr lang="en-US" dirty="0" err="1" smtClean="0"/>
+              <a:t>BaseEntity</a:t>
+            </a:r>
+            <a:r>
+              <a:rPr lang="en-US" dirty="0" smtClean="0"/>
+              <a:t> Creation</a:t>
+            </a:r>
+            <a:endParaRPr lang="en-US" dirty="0"/>
+          </a:p>
+        </p:txBody>
+      </p:sp>
+      <p:pic>
+        <p:nvPicPr>
+          <p:cNvPr id="5" name="Content Placeholder 4"/>
+          <p:cNvPicPr>
+            <a:picLocks noGrp="1" noChangeAspect="1"/>
+          </p:cNvPicPr>
+          <p:nvPr>
+            <p:ph sz="half" idx="1"/>
+          </p:nvPr>
+        </p:nvPicPr>
+        <p:blipFill>
+          <a:blip r:embed="rId2" cstate="print">
+            <a:extLst>
+              <a:ext uri="{28A0092B-C50C-407E-A947-70E740481C1C}">
+                <a14:useLocalDpi xmlns:a14="http://schemas.microsoft.com/office/drawing/2010/main" val="0"/>
+              </a:ext>
+            </a:extLst>
+          </a:blip>
+          <a:stretch>
+            <a:fillRect/>
+          </a:stretch>
+        </p:blipFill>
+        <p:spPr>
+          <a:xfrm>
+            <a:off x="1435100" y="1828800"/>
+            <a:ext cx="3657600" cy="2564872"/>
+          </a:xfrm>
+        </p:spPr>
+      </p:pic>
+      <p:sp>
+        <p:nvSpPr>
+          <p:cNvPr id="4" name="Content Placeholder 3"/>
+          <p:cNvSpPr>
+            <a:spLocks noGrp="1"/>
+          </p:cNvSpPr>
+          <p:nvPr>
+            <p:ph sz="half" idx="2"/>
+          </p:nvPr>
+        </p:nvSpPr>
+        <p:spPr/>
+        <p:txBody>
+          <a:bodyPr>
+            <a:normAutofit lnSpcReduction="10000"/>
+          </a:bodyPr>
+          <a:lstStyle/>
+          <a:p>
+            <a:r>
+              <a:rPr lang="en-US" sz="1800" dirty="0" smtClean="0"/>
+              <a:t>The “Base Entity” is a class that inherits the </a:t>
+            </a:r>
+            <a:r>
+              <a:rPr lang="en-US" sz="1800" dirty="0" err="1" smtClean="0"/>
+              <a:t>TableEntity</a:t>
+            </a:r>
+            <a:r>
+              <a:rPr lang="en-US" sz="1800" dirty="0" smtClean="0"/>
+              <a:t> class from the </a:t>
+            </a:r>
+            <a:r>
+              <a:rPr lang="en-US" sz="1800" dirty="0" err="1" smtClean="0"/>
+              <a:t>NuGet</a:t>
+            </a:r>
+            <a:r>
+              <a:rPr lang="en-US" sz="1800" dirty="0" smtClean="0"/>
+              <a:t> Package that we installed previously.  The </a:t>
+            </a:r>
+            <a:r>
+              <a:rPr lang="en-US" sz="1800" dirty="0" err="1" smtClean="0"/>
+              <a:t>TableEntity</a:t>
+            </a:r>
+            <a:r>
+              <a:rPr lang="en-US" sz="1800" dirty="0" smtClean="0"/>
+              <a:t> class was created by Microsoft for us to use when we want to create “entities” that we want stored in the Azure Cloud Storage as table information.</a:t>
+            </a:r>
+          </a:p>
+          <a:p>
+            <a:r>
+              <a:rPr lang="en-US" sz="1800" dirty="0" smtClean="0"/>
+              <a:t>Our “</a:t>
+            </a:r>
+            <a:r>
+              <a:rPr lang="en-US" sz="1800" dirty="0" err="1" smtClean="0"/>
+              <a:t>BaseEntity</a:t>
+            </a:r>
+            <a:r>
+              <a:rPr lang="en-US" sz="1800" dirty="0" smtClean="0"/>
+              <a:t>” class will have properties that EVERYTHING we want to store in the database will have as properties. This is the information that is important to every entity that will be stored in the database</a:t>
+            </a:r>
+          </a:p>
+          <a:p>
+            <a:endParaRPr lang="en-US" sz="1800" dirty="0"/>
+          </a:p>
+        </p:txBody>
+      </p:sp>
+      <p:pic>
+        <p:nvPicPr>
+          <p:cNvPr id="6" name="Picture 5"/>
+          <p:cNvPicPr>
+            <a:picLocks noChangeAspect="1"/>
+          </p:cNvPicPr>
+          <p:nvPr/>
+        </p:nvPicPr>
+        <p:blipFill>
+          <a:blip r:embed="rId3" cstate="print">
+            <a:extLst>
+              <a:ext uri="{28A0092B-C50C-407E-A947-70E740481C1C}">
+                <a14:useLocalDpi xmlns:a14="http://schemas.microsoft.com/office/drawing/2010/main" val="0"/>
+              </a:ext>
+            </a:extLst>
+          </a:blip>
+          <a:stretch>
+            <a:fillRect/>
+          </a:stretch>
+        </p:blipFill>
+        <p:spPr>
+          <a:xfrm>
+            <a:off x="1447799" y="4572000"/>
+            <a:ext cx="3657601" cy="1092640"/>
+          </a:xfrm>
+          <a:prstGeom prst="rect">
+            <a:avLst/>
+          </a:prstGeom>
+        </p:spPr>
+      </p:pic>
+    </p:spTree>
+    <p:extLst>
+      <p:ext uri="{BB962C8B-B14F-4D97-AF65-F5344CB8AC3E}">
+        <p14:creationId xmlns:p14="http://schemas.microsoft.com/office/powerpoint/2010/main" val="2929755367"/>
+      </p:ext>
+    </p:extLst>
+  </p:cSld>
+  <p:clrMapOvr>
+    <a:masterClrMapping/>
+  </p:clrMapOvr>
+</p:sld>
+</file>
+
+<file path=ppt/slides/slide33.xml><?xml version="1.0" encoding="utf-8"?>
+<p:sld xmlns:a="http://schemas.openxmlformats.org/drawingml/2006/main" xmlns:r="http://schemas.openxmlformats.org/officeDocument/2006/relationships" xmlns:p="http://schemas.openxmlformats.org/presentationml/2006/main">
+  <p:cSld>
+    <p:spTree>
+      <p:nvGrpSpPr>
+        <p:cNvPr id="1" name=""/>
+        <p:cNvGrpSpPr/>
+        <p:nvPr/>
+      </p:nvGrpSpPr>
+      <p:grpSpPr>
+        <a:xfrm>
+          <a:off x="0" y="0"/>
+          <a:ext cx="0" cy="0"/>
+          <a:chOff x="0" y="0"/>
+          <a:chExt cx="0" cy="0"/>
+        </a:xfrm>
+      </p:grpSpPr>
+      <p:sp>
+        <p:nvSpPr>
+          <p:cNvPr id="2" name="Title 1"/>
+          <p:cNvSpPr>
+            <a:spLocks noGrp="1"/>
+          </p:cNvSpPr>
+          <p:nvPr>
+            <p:ph type="title"/>
+          </p:nvPr>
+        </p:nvSpPr>
+        <p:spPr/>
+        <p:txBody>
+          <a:bodyPr/>
+          <a:lstStyle/>
+          <a:p>
+            <a:pPr algn="ctr"/>
+            <a:r>
+              <a:rPr lang="en-US" dirty="0" err="1" smtClean="0"/>
+              <a:t>BaseEntity</a:t>
+            </a:r>
+            <a:r>
+              <a:rPr lang="en-US" dirty="0" smtClean="0"/>
+              <a:t> Creation</a:t>
+            </a:r>
+            <a:endParaRPr lang="en-US" dirty="0"/>
+          </a:p>
+        </p:txBody>
+      </p:sp>
+      <p:pic>
+        <p:nvPicPr>
+          <p:cNvPr id="5" name="Content Placeholder 4"/>
+          <p:cNvPicPr>
+            <a:picLocks noGrp="1" noChangeAspect="1"/>
+          </p:cNvPicPr>
+          <p:nvPr>
+            <p:ph sz="half" idx="1"/>
+          </p:nvPr>
+        </p:nvPicPr>
+        <p:blipFill>
+          <a:blip r:embed="rId2" cstate="print">
+            <a:extLst>
+              <a:ext uri="{28A0092B-C50C-407E-A947-70E740481C1C}">
+                <a14:useLocalDpi xmlns:a14="http://schemas.microsoft.com/office/drawing/2010/main" val="0"/>
+              </a:ext>
+            </a:extLst>
+          </a:blip>
+          <a:stretch>
+            <a:fillRect/>
+          </a:stretch>
+        </p:blipFill>
+        <p:spPr>
+          <a:xfrm>
+            <a:off x="1435100" y="2573601"/>
+            <a:ext cx="3657600" cy="2564872"/>
+          </a:xfrm>
+        </p:spPr>
+      </p:pic>
+      <p:sp>
+        <p:nvSpPr>
+          <p:cNvPr id="4" name="Content Placeholder 3"/>
+          <p:cNvSpPr>
+            <a:spLocks noGrp="1"/>
+          </p:cNvSpPr>
+          <p:nvPr>
+            <p:ph sz="half" idx="2"/>
+          </p:nvPr>
+        </p:nvSpPr>
+        <p:spPr/>
+        <p:txBody>
+          <a:bodyPr>
+            <a:normAutofit/>
+          </a:bodyPr>
+          <a:lstStyle/>
+          <a:p>
+            <a:r>
+              <a:rPr lang="en-US" sz="1800" b="1" dirty="0" err="1" smtClean="0"/>
+              <a:t>IsDeleted</a:t>
+            </a:r>
+            <a:r>
+              <a:rPr lang="en-US" sz="1800" b="1" dirty="0" smtClean="0"/>
+              <a:t>{ get; set;}</a:t>
+            </a:r>
+          </a:p>
+          <a:p>
+            <a:pPr lvl="1"/>
+            <a:r>
+              <a:rPr lang="en-US" sz="1400" dirty="0" smtClean="0"/>
+              <a:t>This property allows us to manage whether an entity has been deleted from the database table. This is important so we can keep consistency between the information in our application, and the information in the database.</a:t>
+            </a:r>
+          </a:p>
+          <a:p>
+            <a:r>
+              <a:rPr lang="en-US" sz="1800" b="1" dirty="0" err="1" smtClean="0"/>
+              <a:t>CreatedDate</a:t>
+            </a:r>
+            <a:r>
+              <a:rPr lang="en-US" sz="1800" b="1" dirty="0" smtClean="0"/>
+              <a:t> { get; set; }</a:t>
+            </a:r>
+          </a:p>
+          <a:p>
+            <a:pPr lvl="1"/>
+            <a:r>
+              <a:rPr lang="en-US" sz="1400" dirty="0" smtClean="0"/>
+              <a:t>In database and entity management, it is a nice thing to know when something was created.</a:t>
+            </a:r>
+          </a:p>
+          <a:p>
+            <a:r>
+              <a:rPr lang="en-US" sz="1800" b="1" dirty="0" err="1" smtClean="0"/>
+              <a:t>UpdatedDate</a:t>
+            </a:r>
+            <a:r>
+              <a:rPr lang="en-US" sz="1800" b="1" dirty="0" smtClean="0"/>
+              <a:t> { get; set; }</a:t>
+            </a:r>
+            <a:endParaRPr lang="en-US" sz="1800" dirty="0" smtClean="0"/>
+          </a:p>
+          <a:p>
+            <a:pPr lvl="1"/>
+            <a:r>
+              <a:rPr lang="en-US" sz="1400" dirty="0" smtClean="0"/>
+              <a:t>In database and entity management, it is a nice thing to know when something is changed or updated.</a:t>
+            </a:r>
+            <a:endParaRPr lang="en-US" sz="1400" dirty="0"/>
+          </a:p>
+        </p:txBody>
+      </p:sp>
+    </p:spTree>
+    <p:extLst>
+      <p:ext uri="{BB962C8B-B14F-4D97-AF65-F5344CB8AC3E}">
+        <p14:creationId xmlns:p14="http://schemas.microsoft.com/office/powerpoint/2010/main" val="1943303483"/>
+      </p:ext>
+    </p:extLst>
+  </p:cSld>
+  <p:clrMapOvr>
+    <a:masterClrMapping/>
+  </p:clrMapOvr>
+</p:sld>
+</file>
+
+<file path=ppt/slides/slide34.xml><?xml version="1.0" encoding="utf-8"?>
+<p:sld xmlns:a="http://schemas.openxmlformats.org/drawingml/2006/main" xmlns:r="http://schemas.openxmlformats.org/officeDocument/2006/relationships" xmlns:p="http://schemas.openxmlformats.org/presentationml/2006/main">
+  <p:cSld>
+    <p:spTree>
+      <p:nvGrpSpPr>
+        <p:cNvPr id="1" name=""/>
+        <p:cNvGrpSpPr/>
+        <p:nvPr/>
+      </p:nvGrpSpPr>
+      <p:grpSpPr>
+        <a:xfrm>
+          <a:off x="0" y="0"/>
+          <a:ext cx="0" cy="0"/>
+          <a:chOff x="0" y="0"/>
+          <a:chExt cx="0" cy="0"/>
+        </a:xfrm>
+      </p:grpSpPr>
+      <p:sp>
+        <p:nvSpPr>
+          <p:cNvPr id="2" name="Title 1"/>
+          <p:cNvSpPr>
+            <a:spLocks noGrp="1"/>
+          </p:cNvSpPr>
+          <p:nvPr>
+            <p:ph type="title"/>
+          </p:nvPr>
+        </p:nvSpPr>
+        <p:spPr/>
+        <p:txBody>
+          <a:bodyPr/>
+          <a:lstStyle/>
+          <a:p>
+            <a:pPr algn="ctr"/>
+            <a:r>
+              <a:rPr lang="en-US" dirty="0" err="1" smtClean="0"/>
+              <a:t>BaseEntity</a:t>
+            </a:r>
+            <a:r>
+              <a:rPr lang="en-US" dirty="0" smtClean="0"/>
+              <a:t> Creation</a:t>
+            </a:r>
+            <a:endParaRPr lang="en-US" dirty="0"/>
+          </a:p>
+        </p:txBody>
+      </p:sp>
+      <p:pic>
+        <p:nvPicPr>
+          <p:cNvPr id="5" name="Content Placeholder 4"/>
+          <p:cNvPicPr>
+            <a:picLocks noGrp="1" noChangeAspect="1"/>
+          </p:cNvPicPr>
+          <p:nvPr>
+            <p:ph sz="half" idx="1"/>
+          </p:nvPr>
+        </p:nvPicPr>
+        <p:blipFill>
+          <a:blip r:embed="rId2" cstate="print">
+            <a:extLst>
+              <a:ext uri="{28A0092B-C50C-407E-A947-70E740481C1C}">
+                <a14:useLocalDpi xmlns:a14="http://schemas.microsoft.com/office/drawing/2010/main" val="0"/>
+              </a:ext>
+            </a:extLst>
+          </a:blip>
+          <a:stretch>
+            <a:fillRect/>
+          </a:stretch>
+        </p:blipFill>
+        <p:spPr>
+          <a:xfrm>
+            <a:off x="1435100" y="2573601"/>
+            <a:ext cx="3657600" cy="2564872"/>
+          </a:xfrm>
+        </p:spPr>
+      </p:pic>
+      <p:sp>
+        <p:nvSpPr>
+          <p:cNvPr id="4" name="Content Placeholder 3"/>
+          <p:cNvSpPr>
+            <a:spLocks noGrp="1"/>
+          </p:cNvSpPr>
+          <p:nvPr>
+            <p:ph sz="half" idx="2"/>
+          </p:nvPr>
+        </p:nvSpPr>
+        <p:spPr/>
+        <p:txBody>
+          <a:bodyPr>
+            <a:normAutofit/>
+          </a:bodyPr>
+          <a:lstStyle/>
+          <a:p>
+            <a:r>
+              <a:rPr lang="en-US" sz="1800" b="1" dirty="0" err="1" smtClean="0"/>
+              <a:t>CreateBy</a:t>
+            </a:r>
+            <a:r>
+              <a:rPr lang="en-US" sz="1800" b="1" dirty="0" smtClean="0"/>
+              <a:t>{ get; set;} and </a:t>
+            </a:r>
+            <a:r>
+              <a:rPr lang="en-US" sz="1800" b="1" dirty="0" err="1"/>
+              <a:t>UpdatedBy</a:t>
+            </a:r>
+            <a:r>
+              <a:rPr lang="en-US" sz="1800" b="1" dirty="0"/>
+              <a:t>{ get; set; }</a:t>
+            </a:r>
+            <a:endParaRPr lang="en-US" sz="1800" b="1" dirty="0" smtClean="0"/>
+          </a:p>
+          <a:p>
+            <a:pPr lvl="1"/>
+            <a:r>
+              <a:rPr lang="en-US" sz="1400" dirty="0" smtClean="0"/>
+              <a:t>To keep track of the person that is creating or updating entities for the database. </a:t>
+            </a:r>
+          </a:p>
+          <a:p>
+            <a:pPr lvl="1"/>
+            <a:r>
+              <a:rPr lang="en-US" sz="1400" dirty="0" smtClean="0"/>
+              <a:t>This can be important if we want to allow users to find items in the database that they created. It is also important for legal and audit information to know who has been changing the database information.</a:t>
+            </a:r>
+          </a:p>
+        </p:txBody>
+      </p:sp>
+    </p:spTree>
+    <p:extLst>
+      <p:ext uri="{BB962C8B-B14F-4D97-AF65-F5344CB8AC3E}">
+        <p14:creationId xmlns:p14="http://schemas.microsoft.com/office/powerpoint/2010/main" val="506738992"/>
+      </p:ext>
+    </p:extLst>
+  </p:cSld>
+  <p:clrMapOvr>
+    <a:masterClrMapping/>
+  </p:clrMapOvr>
+</p:sld>
+</file>
+
+<file path=ppt/slides/slide35.xml><?xml version="1.0" encoding="utf-8"?>
+<p:sld xmlns:a="http://schemas.openxmlformats.org/drawingml/2006/main" xmlns:r="http://schemas.openxmlformats.org/officeDocument/2006/relationships" xmlns:p="http://schemas.openxmlformats.org/presentationml/2006/main">
+  <p:cSld>
+    <p:spTree>
+      <p:nvGrpSpPr>
+        <p:cNvPr id="1" name=""/>
+        <p:cNvGrpSpPr/>
+        <p:nvPr/>
+      </p:nvGrpSpPr>
+      <p:grpSpPr>
+        <a:xfrm>
+          <a:off x="0" y="0"/>
+          <a:ext cx="0" cy="0"/>
+          <a:chOff x="0" y="0"/>
+          <a:chExt cx="0" cy="0"/>
+        </a:xfrm>
+      </p:grpSpPr>
+      <p:sp>
+        <p:nvSpPr>
+          <p:cNvPr id="2" name="Title 1"/>
+          <p:cNvSpPr>
+            <a:spLocks noGrp="1"/>
+          </p:cNvSpPr>
+          <p:nvPr>
+            <p:ph type="title"/>
+          </p:nvPr>
+        </p:nvSpPr>
+        <p:spPr/>
+        <p:txBody>
+          <a:bodyPr/>
+          <a:lstStyle/>
+          <a:p>
+            <a:pPr algn="ctr"/>
+            <a:r>
+              <a:rPr lang="en-US" dirty="0" smtClean="0"/>
+              <a:t>Book Entity Creation</a:t>
+            </a:r>
+            <a:endParaRPr lang="en-US" dirty="0"/>
+          </a:p>
+        </p:txBody>
+      </p:sp>
+      <p:pic>
+        <p:nvPicPr>
+          <p:cNvPr id="5" name="Content Placeholder 4"/>
+          <p:cNvPicPr>
+            <a:picLocks noGrp="1" noChangeAspect="1"/>
+          </p:cNvPicPr>
+          <p:nvPr>
+            <p:ph sz="half" idx="1"/>
+          </p:nvPr>
+        </p:nvPicPr>
+        <p:blipFill>
+          <a:blip r:embed="rId2" cstate="print">
+            <a:extLst>
+              <a:ext uri="{28A0092B-C50C-407E-A947-70E740481C1C}">
+                <a14:useLocalDpi xmlns:a14="http://schemas.microsoft.com/office/drawing/2010/main" val="0"/>
+              </a:ext>
+            </a:extLst>
+          </a:blip>
+          <a:stretch>
+            <a:fillRect/>
+          </a:stretch>
+        </p:blipFill>
+        <p:spPr>
+          <a:xfrm>
+            <a:off x="1438134" y="1143000"/>
+            <a:ext cx="3667266" cy="3843073"/>
+          </a:xfrm>
+        </p:spPr>
+      </p:pic>
+      <p:sp>
+        <p:nvSpPr>
+          <p:cNvPr id="4" name="Content Placeholder 3"/>
+          <p:cNvSpPr>
+            <a:spLocks noGrp="1"/>
+          </p:cNvSpPr>
+          <p:nvPr>
+            <p:ph sz="half" idx="2"/>
+          </p:nvPr>
+        </p:nvSpPr>
+        <p:spPr/>
+        <p:txBody>
+          <a:bodyPr>
+            <a:normAutofit/>
+          </a:bodyPr>
+          <a:lstStyle/>
+          <a:p>
+            <a:r>
+              <a:rPr lang="en-US" sz="1400" dirty="0" smtClean="0"/>
+              <a:t>We want to store book information in the Azure Cloud Storage Table, so we will create a “Book” class that will inherit our “</a:t>
+            </a:r>
+            <a:r>
+              <a:rPr lang="en-US" sz="1400" dirty="0" err="1" smtClean="0"/>
+              <a:t>BaseEntity</a:t>
+            </a:r>
+            <a:r>
+              <a:rPr lang="en-US" sz="1400" dirty="0" smtClean="0"/>
+              <a:t>” that we just created.</a:t>
+            </a:r>
+          </a:p>
+          <a:p>
+            <a:r>
+              <a:rPr lang="en-US" sz="1400" dirty="0" smtClean="0"/>
+              <a:t>Please note that I have modified the code from the book example to automatically set the </a:t>
+            </a:r>
+            <a:r>
+              <a:rPr lang="en-US" sz="1400" dirty="0" err="1" smtClean="0"/>
+              <a:t>PartitionKey</a:t>
+            </a:r>
+            <a:r>
+              <a:rPr lang="en-US" sz="1400" dirty="0" smtClean="0"/>
+              <a:t> and </a:t>
+            </a:r>
+            <a:r>
+              <a:rPr lang="en-US" sz="1400" dirty="0" err="1" smtClean="0"/>
+              <a:t>RowKey</a:t>
+            </a:r>
+            <a:r>
+              <a:rPr lang="en-US" sz="1400" dirty="0" smtClean="0"/>
+              <a:t> when the Book is created. This is not necessary, but is a good way to ensure that the </a:t>
+            </a:r>
+            <a:r>
+              <a:rPr lang="en-US" sz="1400" dirty="0" err="1" smtClean="0"/>
+              <a:t>PartitionKey</a:t>
+            </a:r>
+            <a:r>
+              <a:rPr lang="en-US" sz="1400" dirty="0" smtClean="0"/>
+              <a:t> and </a:t>
+            </a:r>
+            <a:r>
+              <a:rPr lang="en-US" sz="1400" dirty="0" err="1" smtClean="0"/>
+              <a:t>RowKey</a:t>
+            </a:r>
+            <a:r>
+              <a:rPr lang="en-US" sz="1400" dirty="0" smtClean="0"/>
+              <a:t> are set properly when any new Book is created.</a:t>
+            </a:r>
+          </a:p>
+          <a:p>
+            <a:r>
+              <a:rPr lang="en-US" sz="1400" dirty="0" smtClean="0"/>
+              <a:t>We want to have properties for the information that will be stored in the “Book Table”</a:t>
+            </a:r>
+          </a:p>
+          <a:p>
+            <a:r>
+              <a:rPr lang="en-US" sz="1400" dirty="0" err="1" smtClean="0"/>
+              <a:t>BookName</a:t>
+            </a:r>
+            <a:r>
+              <a:rPr lang="en-US" sz="1400" dirty="0" smtClean="0"/>
+              <a:t>, Author, Publisher, and a </a:t>
+            </a:r>
+            <a:r>
+              <a:rPr lang="en-US" sz="1400" dirty="0" err="1" smtClean="0"/>
+              <a:t>BookId</a:t>
+            </a:r>
+            <a:r>
+              <a:rPr lang="en-US" sz="1400" dirty="0" smtClean="0"/>
+              <a:t> to ensure that the book is unique in the database.</a:t>
+            </a:r>
+          </a:p>
+        </p:txBody>
+      </p:sp>
+      <p:pic>
+        <p:nvPicPr>
+          <p:cNvPr id="3" name="Picture 2"/>
+          <p:cNvPicPr>
+            <a:picLocks noChangeAspect="1"/>
+          </p:cNvPicPr>
+          <p:nvPr/>
+        </p:nvPicPr>
+        <p:blipFill>
+          <a:blip r:embed="rId3" cstate="print">
+            <a:extLst>
+              <a:ext uri="{28A0092B-C50C-407E-A947-70E740481C1C}">
+                <a14:useLocalDpi xmlns:a14="http://schemas.microsoft.com/office/drawing/2010/main" val="0"/>
+              </a:ext>
+            </a:extLst>
+          </a:blip>
+          <a:stretch>
+            <a:fillRect/>
+          </a:stretch>
+        </p:blipFill>
+        <p:spPr>
+          <a:xfrm>
+            <a:off x="1431635" y="5029200"/>
+            <a:ext cx="3673765" cy="1660743"/>
+          </a:xfrm>
+          <a:prstGeom prst="rect">
+            <a:avLst/>
+          </a:prstGeom>
+        </p:spPr>
+      </p:pic>
+    </p:spTree>
+    <p:extLst>
+      <p:ext uri="{BB962C8B-B14F-4D97-AF65-F5344CB8AC3E}">
+        <p14:creationId xmlns:p14="http://schemas.microsoft.com/office/powerpoint/2010/main" val="13329795"/>
+      </p:ext>
+    </p:extLst>
+  </p:cSld>
+  <p:clrMapOvr>
+    <a:masterClrMapping/>
+  </p:clrMapOvr>
+</p:sld>
+</file>
+
+<file path=ppt/slides/slide36.xml><?xml version="1.0" encoding="utf-8"?>
+<p:sld xmlns:a="http://schemas.openxmlformats.org/drawingml/2006/main" xmlns:r="http://schemas.openxmlformats.org/officeDocument/2006/relationships" xmlns:p="http://schemas.openxmlformats.org/presentationml/2006/main">
+  <p:cSld>
+    <p:spTree>
+      <p:nvGrpSpPr>
+        <p:cNvPr id="1" name=""/>
+        <p:cNvGrpSpPr/>
+        <p:nvPr/>
+      </p:nvGrpSpPr>
+      <p:grpSpPr>
+        <a:xfrm>
+          <a:off x="0" y="0"/>
+          <a:ext cx="0" cy="0"/>
+          <a:chOff x="0" y="0"/>
+          <a:chExt cx="0" cy="0"/>
+        </a:xfrm>
+      </p:grpSpPr>
+      <p:sp>
+        <p:nvSpPr>
+          <p:cNvPr id="2" name="Title 1"/>
+          <p:cNvSpPr>
+            <a:spLocks noGrp="1"/>
+          </p:cNvSpPr>
+          <p:nvPr>
+            <p:ph type="title"/>
+          </p:nvPr>
+        </p:nvSpPr>
+        <p:spPr/>
+        <p:txBody>
+          <a:bodyPr/>
+          <a:lstStyle/>
+          <a:p>
+            <a:pPr algn="ctr"/>
+            <a:r>
+              <a:rPr lang="en-US" dirty="0" smtClean="0"/>
+              <a:t>Book Entity Creation</a:t>
+            </a:r>
+            <a:endParaRPr lang="en-US" dirty="0"/>
+          </a:p>
+        </p:txBody>
+      </p:sp>
+      <p:pic>
+        <p:nvPicPr>
+          <p:cNvPr id="5" name="Content Placeholder 4"/>
+          <p:cNvPicPr>
+            <a:picLocks noGrp="1" noChangeAspect="1"/>
+          </p:cNvPicPr>
+          <p:nvPr>
+            <p:ph sz="half" idx="1"/>
+          </p:nvPr>
+        </p:nvPicPr>
+        <p:blipFill>
+          <a:blip r:embed="rId2" cstate="print">
+            <a:extLst>
+              <a:ext uri="{28A0092B-C50C-407E-A947-70E740481C1C}">
+                <a14:useLocalDpi xmlns:a14="http://schemas.microsoft.com/office/drawing/2010/main" val="0"/>
+              </a:ext>
+            </a:extLst>
+          </a:blip>
+          <a:stretch>
+            <a:fillRect/>
+          </a:stretch>
+        </p:blipFill>
+        <p:spPr>
+          <a:xfrm>
+            <a:off x="1438134" y="1143000"/>
+            <a:ext cx="3667266" cy="3843073"/>
+          </a:xfrm>
+        </p:spPr>
+      </p:pic>
+      <p:sp>
+        <p:nvSpPr>
+          <p:cNvPr id="4" name="Content Placeholder 3"/>
+          <p:cNvSpPr>
+            <a:spLocks noGrp="1"/>
+          </p:cNvSpPr>
+          <p:nvPr>
+            <p:ph sz="half" idx="2"/>
+          </p:nvPr>
+        </p:nvSpPr>
+        <p:spPr/>
+        <p:txBody>
+          <a:bodyPr>
+            <a:normAutofit/>
+          </a:bodyPr>
+          <a:lstStyle/>
+          <a:p>
+            <a:r>
+              <a:rPr lang="en-US" sz="1400" dirty="0" smtClean="0"/>
+              <a:t>Note that we are using the </a:t>
+            </a:r>
+            <a:r>
+              <a:rPr lang="en-US" sz="1400" dirty="0" err="1" smtClean="0"/>
+              <a:t>BookId</a:t>
+            </a:r>
+            <a:r>
+              <a:rPr lang="en-US" sz="1400" dirty="0" smtClean="0"/>
+              <a:t> as the </a:t>
+            </a:r>
+            <a:r>
+              <a:rPr lang="en-US" sz="1400" dirty="0" err="1" smtClean="0"/>
+              <a:t>RowKey</a:t>
+            </a:r>
+            <a:r>
+              <a:rPr lang="en-US" sz="1400" dirty="0" smtClean="0"/>
+              <a:t> and the Publisher as the </a:t>
+            </a:r>
+            <a:r>
+              <a:rPr lang="en-US" sz="1400" dirty="0" err="1" smtClean="0"/>
+              <a:t>PartitionKey</a:t>
+            </a:r>
+            <a:r>
+              <a:rPr lang="en-US" sz="1400" dirty="0" smtClean="0"/>
+              <a:t>.</a:t>
+            </a:r>
+          </a:p>
+          <a:p>
+            <a:r>
+              <a:rPr lang="en-US" sz="1400" dirty="0" smtClean="0"/>
+              <a:t>This will ensure that each of the Books will have a unique ID, but each partition in the Azure Cloud Storage will contain all of the books from a given publisher.</a:t>
+            </a:r>
+          </a:p>
+          <a:p>
+            <a:r>
+              <a:rPr lang="en-US" sz="1400" dirty="0" smtClean="0"/>
+              <a:t>By doing this, we allow for uniqueness, but speed up searches when we want to get all the books by a specific publisher. This is a common example of thinking about how we will use the database information to determine what we want to use as the </a:t>
+            </a:r>
+            <a:r>
+              <a:rPr lang="en-US" sz="1400" dirty="0" err="1" smtClean="0"/>
+              <a:t>PartitionKey</a:t>
+            </a:r>
+            <a:r>
+              <a:rPr lang="en-US" sz="1400" dirty="0" smtClean="0"/>
+              <a:t>.</a:t>
+            </a:r>
+          </a:p>
+          <a:p>
+            <a:r>
+              <a:rPr lang="en-US" sz="1400" dirty="0" smtClean="0"/>
+              <a:t>Remember, </a:t>
+            </a:r>
+            <a:r>
+              <a:rPr lang="en-US" sz="1400" dirty="0" err="1" smtClean="0"/>
+              <a:t>PartitionKeys</a:t>
+            </a:r>
+            <a:r>
+              <a:rPr lang="en-US" sz="1400" dirty="0" smtClean="0"/>
+              <a:t> should not be unique, but should be a group that is something we will use in our searches for the application.</a:t>
+            </a:r>
+          </a:p>
+        </p:txBody>
+      </p:sp>
+      <p:pic>
+        <p:nvPicPr>
+          <p:cNvPr id="3" name="Picture 2"/>
+          <p:cNvPicPr>
+            <a:picLocks noChangeAspect="1"/>
+          </p:cNvPicPr>
+          <p:nvPr/>
+        </p:nvPicPr>
+        <p:blipFill>
+          <a:blip r:embed="rId3" cstate="print">
+            <a:extLst>
+              <a:ext uri="{28A0092B-C50C-407E-A947-70E740481C1C}">
+                <a14:useLocalDpi xmlns:a14="http://schemas.microsoft.com/office/drawing/2010/main" val="0"/>
+              </a:ext>
+            </a:extLst>
+          </a:blip>
+          <a:stretch>
+            <a:fillRect/>
+          </a:stretch>
+        </p:blipFill>
+        <p:spPr>
+          <a:xfrm>
+            <a:off x="1431635" y="5029200"/>
+            <a:ext cx="3673765" cy="1660743"/>
+          </a:xfrm>
+          <a:prstGeom prst="rect">
+            <a:avLst/>
+          </a:prstGeom>
+        </p:spPr>
+      </p:pic>
+    </p:spTree>
+    <p:extLst>
+      <p:ext uri="{BB962C8B-B14F-4D97-AF65-F5344CB8AC3E}">
+        <p14:creationId xmlns:p14="http://schemas.microsoft.com/office/powerpoint/2010/main" val="1324135115"/>
+      </p:ext>
+    </p:extLst>
+  </p:cSld>
+  <p:clrMapOvr>
+    <a:masterClrMapping/>
+  </p:clrMapOvr>
+</p:sld>
+</file>
+
+<file path=ppt/slides/slide37.xml><?xml version="1.0" encoding="utf-8"?>
+<p:sld xmlns:a="http://schemas.openxmlformats.org/drawingml/2006/main" xmlns:r="http://schemas.openxmlformats.org/officeDocument/2006/relationships" xmlns:p="http://schemas.openxmlformats.org/presentationml/2006/main">
+  <p:cSld>
+    <p:spTree>
+      <p:nvGrpSpPr>
+        <p:cNvPr id="1" name=""/>
+        <p:cNvGrpSpPr/>
+        <p:nvPr/>
+      </p:nvGrpSpPr>
+      <p:grpSpPr>
+        <a:xfrm>
+          <a:off x="0" y="0"/>
+          <a:ext cx="0" cy="0"/>
+          <a:chOff x="0" y="0"/>
+          <a:chExt cx="0" cy="0"/>
+        </a:xfrm>
+      </p:grpSpPr>
+      <p:sp>
+        <p:nvSpPr>
+          <p:cNvPr id="6" name="Title 5"/>
+          <p:cNvSpPr>
+            <a:spLocks noGrp="1"/>
+          </p:cNvSpPr>
+          <p:nvPr>
+            <p:ph type="title"/>
+          </p:nvPr>
+        </p:nvSpPr>
+        <p:spPr/>
+        <p:txBody>
+          <a:bodyPr>
+            <a:normAutofit/>
+          </a:bodyPr>
+          <a:lstStyle/>
+          <a:p>
+            <a:pPr algn="ctr"/>
+            <a:r>
+              <a:rPr lang="en-US" sz="2800" dirty="0" smtClean="0"/>
+              <a:t>Updating the Program to Insert a Book into the Emulated Azure Cloud Storage</a:t>
+            </a:r>
+            <a:endParaRPr lang="en-US" sz="2800" dirty="0"/>
+          </a:p>
+        </p:txBody>
+      </p:sp>
+      <p:pic>
+        <p:nvPicPr>
+          <p:cNvPr id="8" name="Content Placeholder 7"/>
+          <p:cNvPicPr>
+            <a:picLocks noGrp="1" noChangeAspect="1"/>
+          </p:cNvPicPr>
+          <p:nvPr>
+            <p:ph idx="1"/>
+          </p:nvPr>
+        </p:nvPicPr>
+        <p:blipFill>
+          <a:blip r:embed="rId2" cstate="print">
+            <a:extLst>
+              <a:ext uri="{28A0092B-C50C-407E-A947-70E740481C1C}">
+                <a14:useLocalDpi xmlns:a14="http://schemas.microsoft.com/office/drawing/2010/main" val="0"/>
+              </a:ext>
+            </a:extLst>
+          </a:blip>
+          <a:stretch>
+            <a:fillRect/>
+          </a:stretch>
+        </p:blipFill>
+        <p:spPr>
+          <a:xfrm>
+            <a:off x="2406573" y="1447800"/>
+            <a:ext cx="5397653" cy="3179954"/>
+          </a:xfrm>
+        </p:spPr>
+      </p:pic>
+      <p:sp>
+        <p:nvSpPr>
+          <p:cNvPr id="9" name="TextBox 8"/>
+          <p:cNvSpPr txBox="1"/>
+          <p:nvPr/>
+        </p:nvSpPr>
+        <p:spPr>
+          <a:xfrm>
+            <a:off x="1600200" y="4800600"/>
+            <a:ext cx="7010400" cy="2031325"/>
+          </a:xfrm>
+          <a:prstGeom prst="rect">
+            <a:avLst/>
+          </a:prstGeom>
+          <a:noFill/>
+        </p:spPr>
+        <p:txBody>
+          <a:bodyPr wrap="square" rtlCol="0">
+            <a:spAutoFit/>
+          </a:bodyPr>
+          <a:lstStyle/>
+          <a:p>
+            <a:r>
+              <a:rPr lang="en-US" dirty="0" smtClean="0"/>
+              <a:t>We will update the </a:t>
+            </a:r>
+            <a:r>
+              <a:rPr lang="en-US" dirty="0" err="1" smtClean="0"/>
+              <a:t>Program.cs</a:t>
+            </a:r>
+            <a:r>
+              <a:rPr lang="en-US" dirty="0" smtClean="0"/>
+              <a:t> Main method to create an Azure Storage Account that will be used with the Emulator so we can send and receive information from our database.</a:t>
+            </a:r>
+          </a:p>
+          <a:p>
+            <a:endParaRPr lang="en-US" dirty="0"/>
+          </a:p>
+          <a:p>
+            <a:r>
+              <a:rPr lang="en-US" dirty="0" smtClean="0"/>
+              <a:t>After that we create the “client” that will interact with the database directly by performing the “operation” that we want to achieve on the database tables.</a:t>
+            </a:r>
+          </a:p>
+        </p:txBody>
+      </p:sp>
+    </p:spTree>
+    <p:extLst>
+      <p:ext uri="{BB962C8B-B14F-4D97-AF65-F5344CB8AC3E}">
+        <p14:creationId xmlns:p14="http://schemas.microsoft.com/office/powerpoint/2010/main" val="612535252"/>
+      </p:ext>
+    </p:extLst>
+  </p:cSld>
+  <p:clrMapOvr>
+    <a:masterClrMapping/>
+  </p:clrMapOvr>
+</p:sld>
+</file>
+
+<file path=ppt/slides/slide38.xml><?xml version="1.0" encoding="utf-8"?>
+<p:sld xmlns:a="http://schemas.openxmlformats.org/drawingml/2006/main" xmlns:r="http://schemas.openxmlformats.org/officeDocument/2006/relationships" xmlns:p="http://schemas.openxmlformats.org/presentationml/2006/main">
+  <p:cSld>
+    <p:spTree>
+      <p:nvGrpSpPr>
+        <p:cNvPr id="1" name=""/>
+        <p:cNvGrpSpPr/>
+        <p:nvPr/>
+      </p:nvGrpSpPr>
+      <p:grpSpPr>
+        <a:xfrm>
+          <a:off x="0" y="0"/>
+          <a:ext cx="0" cy="0"/>
+          <a:chOff x="0" y="0"/>
+          <a:chExt cx="0" cy="0"/>
+        </a:xfrm>
+      </p:grpSpPr>
+      <p:sp>
+        <p:nvSpPr>
+          <p:cNvPr id="6" name="Title 5"/>
+          <p:cNvSpPr>
+            <a:spLocks noGrp="1"/>
+          </p:cNvSpPr>
+          <p:nvPr>
+            <p:ph type="title"/>
+          </p:nvPr>
+        </p:nvSpPr>
+        <p:spPr/>
+        <p:txBody>
+          <a:bodyPr>
+            <a:normAutofit/>
+          </a:bodyPr>
+          <a:lstStyle/>
+          <a:p>
+            <a:pPr algn="ctr"/>
+            <a:r>
+              <a:rPr lang="en-US" sz="2800" dirty="0" smtClean="0"/>
+              <a:t>Updating the Program to Insert a Book into the Emulated Azure Cloud Storage</a:t>
+            </a:r>
+            <a:endParaRPr lang="en-US" sz="2800" dirty="0"/>
+          </a:p>
+        </p:txBody>
+      </p:sp>
+      <p:pic>
+        <p:nvPicPr>
+          <p:cNvPr id="8" name="Content Placeholder 7"/>
+          <p:cNvPicPr>
+            <a:picLocks noGrp="1" noChangeAspect="1"/>
+          </p:cNvPicPr>
+          <p:nvPr>
+            <p:ph idx="1"/>
+          </p:nvPr>
+        </p:nvPicPr>
+        <p:blipFill>
+          <a:blip r:embed="rId2" cstate="print">
+            <a:extLst>
+              <a:ext uri="{28A0092B-C50C-407E-A947-70E740481C1C}">
+                <a14:useLocalDpi xmlns:a14="http://schemas.microsoft.com/office/drawing/2010/main" val="0"/>
+              </a:ext>
+            </a:extLst>
+          </a:blip>
+          <a:stretch>
+            <a:fillRect/>
+          </a:stretch>
+        </p:blipFill>
+        <p:spPr>
+          <a:xfrm>
+            <a:off x="2482774" y="1447800"/>
+            <a:ext cx="5213426" cy="3071419"/>
+          </a:xfrm>
+        </p:spPr>
+      </p:pic>
+      <p:sp>
+        <p:nvSpPr>
+          <p:cNvPr id="9" name="TextBox 8"/>
+          <p:cNvSpPr txBox="1"/>
+          <p:nvPr/>
+        </p:nvSpPr>
+        <p:spPr>
+          <a:xfrm>
+            <a:off x="1600200" y="4572000"/>
+            <a:ext cx="7010400" cy="2308324"/>
+          </a:xfrm>
+          <a:prstGeom prst="rect">
+            <a:avLst/>
+          </a:prstGeom>
+          <a:noFill/>
+        </p:spPr>
+        <p:txBody>
+          <a:bodyPr wrap="square" rtlCol="0">
+            <a:spAutoFit/>
+          </a:bodyPr>
+          <a:lstStyle/>
+          <a:p>
+            <a:r>
+              <a:rPr lang="en-US" dirty="0" smtClean="0"/>
+              <a:t>Once we have the Account and Client, we will have to connect the account to the database (in this case the development database), and then get the “Book” table with the client.  We also want to create the “Book” table if it does not already exist.</a:t>
+            </a:r>
+          </a:p>
+          <a:p>
+            <a:endParaRPr lang="en-US" dirty="0"/>
+          </a:p>
+          <a:p>
+            <a:r>
+              <a:rPr lang="en-US" dirty="0" smtClean="0"/>
+              <a:t>Once we have done this, we can create a Book with information, create the “insert” operation and then “execute” the operation with the client. With all of this coded, run the application with F5.</a:t>
+            </a:r>
+          </a:p>
+        </p:txBody>
+      </p:sp>
+    </p:spTree>
+    <p:extLst>
+      <p:ext uri="{BB962C8B-B14F-4D97-AF65-F5344CB8AC3E}">
+        <p14:creationId xmlns:p14="http://schemas.microsoft.com/office/powerpoint/2010/main" val="1197324908"/>
+      </p:ext>
+    </p:extLst>
+  </p:cSld>
+  <p:clrMapOvr>
+    <a:masterClrMapping/>
+  </p:clrMapOvr>
+</p:sld>
+</file>
+
+<file path=ppt/slides/slide39.xml><?xml version="1.0" encoding="utf-8"?>
+<p:sld xmlns:a="http://schemas.openxmlformats.org/drawingml/2006/main" xmlns:r="http://schemas.openxmlformats.org/officeDocument/2006/relationships" xmlns:p="http://schemas.openxmlformats.org/presentationml/2006/main">
+  <p:cSld>
+    <p:spTree>
+      <p:nvGrpSpPr>
+        <p:cNvPr id="1" name=""/>
+        <p:cNvGrpSpPr/>
+        <p:nvPr/>
+      </p:nvGrpSpPr>
+      <p:grpSpPr>
+        <a:xfrm>
+          <a:off x="0" y="0"/>
+          <a:ext cx="0" cy="0"/>
+          <a:chOff x="0" y="0"/>
+          <a:chExt cx="0" cy="0"/>
+        </a:xfrm>
+      </p:grpSpPr>
+      <p:sp>
+        <p:nvSpPr>
+          <p:cNvPr id="6" name="Title 5"/>
+          <p:cNvSpPr>
+            <a:spLocks noGrp="1"/>
+          </p:cNvSpPr>
+          <p:nvPr>
+            <p:ph type="title"/>
+          </p:nvPr>
+        </p:nvSpPr>
+        <p:spPr/>
+        <p:txBody>
+          <a:bodyPr>
+            <a:normAutofit/>
+          </a:bodyPr>
+          <a:lstStyle/>
+          <a:p>
+            <a:pPr algn="ctr"/>
+            <a:r>
+              <a:rPr lang="en-US" sz="2800" dirty="0"/>
+              <a:t>Checking the database to ensure it worked properly.</a:t>
+            </a:r>
+          </a:p>
+        </p:txBody>
+      </p:sp>
+      <p:pic>
+        <p:nvPicPr>
+          <p:cNvPr id="8" name="Content Placeholder 7"/>
+          <p:cNvPicPr>
+            <a:picLocks noGrp="1" noChangeAspect="1"/>
+          </p:cNvPicPr>
+          <p:nvPr>
+            <p:ph idx="1"/>
+          </p:nvPr>
+        </p:nvPicPr>
+        <p:blipFill>
+          <a:blip r:embed="rId2">
+            <a:extLst>
+              <a:ext uri="{28A0092B-C50C-407E-A947-70E740481C1C}">
+                <a14:useLocalDpi xmlns:a14="http://schemas.microsoft.com/office/drawing/2010/main" val="0"/>
+              </a:ext>
+            </a:extLst>
+          </a:blip>
+          <a:stretch>
+            <a:fillRect/>
+          </a:stretch>
+        </p:blipFill>
+        <p:spPr>
+          <a:xfrm>
+            <a:off x="3334086" y="1447800"/>
+            <a:ext cx="3510802" cy="3071419"/>
+          </a:xfrm>
+        </p:spPr>
+      </p:pic>
+      <p:sp>
+        <p:nvSpPr>
+          <p:cNvPr id="9" name="TextBox 8"/>
+          <p:cNvSpPr txBox="1"/>
+          <p:nvPr/>
+        </p:nvSpPr>
+        <p:spPr>
+          <a:xfrm>
+            <a:off x="1600200" y="4572000"/>
+            <a:ext cx="7010400" cy="1477328"/>
+          </a:xfrm>
+          <a:prstGeom prst="rect">
+            <a:avLst/>
+          </a:prstGeom>
+          <a:noFill/>
+        </p:spPr>
+        <p:txBody>
+          <a:bodyPr wrap="square" rtlCol="0">
+            <a:spAutoFit/>
+          </a:bodyPr>
+          <a:lstStyle/>
+          <a:p>
+            <a:r>
+              <a:rPr lang="en-US" dirty="0" smtClean="0"/>
+              <a:t>Now that we have performed the insert operation, let’s look at our “emulated” database.</a:t>
+            </a:r>
+          </a:p>
+          <a:p>
+            <a:endParaRPr lang="en-US" dirty="0"/>
+          </a:p>
+          <a:p>
+            <a:r>
+              <a:rPr lang="en-US" dirty="0" smtClean="0"/>
+              <a:t>Open the “Cloud Explorer” by finding it under the “View” menu at the top of the IDE window.</a:t>
+            </a:r>
+          </a:p>
+        </p:txBody>
+      </p:sp>
+    </p:spTree>
+    <p:extLst>
+      <p:ext uri="{BB962C8B-B14F-4D97-AF65-F5344CB8AC3E}">
+        <p14:creationId xmlns:p14="http://schemas.microsoft.com/office/powerpoint/2010/main" val="3447101072"/>
       </p:ext>
     </p:extLst>
   </p:cSld>
@@ -8791,10 +12510,15 @@
             <p:ph idx="1"/>
           </p:nvPr>
         </p:nvSpPr>
-        <p:spPr/>
+        <p:spPr>
+          <a:xfrm>
+            <a:off x="1435608" y="1676400"/>
+            <a:ext cx="7498080" cy="4800600"/>
+          </a:xfrm>
+        </p:spPr>
         <p:txBody>
           <a:bodyPr>
-            <a:normAutofit fontScale="92500" lnSpcReduction="20000"/>
+            <a:normAutofit fontScale="85000" lnSpcReduction="10000"/>
           </a:bodyPr>
           <a:lstStyle/>
           <a:p>
@@ -8939,6 +12663,235 @@
     <p:extLst>
       <p:ext uri="{BB962C8B-B14F-4D97-AF65-F5344CB8AC3E}">
         <p14:creationId xmlns:p14="http://schemas.microsoft.com/office/powerpoint/2010/main" val="1656557607"/>
+      </p:ext>
+    </p:extLst>
+  </p:cSld>
+  <p:clrMapOvr>
+    <a:masterClrMapping/>
+  </p:clrMapOvr>
+</p:sld>
+</file>
+
+<file path=ppt/slides/slide40.xml><?xml version="1.0" encoding="utf-8"?>
+<p:sld xmlns:a="http://schemas.openxmlformats.org/drawingml/2006/main" xmlns:r="http://schemas.openxmlformats.org/officeDocument/2006/relationships" xmlns:p="http://schemas.openxmlformats.org/presentationml/2006/main">
+  <p:cSld>
+    <p:spTree>
+      <p:nvGrpSpPr>
+        <p:cNvPr id="1" name=""/>
+        <p:cNvGrpSpPr/>
+        <p:nvPr/>
+      </p:nvGrpSpPr>
+      <p:grpSpPr>
+        <a:xfrm>
+          <a:off x="0" y="0"/>
+          <a:ext cx="0" cy="0"/>
+          <a:chOff x="0" y="0"/>
+          <a:chExt cx="0" cy="0"/>
+        </a:xfrm>
+      </p:grpSpPr>
+      <p:sp>
+        <p:nvSpPr>
+          <p:cNvPr id="6" name="Title 5"/>
+          <p:cNvSpPr>
+            <a:spLocks noGrp="1"/>
+          </p:cNvSpPr>
+          <p:nvPr>
+            <p:ph type="title"/>
+          </p:nvPr>
+        </p:nvSpPr>
+        <p:spPr/>
+        <p:txBody>
+          <a:bodyPr>
+            <a:normAutofit/>
+          </a:bodyPr>
+          <a:lstStyle/>
+          <a:p>
+            <a:pPr algn="ctr"/>
+            <a:r>
+              <a:rPr lang="en-US" sz="2800" dirty="0"/>
+              <a:t>Checking the database to ensure it worked properly.</a:t>
+            </a:r>
+          </a:p>
+        </p:txBody>
+      </p:sp>
+      <p:pic>
+        <p:nvPicPr>
+          <p:cNvPr id="8" name="Content Placeholder 7"/>
+          <p:cNvPicPr>
+            <a:picLocks noGrp="1" noChangeAspect="1"/>
+          </p:cNvPicPr>
+          <p:nvPr>
+            <p:ph idx="1"/>
+          </p:nvPr>
+        </p:nvPicPr>
+        <p:blipFill>
+          <a:blip r:embed="rId2" cstate="print">
+            <a:extLst>
+              <a:ext uri="{28A0092B-C50C-407E-A947-70E740481C1C}">
+                <a14:useLocalDpi xmlns:a14="http://schemas.microsoft.com/office/drawing/2010/main" val="0"/>
+              </a:ext>
+            </a:extLst>
+          </a:blip>
+          <a:stretch>
+            <a:fillRect/>
+          </a:stretch>
+        </p:blipFill>
+        <p:spPr>
+          <a:xfrm>
+            <a:off x="1216843" y="1524000"/>
+            <a:ext cx="7777113" cy="2377040"/>
+          </a:xfrm>
+        </p:spPr>
+      </p:pic>
+      <p:sp>
+        <p:nvSpPr>
+          <p:cNvPr id="9" name="TextBox 8"/>
+          <p:cNvSpPr txBox="1"/>
+          <p:nvPr/>
+        </p:nvSpPr>
+        <p:spPr>
+          <a:xfrm>
+            <a:off x="1600200" y="4572000"/>
+            <a:ext cx="7010400" cy="1477328"/>
+          </a:xfrm>
+          <a:prstGeom prst="rect">
+            <a:avLst/>
+          </a:prstGeom>
+          <a:noFill/>
+        </p:spPr>
+        <p:txBody>
+          <a:bodyPr wrap="square" rtlCol="0">
+            <a:spAutoFit/>
+          </a:bodyPr>
+          <a:lstStyle/>
+          <a:p>
+            <a:r>
+              <a:rPr lang="en-US" dirty="0" smtClean="0"/>
+              <a:t>If everything is working correctly, you can find the “Book” Table, and double click on it.</a:t>
+            </a:r>
+          </a:p>
+          <a:p>
+            <a:endParaRPr lang="en-US" dirty="0" smtClean="0"/>
+          </a:p>
+          <a:p>
+            <a:r>
+              <a:rPr lang="en-US" dirty="0" smtClean="0"/>
+              <a:t>This will “open” the table for viewing and we should be able to see the book that we just inserted into the “Book” table.</a:t>
+            </a:r>
+          </a:p>
+        </p:txBody>
+      </p:sp>
+    </p:spTree>
+    <p:extLst>
+      <p:ext uri="{BB962C8B-B14F-4D97-AF65-F5344CB8AC3E}">
+        <p14:creationId xmlns:p14="http://schemas.microsoft.com/office/powerpoint/2010/main" val="2375763562"/>
+      </p:ext>
+    </p:extLst>
+  </p:cSld>
+  <p:clrMapOvr>
+    <a:masterClrMapping/>
+  </p:clrMapOvr>
+</p:sld>
+</file>
+
+<file path=ppt/slides/slide41.xml><?xml version="1.0" encoding="utf-8"?>
+<p:sld xmlns:a="http://schemas.openxmlformats.org/drawingml/2006/main" xmlns:r="http://schemas.openxmlformats.org/officeDocument/2006/relationships" xmlns:p="http://schemas.openxmlformats.org/presentationml/2006/main">
+  <p:cSld>
+    <p:spTree>
+      <p:nvGrpSpPr>
+        <p:cNvPr id="1" name=""/>
+        <p:cNvGrpSpPr/>
+        <p:nvPr/>
+      </p:nvGrpSpPr>
+      <p:grpSpPr>
+        <a:xfrm>
+          <a:off x="0" y="0"/>
+          <a:ext cx="0" cy="0"/>
+          <a:chOff x="0" y="0"/>
+          <a:chExt cx="0" cy="0"/>
+        </a:xfrm>
+      </p:grpSpPr>
+      <p:sp>
+        <p:nvSpPr>
+          <p:cNvPr id="6" name="Title 5"/>
+          <p:cNvSpPr>
+            <a:spLocks noGrp="1"/>
+          </p:cNvSpPr>
+          <p:nvPr>
+            <p:ph type="title"/>
+          </p:nvPr>
+        </p:nvSpPr>
+        <p:spPr/>
+        <p:txBody>
+          <a:bodyPr>
+            <a:normAutofit/>
+          </a:bodyPr>
+          <a:lstStyle/>
+          <a:p>
+            <a:pPr algn="ctr"/>
+            <a:r>
+              <a:rPr lang="en-US" sz="2800" dirty="0" smtClean="0"/>
+              <a:t>Next Lesson</a:t>
+            </a:r>
+            <a:endParaRPr lang="en-US" sz="2800" dirty="0"/>
+          </a:p>
+        </p:txBody>
+      </p:sp>
+      <p:sp>
+        <p:nvSpPr>
+          <p:cNvPr id="2" name="Content Placeholder 1"/>
+          <p:cNvSpPr>
+            <a:spLocks noGrp="1"/>
+          </p:cNvSpPr>
+          <p:nvPr>
+            <p:ph idx="1"/>
+          </p:nvPr>
+        </p:nvSpPr>
+        <p:spPr/>
+        <p:txBody>
+          <a:bodyPr>
+            <a:normAutofit lnSpcReduction="10000"/>
+          </a:bodyPr>
+          <a:lstStyle/>
+          <a:p>
+            <a:r>
+              <a:rPr lang="en-US" dirty="0" smtClean="0"/>
+              <a:t>In the next lesson we will discuss the “Unit of Work” design pattern.</a:t>
+            </a:r>
+          </a:p>
+          <a:p>
+            <a:r>
+              <a:rPr lang="en-US" dirty="0" smtClean="0"/>
+              <a:t>This pattern was created to work with </a:t>
+            </a:r>
+            <a:r>
+              <a:rPr lang="en-US" dirty="0" err="1" smtClean="0"/>
+              <a:t>NoSQL</a:t>
+            </a:r>
+            <a:r>
+              <a:rPr lang="en-US" dirty="0" smtClean="0"/>
+              <a:t> database that do not have the ability to do multiple transactions at the same time.  We have to manually control everything we do with the database to ensure consistency and accuracy. This is done with the </a:t>
+            </a:r>
+            <a:r>
+              <a:rPr lang="en-US" dirty="0" err="1" smtClean="0"/>
+              <a:t>UoW</a:t>
+            </a:r>
+            <a:r>
+              <a:rPr lang="en-US" dirty="0" smtClean="0"/>
+              <a:t> </a:t>
+            </a:r>
+            <a:r>
+              <a:rPr lang="en-US" smtClean="0"/>
+              <a:t>Design Pattern.</a:t>
+            </a:r>
+            <a:endParaRPr lang="en-US" dirty="0"/>
+          </a:p>
+        </p:txBody>
+      </p:sp>
+    </p:spTree>
+    <p:extLst>
+      <p:ext uri="{BB962C8B-B14F-4D97-AF65-F5344CB8AC3E}">
+        <p14:creationId xmlns:p14="http://schemas.microsoft.com/office/powerpoint/2010/main" val="993553594"/>
       </p:ext>
     </p:extLst>
   </p:cSld>
@@ -9253,7 +13206,7 @@
         <p:spPr/>
         <p:txBody>
           <a:bodyPr>
-            <a:normAutofit fontScale="85000" lnSpcReduction="20000"/>
+            <a:normAutofit fontScale="77500" lnSpcReduction="20000"/>
           </a:bodyPr>
           <a:lstStyle/>
           <a:p>
@@ -9352,7 +13305,7 @@
         <p:spPr/>
         <p:txBody>
           <a:bodyPr>
-            <a:normAutofit fontScale="62500" lnSpcReduction="20000"/>
+            <a:normAutofit fontScale="55000" lnSpcReduction="20000"/>
           </a:bodyPr>
           <a:lstStyle/>
           <a:p>
@@ -9578,7 +13531,7 @@
         <p:spPr/>
         <p:txBody>
           <a:bodyPr>
-            <a:normAutofit fontScale="77500" lnSpcReduction="20000"/>
+            <a:normAutofit fontScale="70000" lnSpcReduction="20000"/>
           </a:bodyPr>
           <a:lstStyle/>
           <a:p>
@@ -9686,24 +13639,22 @@
         <a:srgbClr val="AA8A14"/>
       </a:folHlink>
     </a:clrScheme>
-    <a:fontScheme name="Solstice">
+    <a:fontScheme name="Elemental">
       <a:majorFont>
-        <a:latin typeface="Gill Sans MT"/>
+        <a:latin typeface="Palatino Linotype"/>
         <a:ea typeface=""/>
         <a:cs typeface=""/>
-        <a:font script="Grek" typeface="Corbel"/>
-        <a:font script="Cyrl" typeface="Corbel"/>
-        <a:font script="Jpan" typeface="HGｺﾞｼｯｸE"/>
-        <a:font script="Hang" typeface="휴먼매직체"/>
-        <a:font script="Hans" typeface="华文中宋"/>
-        <a:font script="Hant" typeface="微軟正黑體"/>
-        <a:font script="Arab" typeface="Majalla UI"/>
-        <a:font script="Hebr" typeface="Arial"/>
-        <a:font script="Thai" typeface="Cordia New"/>
+        <a:font script="Jpan" typeface="HGS明朝E"/>
+        <a:font script="Hang" typeface="맑은 고딕"/>
+        <a:font script="Hans" typeface="宋体"/>
+        <a:font script="Hant" typeface="新細明體"/>
+        <a:font script="Arab" typeface="Times New Roman"/>
+        <a:font script="Hebr" typeface="Times New Roman"/>
+        <a:font script="Thai" typeface="Browallia New"/>
         <a:font script="Ethi" typeface="Nyala"/>
         <a:font script="Beng" typeface="Vrinda"/>
         <a:font script="Gujr" typeface="Shruti"/>
-        <a:font script="Khmr" typeface="DaunPenh"/>
+        <a:font script="Khmr" typeface="MoolBoran"/>
         <a:font script="Knda" typeface="Tunga"/>
         <a:font script="Guru" typeface="Raavi"/>
         <a:font script="Cans" typeface="Euphemia"/>
@@ -9720,27 +13671,25 @@
         <a:font script="Laoo" typeface="DokChampa"/>
         <a:font script="Sinh" typeface="Iskoola Pota"/>
         <a:font script="Mong" typeface="Mongolian Baiti"/>
-        <a:font script="Viet" typeface="Tahoma"/>
+        <a:font script="Viet" typeface="Times New Roman"/>
         <a:font script="Uigh" typeface="Microsoft Uighur"/>
         <a:font script="Geor" typeface="Sylfaen"/>
       </a:majorFont>
       <a:minorFont>
-        <a:latin typeface="Gill Sans MT"/>
+        <a:latin typeface="Palatino Linotype"/>
         <a:ea typeface=""/>
         <a:cs typeface=""/>
-        <a:font script="Grek" typeface="Corbel"/>
-        <a:font script="Cyrl" typeface="Corbel"/>
-        <a:font script="Jpan" typeface="HGｺﾞｼｯｸE"/>
-        <a:font script="Hang" typeface="HY엽서L"/>
-        <a:font script="Hans" typeface="华文中宋"/>
-        <a:font script="Hant" typeface="微軟正黑體"/>
-        <a:font script="Arab" typeface="Majalla UI"/>
-        <a:font script="Hebr" typeface="Arial"/>
-        <a:font script="Thai" typeface="Cordia New"/>
+        <a:font script="Jpan" typeface="HGS明朝E"/>
+        <a:font script="Hang" typeface="맑은 고딕"/>
+        <a:font script="Hans" typeface="宋体"/>
+        <a:font script="Hant" typeface="新細明體"/>
+        <a:font script="Arab" typeface="Times New Roman"/>
+        <a:font script="Hebr" typeface="Times New Roman"/>
+        <a:font script="Thai" typeface="Browallia New"/>
         <a:font script="Ethi" typeface="Nyala"/>
         <a:font script="Beng" typeface="Vrinda"/>
         <a:font script="Gujr" typeface="Shruti"/>
-        <a:font script="Khmr" typeface="DaunPenh"/>
+        <a:font script="Khmr" typeface="MoolBoran"/>
         <a:font script="Knda" typeface="Tunga"/>
         <a:font script="Guru" typeface="Raavi"/>
         <a:font script="Cans" typeface="Euphemia"/>
@@ -9757,7 +13706,7 @@
         <a:font script="Laoo" typeface="DokChampa"/>
         <a:font script="Sinh" typeface="Iskoola Pota"/>
         <a:font script="Mong" typeface="Mongolian Baiti"/>
-        <a:font script="Viet" typeface="Tahoma"/>
+        <a:font script="Viet" typeface="Times New Roman"/>
         <a:font script="Uigh" typeface="Microsoft Uighur"/>
         <a:font script="Geor" typeface="Sylfaen"/>
       </a:minorFont>
